--- a/PitchDeck.pptx
+++ b/PitchDeck.pptx
@@ -5,26 +5,31 @@
     <p:sldMasterId id="2147483648" r:id="rId1"/>
   </p:sldMasterIdLst>
   <p:notesMasterIdLst>
-    <p:notesMasterId r:id="rId19"/>
+    <p:notesMasterId r:id="rId24"/>
   </p:notesMasterIdLst>
   <p:sldIdLst>
     <p:sldId id="256" r:id="rId2"/>
-    <p:sldId id="258" r:id="rId3"/>
+    <p:sldId id="280" r:id="rId3"/>
     <p:sldId id="271" r:id="rId4"/>
     <p:sldId id="273" r:id="rId5"/>
-    <p:sldId id="272" r:id="rId6"/>
-    <p:sldId id="260" r:id="rId7"/>
-    <p:sldId id="274" r:id="rId8"/>
-    <p:sldId id="261" r:id="rId9"/>
-    <p:sldId id="269" r:id="rId10"/>
-    <p:sldId id="270" r:id="rId11"/>
-    <p:sldId id="262" r:id="rId12"/>
-    <p:sldId id="263" r:id="rId13"/>
-    <p:sldId id="264" r:id="rId14"/>
-    <p:sldId id="265" r:id="rId15"/>
-    <p:sldId id="266" r:id="rId16"/>
-    <p:sldId id="267" r:id="rId17"/>
-    <p:sldId id="268" r:id="rId18"/>
+    <p:sldId id="279" r:id="rId6"/>
+    <p:sldId id="278" r:id="rId7"/>
+    <p:sldId id="269" r:id="rId8"/>
+    <p:sldId id="262" r:id="rId9"/>
+    <p:sldId id="282" r:id="rId10"/>
+    <p:sldId id="281" r:id="rId11"/>
+    <p:sldId id="263" r:id="rId12"/>
+    <p:sldId id="264" r:id="rId13"/>
+    <p:sldId id="265" r:id="rId14"/>
+    <p:sldId id="266" r:id="rId15"/>
+    <p:sldId id="267" r:id="rId16"/>
+    <p:sldId id="272" r:id="rId17"/>
+    <p:sldId id="274" r:id="rId18"/>
+    <p:sldId id="283" r:id="rId19"/>
+    <p:sldId id="260" r:id="rId20"/>
+    <p:sldId id="275" r:id="rId21"/>
+    <p:sldId id="261" r:id="rId22"/>
+    <p:sldId id="268" r:id="rId23"/>
   </p:sldIdLst>
   <p:sldSz cx="12192000" cy="6858000"/>
   <p:notesSz cx="6858000" cy="9144000"/>
@@ -123,6 +128,45 @@
       </a:defRPr>
     </a:lvl9pPr>
   </p:defaultTextStyle>
+  <p:extLst>
+    <p:ext uri="{521415D9-36F7-43E2-AB2F-B90AF26B5E84}">
+      <p14:sectionLst xmlns:p14="http://schemas.microsoft.com/office/powerpoint/2010/main">
+        <p14:section name="Default Section" id="{E59F46A5-B273-494E-B953-2B4B23F6ED9A}">
+          <p14:sldIdLst>
+            <p14:sldId id="256"/>
+            <p14:sldId id="280"/>
+            <p14:sldId id="271"/>
+            <p14:sldId id="273"/>
+            <p14:sldId id="279"/>
+            <p14:sldId id="278"/>
+            <p14:sldId id="269"/>
+            <p14:sldId id="262"/>
+            <p14:sldId id="282"/>
+            <p14:sldId id="281"/>
+            <p14:sldId id="263"/>
+            <p14:sldId id="264"/>
+            <p14:sldId id="265"/>
+            <p14:sldId id="266"/>
+            <p14:sldId id="267"/>
+          </p14:sldIdLst>
+        </p14:section>
+        <p14:section name="Appendix" id="{2CF309B7-5C06-9D49-8C29-DB60B1938ECD}">
+          <p14:sldIdLst>
+            <p14:sldId id="272"/>
+            <p14:sldId id="274"/>
+            <p14:sldId id="283"/>
+            <p14:sldId id="260"/>
+            <p14:sldId id="275"/>
+            <p14:sldId id="261"/>
+            <p14:sldId id="268"/>
+          </p14:sldIdLst>
+        </p14:section>
+      </p14:sectionLst>
+    </p:ext>
+    <p:ext uri="{EFAFB233-063F-42B5-8137-9DF3F51BA10A}">
+      <p15:sldGuideLst xmlns:p15="http://schemas.microsoft.com/office/powerpoint/2012/main"/>
+    </p:ext>
+  </p:extLst>
 </p:presentation>
 </file>
 
@@ -208,7 +252,7 @@
           <a:p>
             <a:fld id="{BC4AAC68-C5BD-9442-A538-72C65F77175B}" type="datetimeFigureOut">
               <a:rPr lang="en-US" smtClean="0"/>
-              <a:t>7/27/24</a:t>
+              <a:t>7/30/24</a:t>
             </a:fld>
             <a:endParaRPr lang="en-US"/>
           </a:p>
@@ -541,7 +585,7 @@
           <a:p>
             <a:fld id="{66B81DE1-AA60-1B4D-A656-D900B664BB58}" type="slidenum">
               <a:rPr lang="en-US" smtClean="0"/>
-              <a:t>11</a:t>
+              <a:t>8</a:t>
             </a:fld>
             <a:endParaRPr lang="en-US"/>
           </a:p>
@@ -625,7 +669,7 @@
           <a:p>
             <a:fld id="{66B81DE1-AA60-1B4D-A656-D900B664BB58}" type="slidenum">
               <a:rPr lang="en-US" smtClean="0"/>
-              <a:t>15</a:t>
+              <a:t>14</a:t>
             </a:fld>
             <a:endParaRPr lang="en-US"/>
           </a:p>
@@ -635,6 +679,90 @@
     <p:extLst>
       <p:ext uri="{BB962C8B-B14F-4D97-AF65-F5344CB8AC3E}">
         <p14:creationId xmlns:p14="http://schemas.microsoft.com/office/powerpoint/2010/main" val="3585361721"/>
+      </p:ext>
+    </p:extLst>
+  </p:cSld>
+  <p:clrMapOvr>
+    <a:masterClrMapping/>
+  </p:clrMapOvr>
+</p:notes>
+</file>
+
+<file path=ppt/notesSlides/notesSlide3.xml><?xml version="1.0" encoding="utf-8"?>
+<p:notes xmlns:a="http://schemas.openxmlformats.org/drawingml/2006/main" xmlns:r="http://schemas.openxmlformats.org/officeDocument/2006/relationships" xmlns:p="http://schemas.openxmlformats.org/presentationml/2006/main">
+  <p:cSld>
+    <p:spTree>
+      <p:nvGrpSpPr>
+        <p:cNvPr id="1" name=""/>
+        <p:cNvGrpSpPr/>
+        <p:nvPr/>
+      </p:nvGrpSpPr>
+      <p:grpSpPr>
+        <a:xfrm>
+          <a:off x="0" y="0"/>
+          <a:ext cx="0" cy="0"/>
+          <a:chOff x="0" y="0"/>
+          <a:chExt cx="0" cy="0"/>
+        </a:xfrm>
+      </p:grpSpPr>
+      <p:sp>
+        <p:nvSpPr>
+          <p:cNvPr id="2" name="Slide Image Placeholder 1"/>
+          <p:cNvSpPr>
+            <a:spLocks noGrp="1" noRot="1" noChangeAspect="1"/>
+          </p:cNvSpPr>
+          <p:nvPr>
+            <p:ph type="sldImg"/>
+          </p:nvPr>
+        </p:nvSpPr>
+        <p:spPr/>
+      </p:sp>
+      <p:sp>
+        <p:nvSpPr>
+          <p:cNvPr id="3" name="Notes Placeholder 2"/>
+          <p:cNvSpPr>
+            <a:spLocks noGrp="1"/>
+          </p:cNvSpPr>
+          <p:nvPr>
+            <p:ph type="body" idx="1"/>
+          </p:nvPr>
+        </p:nvSpPr>
+        <p:spPr/>
+        <p:txBody>
+          <a:bodyPr/>
+          <a:lstStyle/>
+          <a:p>
+            <a:endParaRPr lang="en-US" dirty="0"/>
+          </a:p>
+        </p:txBody>
+      </p:sp>
+      <p:sp>
+        <p:nvSpPr>
+          <p:cNvPr id="4" name="Slide Number Placeholder 3"/>
+          <p:cNvSpPr>
+            <a:spLocks noGrp="1"/>
+          </p:cNvSpPr>
+          <p:nvPr>
+            <p:ph type="sldNum" sz="quarter" idx="5"/>
+          </p:nvPr>
+        </p:nvSpPr>
+        <p:spPr/>
+        <p:txBody>
+          <a:bodyPr/>
+          <a:lstStyle/>
+          <a:p>
+            <a:fld id="{66B81DE1-AA60-1B4D-A656-D900B664BB58}" type="slidenum">
+              <a:rPr lang="en-US" smtClean="0"/>
+              <a:t>18</a:t>
+            </a:fld>
+            <a:endParaRPr lang="en-US"/>
+          </a:p>
+        </p:txBody>
+      </p:sp>
+    </p:spTree>
+    <p:extLst>
+      <p:ext uri="{BB962C8B-B14F-4D97-AF65-F5344CB8AC3E}">
+        <p14:creationId xmlns:p14="http://schemas.microsoft.com/office/powerpoint/2010/main" val="1533905575"/>
       </p:ext>
     </p:extLst>
   </p:cSld>
@@ -793,7 +921,7 @@
           <a:p>
             <a:fld id="{A7C3D907-66FD-764B-AE43-A8E61F477C40}" type="datetimeFigureOut">
               <a:rPr lang="en-US" smtClean="0"/>
-              <a:t>7/27/24</a:t>
+              <a:t>7/30/24</a:t>
             </a:fld>
             <a:endParaRPr lang="en-US"/>
           </a:p>
@@ -993,7 +1121,7 @@
           <a:p>
             <a:fld id="{A7C3D907-66FD-764B-AE43-A8E61F477C40}" type="datetimeFigureOut">
               <a:rPr lang="en-US" smtClean="0"/>
-              <a:t>7/27/24</a:t>
+              <a:t>7/30/24</a:t>
             </a:fld>
             <a:endParaRPr lang="en-US"/>
           </a:p>
@@ -1203,7 +1331,7 @@
           <a:p>
             <a:fld id="{A7C3D907-66FD-764B-AE43-A8E61F477C40}" type="datetimeFigureOut">
               <a:rPr lang="en-US" smtClean="0"/>
-              <a:t>7/27/24</a:t>
+              <a:t>7/30/24</a:t>
             </a:fld>
             <a:endParaRPr lang="en-US"/>
           </a:p>
@@ -1403,7 +1531,7 @@
           <a:p>
             <a:fld id="{A7C3D907-66FD-764B-AE43-A8E61F477C40}" type="datetimeFigureOut">
               <a:rPr lang="en-US" smtClean="0"/>
-              <a:t>7/27/24</a:t>
+              <a:t>7/30/24</a:t>
             </a:fld>
             <a:endParaRPr lang="en-US"/>
           </a:p>
@@ -1679,7 +1807,7 @@
           <a:p>
             <a:fld id="{A7C3D907-66FD-764B-AE43-A8E61F477C40}" type="datetimeFigureOut">
               <a:rPr lang="en-US" smtClean="0"/>
-              <a:t>7/27/24</a:t>
+              <a:t>7/30/24</a:t>
             </a:fld>
             <a:endParaRPr lang="en-US"/>
           </a:p>
@@ -1947,7 +2075,7 @@
           <a:p>
             <a:fld id="{A7C3D907-66FD-764B-AE43-A8E61F477C40}" type="datetimeFigureOut">
               <a:rPr lang="en-US" smtClean="0"/>
-              <a:t>7/27/24</a:t>
+              <a:t>7/30/24</a:t>
             </a:fld>
             <a:endParaRPr lang="en-US"/>
           </a:p>
@@ -2362,7 +2490,7 @@
           <a:p>
             <a:fld id="{A7C3D907-66FD-764B-AE43-A8E61F477C40}" type="datetimeFigureOut">
               <a:rPr lang="en-US" smtClean="0"/>
-              <a:t>7/27/24</a:t>
+              <a:t>7/30/24</a:t>
             </a:fld>
             <a:endParaRPr lang="en-US"/>
           </a:p>
@@ -2504,7 +2632,7 @@
           <a:p>
             <a:fld id="{A7C3D907-66FD-764B-AE43-A8E61F477C40}" type="datetimeFigureOut">
               <a:rPr lang="en-US" smtClean="0"/>
-              <a:t>7/27/24</a:t>
+              <a:t>7/30/24</a:t>
             </a:fld>
             <a:endParaRPr lang="en-US"/>
           </a:p>
@@ -2617,7 +2745,7 @@
           <a:p>
             <a:fld id="{A7C3D907-66FD-764B-AE43-A8E61F477C40}" type="datetimeFigureOut">
               <a:rPr lang="en-US" smtClean="0"/>
-              <a:t>7/27/24</a:t>
+              <a:t>7/30/24</a:t>
             </a:fld>
             <a:endParaRPr lang="en-US"/>
           </a:p>
@@ -2930,7 +3058,7 @@
           <a:p>
             <a:fld id="{A7C3D907-66FD-764B-AE43-A8E61F477C40}" type="datetimeFigureOut">
               <a:rPr lang="en-US" smtClean="0"/>
-              <a:t>7/27/24</a:t>
+              <a:t>7/30/24</a:t>
             </a:fld>
             <a:endParaRPr lang="en-US"/>
           </a:p>
@@ -3219,7 +3347,7 @@
           <a:p>
             <a:fld id="{A7C3D907-66FD-764B-AE43-A8E61F477C40}" type="datetimeFigureOut">
               <a:rPr lang="en-US" smtClean="0"/>
-              <a:t>7/27/24</a:t>
+              <a:t>7/30/24</a:t>
             </a:fld>
             <a:endParaRPr lang="en-US"/>
           </a:p>
@@ -3462,7 +3590,7 @@
           <a:p>
             <a:fld id="{A7C3D907-66FD-764B-AE43-A8E61F477C40}" type="datetimeFigureOut">
               <a:rPr lang="en-US" smtClean="0"/>
-              <a:t>7/27/24</a:t>
+              <a:t>7/30/24</a:t>
             </a:fld>
             <a:endParaRPr lang="en-US"/>
           </a:p>
@@ -3965,10 +4093,10 @@
       </p:grpSpPr>
       <p:sp>
         <p:nvSpPr>
-          <p:cNvPr id="4" name="Title 3">
-            <a:extLst>
-              <a:ext uri="{FF2B5EF4-FFF2-40B4-BE49-F238E27FC236}">
-                <a16:creationId xmlns:a16="http://schemas.microsoft.com/office/drawing/2014/main" id="{DE0E4E0B-16D5-9CC9-9780-054809772C3E}"/>
+          <p:cNvPr id="2" name="Title 1">
+            <a:extLst>
+              <a:ext uri="{FF2B5EF4-FFF2-40B4-BE49-F238E27FC236}">
+                <a16:creationId xmlns:a16="http://schemas.microsoft.com/office/drawing/2014/main" id="{27AEB5E7-4577-3AEC-974B-1306076EE471}"/>
               </a:ext>
             </a:extLst>
           </p:cNvPr>
@@ -3986,33 +4114,28 @@
           <a:p>
             <a:r>
               <a:rPr lang="en-US" dirty="0"/>
-              <a:t>The Golden Circle</a:t>
-            </a:r>
-          </a:p>
-        </p:txBody>
-      </p:sp>
-      <p:sp>
-        <p:nvSpPr>
-          <p:cNvPr id="6" name="Content Placeholder 5">
-            <a:extLst>
-              <a:ext uri="{FF2B5EF4-FFF2-40B4-BE49-F238E27FC236}">
-                <a16:creationId xmlns:a16="http://schemas.microsoft.com/office/drawing/2014/main" id="{4A40915D-817F-BC2E-5F4D-B5E5FAB17A78}"/>
-              </a:ext>
-            </a:extLst>
-          </p:cNvPr>
-          <p:cNvSpPr>
-            <a:spLocks noGrp="1"/>
-          </p:cNvSpPr>
-          <p:nvPr>
-            <p:ph sz="half" idx="2"/>
-          </p:nvPr>
-        </p:nvSpPr>
-        <p:spPr>
-          <a:xfrm>
-            <a:off x="4337223" y="1825625"/>
-            <a:ext cx="7016577" cy="4351338"/>
-          </a:xfrm>
-        </p:spPr>
+              <a:t>Execution Plan</a:t>
+            </a:r>
+          </a:p>
+        </p:txBody>
+      </p:sp>
+      <p:sp>
+        <p:nvSpPr>
+          <p:cNvPr id="3" name="Content Placeholder 2">
+            <a:extLst>
+              <a:ext uri="{FF2B5EF4-FFF2-40B4-BE49-F238E27FC236}">
+                <a16:creationId xmlns:a16="http://schemas.microsoft.com/office/drawing/2014/main" id="{F07E0412-FBA3-303A-959C-383E998441D9}"/>
+              </a:ext>
+            </a:extLst>
+          </p:cNvPr>
+          <p:cNvSpPr>
+            <a:spLocks noGrp="1"/>
+          </p:cNvSpPr>
+          <p:nvPr>
+            <p:ph idx="1"/>
+          </p:nvPr>
+        </p:nvSpPr>
+        <p:spPr/>
         <p:txBody>
           <a:bodyPr/>
           <a:lstStyle/>
@@ -4022,26 +4145,2570 @@
             </a:pPr>
             <a:r>
               <a:rPr lang="en-US" dirty="0"/>
-              <a:t>What: “The product”</a:t>
-            </a:r>
-          </a:p>
+              <a:t>Pilot Program</a:t>
+            </a:r>
+          </a:p>
+          <a:p>
+            <a:r>
+              <a:rPr lang="en-US" dirty="0"/>
+              <a:t>Cashflow Analytics for Decision Makers</a:t>
+            </a:r>
+          </a:p>
+          <a:p>
+            <a:r>
+              <a:rPr lang="en-US" dirty="0"/>
+              <a:t>Staff Analytics for Human Resource</a:t>
+            </a:r>
+          </a:p>
+          <a:p>
+            <a:endParaRPr lang="en-US" dirty="0"/>
+          </a:p>
+          <a:p>
+            <a:endParaRPr lang="en-US" dirty="0"/>
+          </a:p>
+        </p:txBody>
+      </p:sp>
+    </p:spTree>
+    <p:extLst>
+      <p:ext uri="{BB962C8B-B14F-4D97-AF65-F5344CB8AC3E}">
+        <p14:creationId xmlns:p14="http://schemas.microsoft.com/office/powerpoint/2010/main" val="3494424956"/>
+      </p:ext>
+    </p:extLst>
+  </p:cSld>
+  <p:clrMapOvr>
+    <a:masterClrMapping/>
+  </p:clrMapOvr>
+</p:sld>
+</file>
+
+<file path=ppt/slides/slide11.xml><?xml version="1.0" encoding="utf-8"?>
+<p:sld xmlns:a="http://schemas.openxmlformats.org/drawingml/2006/main" xmlns:r="http://schemas.openxmlformats.org/officeDocument/2006/relationships" xmlns:p="http://schemas.openxmlformats.org/presentationml/2006/main">
+  <p:cSld>
+    <p:spTree>
+      <p:nvGrpSpPr>
+        <p:cNvPr id="1" name=""/>
+        <p:cNvGrpSpPr/>
+        <p:nvPr/>
+      </p:nvGrpSpPr>
+      <p:grpSpPr>
+        <a:xfrm>
+          <a:off x="0" y="0"/>
+          <a:ext cx="0" cy="0"/>
+          <a:chOff x="0" y="0"/>
+          <a:chExt cx="0" cy="0"/>
+        </a:xfrm>
+      </p:grpSpPr>
+      <p:sp>
+        <p:nvSpPr>
+          <p:cNvPr id="2" name="Title 1">
+            <a:extLst>
+              <a:ext uri="{FF2B5EF4-FFF2-40B4-BE49-F238E27FC236}">
+                <a16:creationId xmlns:a16="http://schemas.microsoft.com/office/drawing/2014/main" id="{94C53C80-F6A7-8FED-68EE-037D347C5483}"/>
+              </a:ext>
+            </a:extLst>
+          </p:cNvPr>
+          <p:cNvSpPr>
+            <a:spLocks noGrp="1"/>
+          </p:cNvSpPr>
+          <p:nvPr>
+            <p:ph type="title"/>
+          </p:nvPr>
+        </p:nvSpPr>
+        <p:spPr/>
+        <p:txBody>
+          <a:bodyPr/>
+          <a:lstStyle/>
+          <a:p>
+            <a:r>
+              <a:rPr lang="en-US" dirty="0"/>
+              <a:t>Business Model Slide</a:t>
+            </a:r>
+          </a:p>
+        </p:txBody>
+      </p:sp>
+      <p:sp>
+        <p:nvSpPr>
+          <p:cNvPr id="3" name="Content Placeholder 2">
+            <a:extLst>
+              <a:ext uri="{FF2B5EF4-FFF2-40B4-BE49-F238E27FC236}">
+                <a16:creationId xmlns:a16="http://schemas.microsoft.com/office/drawing/2014/main" id="{3583F870-3FB4-E9F8-A9E2-F135B4BA546F}"/>
+              </a:ext>
+            </a:extLst>
+          </p:cNvPr>
+          <p:cNvSpPr>
+            <a:spLocks noGrp="1"/>
+          </p:cNvSpPr>
+          <p:nvPr>
+            <p:ph idx="1"/>
+          </p:nvPr>
+        </p:nvSpPr>
+        <p:spPr/>
+        <p:txBody>
+          <a:bodyPr/>
+          <a:lstStyle/>
+          <a:p>
+            <a:endParaRPr lang="en-US"/>
+          </a:p>
+        </p:txBody>
+      </p:sp>
+    </p:spTree>
+    <p:extLst>
+      <p:ext uri="{BB962C8B-B14F-4D97-AF65-F5344CB8AC3E}">
+        <p14:creationId xmlns:p14="http://schemas.microsoft.com/office/powerpoint/2010/main" val="2950594382"/>
+      </p:ext>
+    </p:extLst>
+  </p:cSld>
+  <p:clrMapOvr>
+    <a:masterClrMapping/>
+  </p:clrMapOvr>
+</p:sld>
+</file>
+
+<file path=ppt/slides/slide12.xml><?xml version="1.0" encoding="utf-8"?>
+<p:sld xmlns:a="http://schemas.openxmlformats.org/drawingml/2006/main" xmlns:r="http://schemas.openxmlformats.org/officeDocument/2006/relationships" xmlns:p="http://schemas.openxmlformats.org/presentationml/2006/main">
+  <p:cSld>
+    <p:spTree>
+      <p:nvGrpSpPr>
+        <p:cNvPr id="1" name=""/>
+        <p:cNvGrpSpPr/>
+        <p:nvPr/>
+      </p:nvGrpSpPr>
+      <p:grpSpPr>
+        <a:xfrm>
+          <a:off x="0" y="0"/>
+          <a:ext cx="0" cy="0"/>
+          <a:chOff x="0" y="0"/>
+          <a:chExt cx="0" cy="0"/>
+        </a:xfrm>
+      </p:grpSpPr>
+      <p:sp>
+        <p:nvSpPr>
+          <p:cNvPr id="2" name="Title 1">
+            <a:extLst>
+              <a:ext uri="{FF2B5EF4-FFF2-40B4-BE49-F238E27FC236}">
+                <a16:creationId xmlns:a16="http://schemas.microsoft.com/office/drawing/2014/main" id="{62DC77A5-8F8B-4434-0FAB-34EA15678844}"/>
+              </a:ext>
+            </a:extLst>
+          </p:cNvPr>
+          <p:cNvSpPr>
+            <a:spLocks noGrp="1"/>
+          </p:cNvSpPr>
+          <p:nvPr>
+            <p:ph type="title"/>
+          </p:nvPr>
+        </p:nvSpPr>
+        <p:spPr/>
+        <p:txBody>
+          <a:bodyPr/>
+          <a:lstStyle/>
+          <a:p>
+            <a:r>
+              <a:rPr lang="en-US" dirty="0"/>
+              <a:t>Market Adoption</a:t>
+            </a:r>
+          </a:p>
+        </p:txBody>
+      </p:sp>
+      <p:sp>
+        <p:nvSpPr>
+          <p:cNvPr id="3" name="Content Placeholder 2">
+            <a:extLst>
+              <a:ext uri="{FF2B5EF4-FFF2-40B4-BE49-F238E27FC236}">
+                <a16:creationId xmlns:a16="http://schemas.microsoft.com/office/drawing/2014/main" id="{FB26AFAA-C5BB-B72F-684D-305547D61D2A}"/>
+              </a:ext>
+            </a:extLst>
+          </p:cNvPr>
+          <p:cNvSpPr>
+            <a:spLocks noGrp="1"/>
+          </p:cNvSpPr>
+          <p:nvPr>
+            <p:ph idx="1"/>
+          </p:nvPr>
+        </p:nvSpPr>
+        <p:spPr/>
+        <p:txBody>
+          <a:bodyPr/>
+          <a:lstStyle/>
+          <a:p>
+            <a:endParaRPr lang="en-US"/>
+          </a:p>
+        </p:txBody>
+      </p:sp>
+    </p:spTree>
+    <p:extLst>
+      <p:ext uri="{BB962C8B-B14F-4D97-AF65-F5344CB8AC3E}">
+        <p14:creationId xmlns:p14="http://schemas.microsoft.com/office/powerpoint/2010/main" val="4137049555"/>
+      </p:ext>
+    </p:extLst>
+  </p:cSld>
+  <p:clrMapOvr>
+    <a:masterClrMapping/>
+  </p:clrMapOvr>
+</p:sld>
+</file>
+
+<file path=ppt/slides/slide13.xml><?xml version="1.0" encoding="utf-8"?>
+<p:sld xmlns:a="http://schemas.openxmlformats.org/drawingml/2006/main" xmlns:r="http://schemas.openxmlformats.org/officeDocument/2006/relationships" xmlns:p="http://schemas.openxmlformats.org/presentationml/2006/main">
+  <p:cSld>
+    <p:spTree>
+      <p:nvGrpSpPr>
+        <p:cNvPr id="1" name=""/>
+        <p:cNvGrpSpPr/>
+        <p:nvPr/>
+      </p:nvGrpSpPr>
+      <p:grpSpPr>
+        <a:xfrm>
+          <a:off x="0" y="0"/>
+          <a:ext cx="0" cy="0"/>
+          <a:chOff x="0" y="0"/>
+          <a:chExt cx="0" cy="0"/>
+        </a:xfrm>
+      </p:grpSpPr>
+      <p:sp>
+        <p:nvSpPr>
+          <p:cNvPr id="2" name="Title 1">
+            <a:extLst>
+              <a:ext uri="{FF2B5EF4-FFF2-40B4-BE49-F238E27FC236}">
+                <a16:creationId xmlns:a16="http://schemas.microsoft.com/office/drawing/2014/main" id="{A0143BAD-C6A0-E3C6-29D9-DCC62991FD1E}"/>
+              </a:ext>
+            </a:extLst>
+          </p:cNvPr>
+          <p:cNvSpPr>
+            <a:spLocks noGrp="1"/>
+          </p:cNvSpPr>
+          <p:nvPr>
+            <p:ph type="title"/>
+          </p:nvPr>
+        </p:nvSpPr>
+        <p:spPr/>
+        <p:txBody>
+          <a:bodyPr/>
+          <a:lstStyle/>
+          <a:p>
+            <a:r>
+              <a:rPr lang="en-US" dirty="0"/>
+              <a:t>Competitor Slide</a:t>
+            </a:r>
+          </a:p>
+        </p:txBody>
+      </p:sp>
+      <p:sp>
+        <p:nvSpPr>
+          <p:cNvPr id="3" name="Content Placeholder 2">
+            <a:extLst>
+              <a:ext uri="{FF2B5EF4-FFF2-40B4-BE49-F238E27FC236}">
+                <a16:creationId xmlns:a16="http://schemas.microsoft.com/office/drawing/2014/main" id="{E7C38415-5B71-7D08-C4C1-28A588B58433}"/>
+              </a:ext>
+            </a:extLst>
+          </p:cNvPr>
+          <p:cNvSpPr>
+            <a:spLocks noGrp="1"/>
+          </p:cNvSpPr>
+          <p:nvPr>
+            <p:ph idx="1"/>
+          </p:nvPr>
+        </p:nvSpPr>
+        <p:spPr/>
+        <p:txBody>
+          <a:bodyPr/>
+          <a:lstStyle/>
+          <a:p>
+            <a:r>
+              <a:rPr lang="en-US" dirty="0"/>
+              <a:t>What Competition does well, not so well, Startup bridges the gap</a:t>
+            </a:r>
+          </a:p>
+          <a:p>
+            <a:endParaRPr lang="en-US" dirty="0"/>
+          </a:p>
+          <a:p>
+            <a:r>
+              <a:rPr lang="en-US" dirty="0"/>
+              <a:t>Tableau Pulse – AI generated analysis</a:t>
+            </a:r>
+          </a:p>
+          <a:p>
+            <a:r>
+              <a:rPr lang="en-US" dirty="0"/>
+              <a:t>Tableau – Data visualization tool</a:t>
+            </a:r>
+          </a:p>
+          <a:p>
+            <a:endParaRPr lang="en-US" dirty="0"/>
+          </a:p>
+        </p:txBody>
+      </p:sp>
+    </p:spTree>
+    <p:extLst>
+      <p:ext uri="{BB962C8B-B14F-4D97-AF65-F5344CB8AC3E}">
+        <p14:creationId xmlns:p14="http://schemas.microsoft.com/office/powerpoint/2010/main" val="1438362867"/>
+      </p:ext>
+    </p:extLst>
+  </p:cSld>
+  <p:clrMapOvr>
+    <a:masterClrMapping/>
+  </p:clrMapOvr>
+</p:sld>
+</file>
+
+<file path=ppt/slides/slide14.xml><?xml version="1.0" encoding="utf-8"?>
+<p:sld xmlns:a="http://schemas.openxmlformats.org/drawingml/2006/main" xmlns:r="http://schemas.openxmlformats.org/officeDocument/2006/relationships" xmlns:p="http://schemas.openxmlformats.org/presentationml/2006/main">
+  <p:cSld>
+    <p:spTree>
+      <p:nvGrpSpPr>
+        <p:cNvPr id="1" name=""/>
+        <p:cNvGrpSpPr/>
+        <p:nvPr/>
+      </p:nvGrpSpPr>
+      <p:grpSpPr>
+        <a:xfrm>
+          <a:off x="0" y="0"/>
+          <a:ext cx="0" cy="0"/>
+          <a:chOff x="0" y="0"/>
+          <a:chExt cx="0" cy="0"/>
+        </a:xfrm>
+      </p:grpSpPr>
+      <p:sp>
+        <p:nvSpPr>
+          <p:cNvPr id="2" name="Title 1">
+            <a:extLst>
+              <a:ext uri="{FF2B5EF4-FFF2-40B4-BE49-F238E27FC236}">
+                <a16:creationId xmlns:a16="http://schemas.microsoft.com/office/drawing/2014/main" id="{317D6881-4DEA-970B-AC08-9C9607CACB40}"/>
+              </a:ext>
+            </a:extLst>
+          </p:cNvPr>
+          <p:cNvSpPr>
+            <a:spLocks noGrp="1"/>
+          </p:cNvSpPr>
+          <p:nvPr>
+            <p:ph type="title"/>
+          </p:nvPr>
+        </p:nvSpPr>
+        <p:spPr/>
+        <p:txBody>
+          <a:bodyPr/>
+          <a:lstStyle/>
+          <a:p>
+            <a:r>
+              <a:rPr lang="en-US" dirty="0"/>
+              <a:t>Team</a:t>
+            </a:r>
+          </a:p>
+        </p:txBody>
+      </p:sp>
+      <p:sp>
+        <p:nvSpPr>
+          <p:cNvPr id="3" name="Content Placeholder 2">
+            <a:extLst>
+              <a:ext uri="{FF2B5EF4-FFF2-40B4-BE49-F238E27FC236}">
+                <a16:creationId xmlns:a16="http://schemas.microsoft.com/office/drawing/2014/main" id="{67DD401C-C525-81AF-741C-6D554ACDE00A}"/>
+              </a:ext>
+            </a:extLst>
+          </p:cNvPr>
+          <p:cNvSpPr>
+            <a:spLocks noGrp="1"/>
+          </p:cNvSpPr>
+          <p:nvPr>
+            <p:ph idx="1"/>
+          </p:nvPr>
+        </p:nvSpPr>
+        <p:spPr/>
+        <p:txBody>
+          <a:bodyPr/>
+          <a:lstStyle/>
+          <a:p>
+            <a:endParaRPr lang="en-US" dirty="0"/>
+          </a:p>
+        </p:txBody>
+      </p:sp>
+    </p:spTree>
+    <p:extLst>
+      <p:ext uri="{BB962C8B-B14F-4D97-AF65-F5344CB8AC3E}">
+        <p14:creationId xmlns:p14="http://schemas.microsoft.com/office/powerpoint/2010/main" val="678089558"/>
+      </p:ext>
+    </p:extLst>
+  </p:cSld>
+  <p:clrMapOvr>
+    <a:masterClrMapping/>
+  </p:clrMapOvr>
+</p:sld>
+</file>
+
+<file path=ppt/slides/slide15.xml><?xml version="1.0" encoding="utf-8"?>
+<p:sld xmlns:a="http://schemas.openxmlformats.org/drawingml/2006/main" xmlns:r="http://schemas.openxmlformats.org/officeDocument/2006/relationships" xmlns:p="http://schemas.openxmlformats.org/presentationml/2006/main">
+  <p:cSld>
+    <p:spTree>
+      <p:nvGrpSpPr>
+        <p:cNvPr id="1" name=""/>
+        <p:cNvGrpSpPr/>
+        <p:nvPr/>
+      </p:nvGrpSpPr>
+      <p:grpSpPr>
+        <a:xfrm>
+          <a:off x="0" y="0"/>
+          <a:ext cx="0" cy="0"/>
+          <a:chOff x="0" y="0"/>
+          <a:chExt cx="0" cy="0"/>
+        </a:xfrm>
+      </p:grpSpPr>
+      <p:sp>
+        <p:nvSpPr>
+          <p:cNvPr id="2" name="Title 1">
+            <a:extLst>
+              <a:ext uri="{FF2B5EF4-FFF2-40B4-BE49-F238E27FC236}">
+                <a16:creationId xmlns:a16="http://schemas.microsoft.com/office/drawing/2014/main" id="{C5522873-99A0-AE78-8395-C94E9AB2EB90}"/>
+              </a:ext>
+            </a:extLst>
+          </p:cNvPr>
+          <p:cNvSpPr>
+            <a:spLocks noGrp="1"/>
+          </p:cNvSpPr>
+          <p:nvPr>
+            <p:ph type="title"/>
+          </p:nvPr>
+        </p:nvSpPr>
+        <p:spPr/>
+        <p:txBody>
+          <a:bodyPr/>
+          <a:lstStyle/>
+          <a:p>
+            <a:r>
+              <a:rPr lang="en-US" dirty="0"/>
+              <a:t>Financial Model</a:t>
+            </a:r>
+          </a:p>
+        </p:txBody>
+      </p:sp>
+      <p:sp>
+        <p:nvSpPr>
+          <p:cNvPr id="3" name="Content Placeholder 2">
+            <a:extLst>
+              <a:ext uri="{FF2B5EF4-FFF2-40B4-BE49-F238E27FC236}">
+                <a16:creationId xmlns:a16="http://schemas.microsoft.com/office/drawing/2014/main" id="{8D4B37F1-98F5-39FE-D89F-75A7318D9536}"/>
+              </a:ext>
+            </a:extLst>
+          </p:cNvPr>
+          <p:cNvSpPr>
+            <a:spLocks noGrp="1"/>
+          </p:cNvSpPr>
+          <p:nvPr>
+            <p:ph idx="1"/>
+          </p:nvPr>
+        </p:nvSpPr>
+        <p:spPr/>
+        <p:txBody>
+          <a:bodyPr/>
+          <a:lstStyle/>
+          <a:p>
+            <a:r>
+              <a:rPr lang="en-SG" b="0" i="0" u="none" strike="noStrike" dirty="0">
+                <a:solidFill>
+                  <a:srgbClr val="213343"/>
+                </a:solidFill>
+                <a:effectLst/>
+                <a:latin typeface="Lexend Deca"/>
+              </a:rPr>
+              <a:t>The financial model slide shows how your product creates revenue. For example, if your product is a subscription-based service, has premium features, or other horizontal integration, you’ll explain that model on these slides.</a:t>
+            </a:r>
+            <a:br>
+              <a:rPr lang="en-SG" dirty="0"/>
+            </a:br>
+            <a:br>
+              <a:rPr lang="en-SG" dirty="0"/>
+            </a:br>
+            <a:r>
+              <a:rPr lang="en-SG" b="0" i="0" u="none" strike="noStrike" dirty="0">
+                <a:solidFill>
+                  <a:srgbClr val="213343"/>
+                </a:solidFill>
+                <a:effectLst/>
+                <a:latin typeface="Lexend Deca"/>
+              </a:rPr>
+              <a:t>Potential investors should walk away from your presentation knowing exactly how your startup creates revenue and understand any plans to ensure a steady stream of income.</a:t>
+            </a:r>
+            <a:endParaRPr lang="en-US" dirty="0"/>
+          </a:p>
+        </p:txBody>
+      </p:sp>
+    </p:spTree>
+    <p:extLst>
+      <p:ext uri="{BB962C8B-B14F-4D97-AF65-F5344CB8AC3E}">
+        <p14:creationId xmlns:p14="http://schemas.microsoft.com/office/powerpoint/2010/main" val="1244259242"/>
+      </p:ext>
+    </p:extLst>
+  </p:cSld>
+  <p:clrMapOvr>
+    <a:masterClrMapping/>
+  </p:clrMapOvr>
+</p:sld>
+</file>
+
+<file path=ppt/slides/slide16.xml><?xml version="1.0" encoding="utf-8"?>
+<p:sld xmlns:a="http://schemas.openxmlformats.org/drawingml/2006/main" xmlns:r="http://schemas.openxmlformats.org/officeDocument/2006/relationships" xmlns:p="http://schemas.openxmlformats.org/presentationml/2006/main">
+  <p:cSld>
+    <p:spTree>
+      <p:nvGrpSpPr>
+        <p:cNvPr id="1" name=""/>
+        <p:cNvGrpSpPr/>
+        <p:nvPr/>
+      </p:nvGrpSpPr>
+      <p:grpSpPr>
+        <a:xfrm>
+          <a:off x="0" y="0"/>
+          <a:ext cx="0" cy="0"/>
+          <a:chOff x="0" y="0"/>
+          <a:chExt cx="0" cy="0"/>
+        </a:xfrm>
+      </p:grpSpPr>
+      <p:sp>
+        <p:nvSpPr>
+          <p:cNvPr id="2" name="Title 1">
+            <a:extLst>
+              <a:ext uri="{FF2B5EF4-FFF2-40B4-BE49-F238E27FC236}">
+                <a16:creationId xmlns:a16="http://schemas.microsoft.com/office/drawing/2014/main" id="{364C80CF-25A8-D9F2-6F15-BA6ECE183A23}"/>
+              </a:ext>
+            </a:extLst>
+          </p:cNvPr>
+          <p:cNvSpPr>
+            <a:spLocks noGrp="1"/>
+          </p:cNvSpPr>
+          <p:nvPr>
+            <p:ph type="title"/>
+          </p:nvPr>
+        </p:nvSpPr>
+        <p:spPr/>
+        <p:txBody>
+          <a:bodyPr/>
+          <a:lstStyle/>
+          <a:p>
+            <a:r>
+              <a:rPr lang="en-US" dirty="0"/>
+              <a:t>Businesses adopting Data Approaches</a:t>
+            </a:r>
+          </a:p>
+        </p:txBody>
+      </p:sp>
+      <p:sp>
+        <p:nvSpPr>
+          <p:cNvPr id="6" name="Content Placeholder 5">
+            <a:extLst>
+              <a:ext uri="{FF2B5EF4-FFF2-40B4-BE49-F238E27FC236}">
+                <a16:creationId xmlns:a16="http://schemas.microsoft.com/office/drawing/2014/main" id="{24726738-A204-76F5-9E52-AF17CA29C035}"/>
+              </a:ext>
+            </a:extLst>
+          </p:cNvPr>
+          <p:cNvSpPr>
+            <a:spLocks noGrp="1"/>
+          </p:cNvSpPr>
+          <p:nvPr>
+            <p:ph idx="1"/>
+          </p:nvPr>
+        </p:nvSpPr>
+        <p:spPr>
+          <a:xfrm>
+            <a:off x="838200" y="1825625"/>
+            <a:ext cx="10515600" cy="880514"/>
+          </a:xfrm>
+        </p:spPr>
+        <p:txBody>
+          <a:bodyPr/>
+          <a:lstStyle/>
           <a:p>
             <a:pPr marL="0" indent="0">
               <a:buNone/>
             </a:pPr>
             <a:r>
               <a:rPr lang="en-US" dirty="0"/>
-              <a:t>A commercialized platform that enables users to generate their own business intelligence dashboards for data analysis</a:t>
-            </a:r>
-          </a:p>
+              <a:t>Salesforce Data Analytics Subscription and Support Revenue grew by </a:t>
+            </a:r>
+            <a:r>
+              <a:rPr lang="en-US" b="1" dirty="0"/>
+              <a:t>16% </a:t>
+            </a:r>
+            <a:r>
+              <a:rPr lang="en-US" dirty="0"/>
+              <a:t>YoY [Up 1% from previous YoY]</a:t>
+            </a:r>
+          </a:p>
+        </p:txBody>
+      </p:sp>
+      <p:sp>
+        <p:nvSpPr>
+          <p:cNvPr id="4" name="TextBox 3">
+            <a:extLst>
+              <a:ext uri="{FF2B5EF4-FFF2-40B4-BE49-F238E27FC236}">
+                <a16:creationId xmlns:a16="http://schemas.microsoft.com/office/drawing/2014/main" id="{51C2EAA4-BF6D-90E2-7A04-E151DC999575}"/>
+              </a:ext>
+            </a:extLst>
+          </p:cNvPr>
+          <p:cNvSpPr txBox="1"/>
+          <p:nvPr/>
+        </p:nvSpPr>
+        <p:spPr>
+          <a:xfrm>
+            <a:off x="7485603" y="6447216"/>
+            <a:ext cx="4557658" cy="338554"/>
+          </a:xfrm>
+          <a:prstGeom prst="rect">
+            <a:avLst/>
+          </a:prstGeom>
+          <a:noFill/>
+        </p:spPr>
+        <p:txBody>
+          <a:bodyPr wrap="none" rtlCol="0">
+            <a:spAutoFit/>
+          </a:bodyPr>
+          <a:lstStyle/>
+          <a:p>
+            <a:r>
+              <a:rPr lang="en-US" sz="800" dirty="0"/>
+              <a:t>Source: </a:t>
+            </a:r>
+            <a:r>
+              <a:rPr lang="en-US" sz="800" dirty="0">
+                <a:hlinkClick r:id="rId2"/>
+              </a:rPr>
+              <a:t>https://investor.salesforce.com/financials/default.aspx</a:t>
+            </a:r>
+            <a:r>
+              <a:rPr lang="en-US" sz="800" dirty="0"/>
+              <a:t>; </a:t>
+            </a:r>
+          </a:p>
+          <a:p>
+            <a:r>
+              <a:rPr lang="en-US" sz="800" dirty="0"/>
+              <a:t>https://s23.q4cdn.com/574569502/files/</a:t>
+            </a:r>
+            <a:r>
+              <a:rPr lang="en-US" sz="800" dirty="0" err="1"/>
+              <a:t>doc_financials</a:t>
+            </a:r>
+            <a:r>
+              <a:rPr lang="en-US" sz="800" dirty="0"/>
+              <a:t>/2024/</a:t>
+            </a:r>
+            <a:r>
+              <a:rPr lang="en-US" sz="800" dirty="0" err="1"/>
+              <a:t>ar</a:t>
+            </a:r>
+            <a:r>
+              <a:rPr lang="en-US" sz="800" dirty="0"/>
+              <a:t>/salesforce-fy24-annual-report.pdf</a:t>
+            </a:r>
+          </a:p>
+        </p:txBody>
+      </p:sp>
+      <p:grpSp>
+        <p:nvGrpSpPr>
+          <p:cNvPr id="11" name="Group 10">
+            <a:extLst>
+              <a:ext uri="{FF2B5EF4-FFF2-40B4-BE49-F238E27FC236}">
+                <a16:creationId xmlns:a16="http://schemas.microsoft.com/office/drawing/2014/main" id="{27748895-B0B5-D8D6-B36F-D903A2C72926}"/>
+              </a:ext>
+            </a:extLst>
+          </p:cNvPr>
+          <p:cNvGrpSpPr/>
+          <p:nvPr/>
+        </p:nvGrpSpPr>
+        <p:grpSpPr>
+          <a:xfrm>
+            <a:off x="2209800" y="2841076"/>
+            <a:ext cx="7772400" cy="2800925"/>
+            <a:chOff x="2209800" y="2686681"/>
+            <a:chExt cx="7772400" cy="2800925"/>
+          </a:xfrm>
+        </p:grpSpPr>
+        <p:grpSp>
+          <p:nvGrpSpPr>
+            <p:cNvPr id="8" name="Group 7">
+              <a:extLst>
+                <a:ext uri="{FF2B5EF4-FFF2-40B4-BE49-F238E27FC236}">
+                  <a16:creationId xmlns:a16="http://schemas.microsoft.com/office/drawing/2014/main" id="{5E9BD97F-49D6-F6A2-7CC2-5BA8E2405BA7}"/>
+                </a:ext>
+              </a:extLst>
+            </p:cNvPr>
+            <p:cNvGrpSpPr/>
+            <p:nvPr/>
+          </p:nvGrpSpPr>
+          <p:grpSpPr>
+            <a:xfrm>
+              <a:off x="2209800" y="3000438"/>
+              <a:ext cx="7772400" cy="2487168"/>
+              <a:chOff x="2209800" y="2284270"/>
+              <a:chExt cx="7772400" cy="2487168"/>
+            </a:xfrm>
+          </p:grpSpPr>
+          <p:pic>
+            <p:nvPicPr>
+              <p:cNvPr id="5" name="Picture 4">
+                <a:extLst>
+                  <a:ext uri="{FF2B5EF4-FFF2-40B4-BE49-F238E27FC236}">
+                    <a16:creationId xmlns:a16="http://schemas.microsoft.com/office/drawing/2014/main" id="{6779FAEC-8D8B-2B96-DF4F-2E09235BD118}"/>
+                  </a:ext>
+                </a:extLst>
+              </p:cNvPr>
+              <p:cNvPicPr>
+                <a:picLocks noChangeAspect="1"/>
+              </p:cNvPicPr>
+              <p:nvPr/>
+            </p:nvPicPr>
+            <p:blipFill>
+              <a:blip r:embed="rId3"/>
+              <a:stretch>
+                <a:fillRect/>
+              </a:stretch>
+            </p:blipFill>
+            <p:spPr>
+              <a:xfrm>
+                <a:off x="2209800" y="2284270"/>
+                <a:ext cx="7772400" cy="2487168"/>
+              </a:xfrm>
+              <a:prstGeom prst="rect">
+                <a:avLst/>
+              </a:prstGeom>
+            </p:spPr>
+          </p:pic>
+          <p:sp>
+            <p:nvSpPr>
+              <p:cNvPr id="7" name="Rounded Rectangle 6">
+                <a:extLst>
+                  <a:ext uri="{FF2B5EF4-FFF2-40B4-BE49-F238E27FC236}">
+                    <a16:creationId xmlns:a16="http://schemas.microsoft.com/office/drawing/2014/main" id="{0EC020AE-6444-B267-D3A5-1D2C6AB362B3}"/>
+                  </a:ext>
+                </a:extLst>
+              </p:cNvPr>
+              <p:cNvSpPr/>
+              <p:nvPr/>
+            </p:nvSpPr>
+            <p:spPr>
+              <a:xfrm>
+                <a:off x="2209800" y="3645243"/>
+                <a:ext cx="7772400" cy="247135"/>
+              </a:xfrm>
+              <a:prstGeom prst="roundRect">
+                <a:avLst/>
+              </a:prstGeom>
+              <a:solidFill>
+                <a:schemeClr val="accent2">
+                  <a:alpha val="50000"/>
+                </a:schemeClr>
+              </a:solidFill>
+            </p:spPr>
+            <p:style>
+              <a:lnRef idx="2">
+                <a:schemeClr val="accent2">
+                  <a:shade val="15000"/>
+                </a:schemeClr>
+              </a:lnRef>
+              <a:fillRef idx="1">
+                <a:schemeClr val="accent2"/>
+              </a:fillRef>
+              <a:effectRef idx="0">
+                <a:schemeClr val="accent2"/>
+              </a:effectRef>
+              <a:fontRef idx="minor">
+                <a:schemeClr val="lt1"/>
+              </a:fontRef>
+            </p:style>
+            <p:txBody>
+              <a:bodyPr rtlCol="0" anchor="ctr"/>
+              <a:lstStyle/>
+              <a:p>
+                <a:pPr algn="ctr"/>
+                <a:endParaRPr lang="en-US"/>
+              </a:p>
+            </p:txBody>
+          </p:sp>
+        </p:grpSp>
+        <p:sp>
+          <p:nvSpPr>
+            <p:cNvPr id="10" name="TextBox 9">
+              <a:extLst>
+                <a:ext uri="{FF2B5EF4-FFF2-40B4-BE49-F238E27FC236}">
+                  <a16:creationId xmlns:a16="http://schemas.microsoft.com/office/drawing/2014/main" id="{A5B06ED4-DB57-DF6A-0419-44979679DEAA}"/>
+                </a:ext>
+              </a:extLst>
+            </p:cNvPr>
+            <p:cNvSpPr txBox="1"/>
+            <p:nvPr/>
+          </p:nvSpPr>
+          <p:spPr>
+            <a:xfrm>
+              <a:off x="3675337" y="2686681"/>
+              <a:ext cx="4841325" cy="369332"/>
+            </a:xfrm>
+            <a:prstGeom prst="rect">
+              <a:avLst/>
+            </a:prstGeom>
+            <a:noFill/>
+          </p:spPr>
+          <p:txBody>
+            <a:bodyPr wrap="none" rtlCol="0">
+              <a:spAutoFit/>
+            </a:bodyPr>
+            <a:lstStyle/>
+            <a:p>
+              <a:r>
+                <a:rPr lang="en-US" u="sng" dirty="0"/>
+                <a:t>Extract from Salesforce FY 2024 Annual Report </a:t>
+              </a:r>
+            </a:p>
+          </p:txBody>
+        </p:sp>
+      </p:grpSp>
+    </p:spTree>
+    <p:extLst>
+      <p:ext uri="{BB962C8B-B14F-4D97-AF65-F5344CB8AC3E}">
+        <p14:creationId xmlns:p14="http://schemas.microsoft.com/office/powerpoint/2010/main" val="2953542548"/>
+      </p:ext>
+    </p:extLst>
+  </p:cSld>
+  <p:clrMapOvr>
+    <a:masterClrMapping/>
+  </p:clrMapOvr>
+</p:sld>
+</file>
+
+<file path=ppt/slides/slide17.xml><?xml version="1.0" encoding="utf-8"?>
+<p:sld xmlns:a="http://schemas.openxmlformats.org/drawingml/2006/main" xmlns:r="http://schemas.openxmlformats.org/officeDocument/2006/relationships" xmlns:p="http://schemas.openxmlformats.org/presentationml/2006/main">
+  <p:cSld>
+    <p:spTree>
+      <p:nvGrpSpPr>
+        <p:cNvPr id="1" name=""/>
+        <p:cNvGrpSpPr/>
+        <p:nvPr/>
+      </p:nvGrpSpPr>
+      <p:grpSpPr>
+        <a:xfrm>
+          <a:off x="0" y="0"/>
+          <a:ext cx="0" cy="0"/>
+          <a:chOff x="0" y="0"/>
+          <a:chExt cx="0" cy="0"/>
+        </a:xfrm>
+      </p:grpSpPr>
+      <p:sp>
+        <p:nvSpPr>
+          <p:cNvPr id="2" name="Title 1">
+            <a:extLst>
+              <a:ext uri="{FF2B5EF4-FFF2-40B4-BE49-F238E27FC236}">
+                <a16:creationId xmlns:a16="http://schemas.microsoft.com/office/drawing/2014/main" id="{BCAF6FDA-12AC-4AF4-54C8-98CC8C8170EA}"/>
+              </a:ext>
+            </a:extLst>
+          </p:cNvPr>
+          <p:cNvSpPr>
+            <a:spLocks noGrp="1"/>
+          </p:cNvSpPr>
+          <p:nvPr>
+            <p:ph type="title"/>
+          </p:nvPr>
+        </p:nvSpPr>
+        <p:spPr/>
+        <p:txBody>
+          <a:bodyPr/>
+          <a:lstStyle/>
+          <a:p>
+            <a:r>
+              <a:rPr lang="en-US" dirty="0"/>
+              <a:t>Opportunity – Market Size</a:t>
+            </a:r>
+          </a:p>
+        </p:txBody>
+      </p:sp>
+      <p:sp>
+        <p:nvSpPr>
+          <p:cNvPr id="3" name="Content Placeholder 2">
+            <a:extLst>
+              <a:ext uri="{FF2B5EF4-FFF2-40B4-BE49-F238E27FC236}">
+                <a16:creationId xmlns:a16="http://schemas.microsoft.com/office/drawing/2014/main" id="{62A74C16-EB1E-2D28-0C0D-969F095F097C}"/>
+              </a:ext>
+            </a:extLst>
+          </p:cNvPr>
+          <p:cNvSpPr>
+            <a:spLocks noGrp="1"/>
+          </p:cNvSpPr>
+          <p:nvPr>
+            <p:ph idx="1"/>
+          </p:nvPr>
+        </p:nvSpPr>
+        <p:spPr>
+          <a:xfrm>
+            <a:off x="4303732" y="1825625"/>
+            <a:ext cx="7050068" cy="4000411"/>
+          </a:xfrm>
+        </p:spPr>
+        <p:txBody>
+          <a:bodyPr>
+            <a:normAutofit/>
+          </a:bodyPr>
+          <a:lstStyle/>
+          <a:p>
+            <a:r>
+              <a:rPr lang="en-US" sz="1400" dirty="0"/>
+              <a:t>Approximately 300,000 SMEs in Singapore</a:t>
+            </a:r>
+          </a:p>
+          <a:p>
+            <a:r>
+              <a:rPr lang="en-US" sz="1400" dirty="0"/>
+              <a:t>As of 2020, small SMEs (&lt; 50 staff or &lt;= 10 mil Rev) consistently make up 96% (~288,000) of the SMEs in Singapore</a:t>
+            </a:r>
+          </a:p>
+          <a:p>
+            <a:r>
+              <a:rPr lang="en-US" sz="1400" dirty="0"/>
+              <a:t>As of 2014, estimate of 70% (~210,000) of SMEs in Singapore are micro-SMEs (&lt; 10 staff or &lt;= 1 mil Rev)</a:t>
+            </a:r>
+          </a:p>
+          <a:p>
+            <a:r>
+              <a:rPr lang="en-US" sz="1400" dirty="0"/>
+              <a:t>If percentage remains, assume targeting businesses with revenue between 1 mil and 10 mil : Approximately </a:t>
+            </a:r>
+            <a:r>
+              <a:rPr lang="en-US" sz="1400" b="1" dirty="0"/>
+              <a:t>78,000</a:t>
+            </a:r>
+            <a:r>
+              <a:rPr lang="en-US" sz="1400" dirty="0"/>
+              <a:t> business fall in scope of our Solution</a:t>
+            </a:r>
+          </a:p>
+        </p:txBody>
+      </p:sp>
+      <p:sp>
+        <p:nvSpPr>
+          <p:cNvPr id="4" name="TextBox 3">
+            <a:extLst>
+              <a:ext uri="{FF2B5EF4-FFF2-40B4-BE49-F238E27FC236}">
+                <a16:creationId xmlns:a16="http://schemas.microsoft.com/office/drawing/2014/main" id="{9D4DE6F2-21D8-8A77-2C61-7BA1D64BDD79}"/>
+              </a:ext>
+            </a:extLst>
+          </p:cNvPr>
+          <p:cNvSpPr txBox="1"/>
+          <p:nvPr/>
+        </p:nvSpPr>
+        <p:spPr>
+          <a:xfrm>
+            <a:off x="5685254" y="5960973"/>
+            <a:ext cx="6354346" cy="830997"/>
+          </a:xfrm>
+          <a:prstGeom prst="rect">
+            <a:avLst/>
+          </a:prstGeom>
+          <a:noFill/>
+        </p:spPr>
+        <p:txBody>
+          <a:bodyPr wrap="square" rtlCol="0">
+            <a:spAutoFit/>
+          </a:bodyPr>
+          <a:lstStyle/>
+          <a:p>
+            <a:r>
+              <a:rPr lang="en-US" sz="800" dirty="0">
+                <a:solidFill>
+                  <a:srgbClr val="467886"/>
+                </a:solidFill>
+                <a:hlinkClick r:id="rId2">
+                  <a:extLst>
+                    <a:ext uri="{A12FA001-AC4F-418D-AE19-62706E023703}">
+                      <ahyp:hlinkClr xmlns:ahyp="http://schemas.microsoft.com/office/drawing/2018/hyperlinkcolor" val="tx"/>
+                    </a:ext>
+                  </a:extLst>
+                </a:hlinkClick>
+              </a:rPr>
+              <a:t>Source:</a:t>
+            </a:r>
+          </a:p>
+          <a:p>
+            <a:r>
+              <a:rPr lang="en-US" sz="800" u="sng" dirty="0">
+                <a:hlinkClick r:id="rId2">
+                  <a:extLst>
+                    <a:ext uri="{A12FA001-AC4F-418D-AE19-62706E023703}">
+                      <ahyp:hlinkClr xmlns:ahyp="http://schemas.microsoft.com/office/drawing/2018/hyperlinkcolor" val="tx"/>
+                    </a:ext>
+                  </a:extLst>
+                </a:hlinkClick>
+              </a:rPr>
+              <a:t>https://www.straitstimes.com/business/budget-2024-s-pore-businesses-workers-and-families-want-help-to-defray-costs-stay-productive</a:t>
+            </a:r>
+            <a:endParaRPr lang="en-US" sz="800" u="sng" dirty="0"/>
+          </a:p>
+          <a:p>
+            <a:r>
+              <a:rPr lang="en-US" sz="800" u="sng" dirty="0">
+                <a:hlinkClick r:id="rId3">
+                  <a:extLst>
+                    <a:ext uri="{A12FA001-AC4F-418D-AE19-62706E023703}">
+                      <ahyp:hlinkClr xmlns:ahyp="http://schemas.microsoft.com/office/drawing/2018/hyperlinkcolor" val="tx"/>
+                    </a:ext>
+                  </a:extLst>
+                </a:hlinkClick>
+              </a:rPr>
+              <a:t>https://www.singstat.gov.sg/-/media/files/publications/industry/ssn222-pg9-12.ashx#:~:text=In%202020%2C%20there%20were%20211%2C400,in%20value%2Dadded%20in%202020</a:t>
+            </a:r>
+            <a:r>
+              <a:rPr lang="en-US" sz="800" u="sng" dirty="0"/>
+              <a:t>.</a:t>
+            </a:r>
+          </a:p>
+          <a:p>
+            <a:r>
+              <a:rPr lang="en-US" sz="800" u="sng" dirty="0"/>
+              <a:t>https://</a:t>
+            </a:r>
+            <a:r>
+              <a:rPr lang="en-US" sz="800" u="sng" dirty="0" err="1"/>
+              <a:t>www.straitstimes.com</a:t>
+            </a:r>
+            <a:r>
+              <a:rPr lang="en-US" sz="800" u="sng" dirty="0"/>
+              <a:t>/</a:t>
+            </a:r>
+            <a:r>
+              <a:rPr lang="en-US" sz="800" u="sng" dirty="0" err="1"/>
+              <a:t>singapore</a:t>
+            </a:r>
+            <a:r>
+              <a:rPr lang="en-US" sz="800" u="sng" dirty="0"/>
+              <a:t>/some-micro-</a:t>
+            </a:r>
+            <a:r>
+              <a:rPr lang="en-US" sz="800" u="sng" dirty="0" err="1"/>
+              <a:t>smes</a:t>
+            </a:r>
+            <a:r>
+              <a:rPr lang="en-US" sz="800" u="sng" dirty="0"/>
+              <a:t>-gradually-restructuring#:~:text=Spring%20estimates%20that%20about%2070,parts%20of%20their%20business%20processes.</a:t>
+            </a:r>
+          </a:p>
+        </p:txBody>
+      </p:sp>
+      <p:grpSp>
+        <p:nvGrpSpPr>
+          <p:cNvPr id="50" name="Group 49">
+            <a:extLst>
+              <a:ext uri="{FF2B5EF4-FFF2-40B4-BE49-F238E27FC236}">
+                <a16:creationId xmlns:a16="http://schemas.microsoft.com/office/drawing/2014/main" id="{696CED8E-143A-4D07-232E-2A0A37971A61}"/>
+              </a:ext>
+            </a:extLst>
+          </p:cNvPr>
+          <p:cNvGrpSpPr/>
+          <p:nvPr/>
+        </p:nvGrpSpPr>
+        <p:grpSpPr>
+          <a:xfrm>
+            <a:off x="357485" y="356326"/>
+            <a:ext cx="6024248" cy="5469717"/>
+            <a:chOff x="205085" y="356326"/>
+            <a:chExt cx="6024248" cy="5469717"/>
+          </a:xfrm>
+        </p:grpSpPr>
+        <p:cxnSp>
+          <p:nvCxnSpPr>
+            <p:cNvPr id="6" name="Straight Arrow Connector 5">
+              <a:extLst>
+                <a:ext uri="{FF2B5EF4-FFF2-40B4-BE49-F238E27FC236}">
+                  <a16:creationId xmlns:a16="http://schemas.microsoft.com/office/drawing/2014/main" id="{8721469F-C798-69C1-5B56-2736E6659CB5}"/>
+                </a:ext>
+              </a:extLst>
+            </p:cNvPr>
+            <p:cNvCxnSpPr/>
+            <p:nvPr/>
+          </p:nvCxnSpPr>
+          <p:spPr>
+            <a:xfrm flipV="1">
+              <a:off x="666750" y="2076450"/>
+              <a:ext cx="0" cy="3362325"/>
+            </a:xfrm>
+            <a:prstGeom prst="straightConnector1">
+              <a:avLst/>
+            </a:prstGeom>
+            <a:ln>
+              <a:tailEnd type="triangle"/>
+            </a:ln>
+          </p:spPr>
+          <p:style>
+            <a:lnRef idx="2">
+              <a:schemeClr val="accent1"/>
+            </a:lnRef>
+            <a:fillRef idx="0">
+              <a:schemeClr val="accent1"/>
+            </a:fillRef>
+            <a:effectRef idx="1">
+              <a:schemeClr val="accent1"/>
+            </a:effectRef>
+            <a:fontRef idx="minor">
+              <a:schemeClr val="tx1"/>
+            </a:fontRef>
+          </p:style>
+        </p:cxnSp>
+        <p:cxnSp>
+          <p:nvCxnSpPr>
+            <p:cNvPr id="8" name="Straight Arrow Connector 7">
+              <a:extLst>
+                <a:ext uri="{FF2B5EF4-FFF2-40B4-BE49-F238E27FC236}">
+                  <a16:creationId xmlns:a16="http://schemas.microsoft.com/office/drawing/2014/main" id="{3DC1D0A7-3ECB-42CC-61AA-DA650DA09168}"/>
+                </a:ext>
+              </a:extLst>
+            </p:cNvPr>
+            <p:cNvCxnSpPr>
+              <a:cxnSpLocks/>
+            </p:cNvCxnSpPr>
+            <p:nvPr/>
+          </p:nvCxnSpPr>
+          <p:spPr>
+            <a:xfrm>
+              <a:off x="666750" y="5438775"/>
+              <a:ext cx="3352800" cy="0"/>
+            </a:xfrm>
+            <a:prstGeom prst="straightConnector1">
+              <a:avLst/>
+            </a:prstGeom>
+            <a:ln>
+              <a:tailEnd type="triangle"/>
+            </a:ln>
+          </p:spPr>
+          <p:style>
+            <a:lnRef idx="2">
+              <a:schemeClr val="accent1"/>
+            </a:lnRef>
+            <a:fillRef idx="0">
+              <a:schemeClr val="accent1"/>
+            </a:fillRef>
+            <a:effectRef idx="1">
+              <a:schemeClr val="accent1"/>
+            </a:effectRef>
+            <a:fontRef idx="minor">
+              <a:schemeClr val="tx1"/>
+            </a:fontRef>
+          </p:style>
+        </p:cxnSp>
+        <p:sp>
+          <p:nvSpPr>
+            <p:cNvPr id="15" name="Arc 14">
+              <a:extLst>
+                <a:ext uri="{FF2B5EF4-FFF2-40B4-BE49-F238E27FC236}">
+                  <a16:creationId xmlns:a16="http://schemas.microsoft.com/office/drawing/2014/main" id="{90A4FA5F-3FB9-768B-8248-49C88C2EB0C0}"/>
+                </a:ext>
+              </a:extLst>
+            </p:cNvPr>
+            <p:cNvSpPr/>
+            <p:nvPr/>
+          </p:nvSpPr>
+          <p:spPr>
+            <a:xfrm flipH="1" flipV="1">
+              <a:off x="838200" y="356326"/>
+              <a:ext cx="5391133" cy="4879848"/>
+            </a:xfrm>
+            <a:prstGeom prst="arc">
+              <a:avLst/>
+            </a:prstGeom>
+          </p:spPr>
+          <p:style>
+            <a:lnRef idx="2">
+              <a:schemeClr val="accent1"/>
+            </a:lnRef>
+            <a:fillRef idx="0">
+              <a:schemeClr val="accent1"/>
+            </a:fillRef>
+            <a:effectRef idx="1">
+              <a:schemeClr val="accent1"/>
+            </a:effectRef>
+            <a:fontRef idx="minor">
+              <a:schemeClr val="tx1"/>
+            </a:fontRef>
+          </p:style>
+          <p:txBody>
+            <a:bodyPr rtlCol="0" anchor="ctr"/>
+            <a:lstStyle/>
+            <a:p>
+              <a:pPr algn="ctr"/>
+              <a:endParaRPr lang="en-US"/>
+            </a:p>
+          </p:txBody>
+        </p:sp>
+        <p:sp>
+          <p:nvSpPr>
+            <p:cNvPr id="16" name="TextBox 15">
+              <a:extLst>
+                <a:ext uri="{FF2B5EF4-FFF2-40B4-BE49-F238E27FC236}">
+                  <a16:creationId xmlns:a16="http://schemas.microsoft.com/office/drawing/2014/main" id="{4CCE1ACA-B653-5662-6096-547ADF2E086F}"/>
+                </a:ext>
+              </a:extLst>
+            </p:cNvPr>
+            <p:cNvSpPr txBox="1"/>
+            <p:nvPr/>
+          </p:nvSpPr>
+          <p:spPr>
+            <a:xfrm>
+              <a:off x="1571945" y="5456711"/>
+              <a:ext cx="1542410" cy="369332"/>
+            </a:xfrm>
+            <a:prstGeom prst="rect">
+              <a:avLst/>
+            </a:prstGeom>
+            <a:noFill/>
+          </p:spPr>
+          <p:txBody>
+            <a:bodyPr wrap="none" rtlCol="0">
+              <a:spAutoFit/>
+            </a:bodyPr>
+            <a:lstStyle/>
+            <a:p>
+              <a:r>
+                <a:rPr lang="en-US" dirty="0"/>
+                <a:t># Businesses</a:t>
+              </a:r>
+            </a:p>
+          </p:txBody>
+        </p:sp>
+        <p:sp>
+          <p:nvSpPr>
+            <p:cNvPr id="17" name="TextBox 16">
+              <a:extLst>
+                <a:ext uri="{FF2B5EF4-FFF2-40B4-BE49-F238E27FC236}">
+                  <a16:creationId xmlns:a16="http://schemas.microsoft.com/office/drawing/2014/main" id="{780037A6-AF42-3C4C-16AC-83D77C5D6FF1}"/>
+                </a:ext>
+              </a:extLst>
+            </p:cNvPr>
+            <p:cNvSpPr txBox="1"/>
+            <p:nvPr/>
+          </p:nvSpPr>
+          <p:spPr>
+            <a:xfrm>
+              <a:off x="205085" y="3182423"/>
+              <a:ext cx="461665" cy="1150380"/>
+            </a:xfrm>
+            <a:prstGeom prst="rect">
+              <a:avLst/>
+            </a:prstGeom>
+            <a:noFill/>
+          </p:spPr>
+          <p:txBody>
+            <a:bodyPr vert="vert270" wrap="none" rtlCol="0">
+              <a:spAutoFit/>
+            </a:bodyPr>
+            <a:lstStyle/>
+            <a:p>
+              <a:r>
+                <a:rPr lang="en-US" dirty="0"/>
+                <a:t>Resources</a:t>
+              </a:r>
+            </a:p>
+          </p:txBody>
+        </p:sp>
+        <p:cxnSp>
+          <p:nvCxnSpPr>
+            <p:cNvPr id="21" name="Straight Connector 20">
+              <a:extLst>
+                <a:ext uri="{FF2B5EF4-FFF2-40B4-BE49-F238E27FC236}">
+                  <a16:creationId xmlns:a16="http://schemas.microsoft.com/office/drawing/2014/main" id="{A00E1BC9-3D7A-29E9-5F74-EEC8901B1EA6}"/>
+                </a:ext>
+              </a:extLst>
+            </p:cNvPr>
+            <p:cNvCxnSpPr>
+              <a:cxnSpLocks/>
+            </p:cNvCxnSpPr>
+            <p:nvPr/>
+          </p:nvCxnSpPr>
+          <p:spPr>
+            <a:xfrm flipV="1">
+              <a:off x="1200150" y="4076700"/>
+              <a:ext cx="0" cy="1362075"/>
+            </a:xfrm>
+            <a:prstGeom prst="line">
+              <a:avLst/>
+            </a:prstGeom>
+            <a:ln w="19050" cap="flat" cmpd="sng" algn="ctr">
+              <a:solidFill>
+                <a:schemeClr val="accent1"/>
+              </a:solidFill>
+              <a:prstDash val="dash"/>
+              <a:round/>
+              <a:headEnd type="none" w="med" len="med"/>
+              <a:tailEnd type="none" w="med" len="med"/>
+            </a:ln>
+          </p:spPr>
+          <p:style>
+            <a:lnRef idx="0">
+              <a:scrgbClr r="0" g="0" b="0"/>
+            </a:lnRef>
+            <a:fillRef idx="0">
+              <a:scrgbClr r="0" g="0" b="0"/>
+            </a:fillRef>
+            <a:effectRef idx="0">
+              <a:scrgbClr r="0" g="0" b="0"/>
+            </a:effectRef>
+            <a:fontRef idx="minor">
+              <a:schemeClr val="tx1"/>
+            </a:fontRef>
+          </p:style>
+        </p:cxnSp>
+        <p:cxnSp>
+          <p:nvCxnSpPr>
+            <p:cNvPr id="29" name="Straight Connector 28">
+              <a:extLst>
+                <a:ext uri="{FF2B5EF4-FFF2-40B4-BE49-F238E27FC236}">
+                  <a16:creationId xmlns:a16="http://schemas.microsoft.com/office/drawing/2014/main" id="{46E73154-0735-2668-0CCC-4F5178CCBB3C}"/>
+                </a:ext>
+              </a:extLst>
+            </p:cNvPr>
+            <p:cNvCxnSpPr>
+              <a:cxnSpLocks/>
+            </p:cNvCxnSpPr>
+            <p:nvPr/>
+          </p:nvCxnSpPr>
+          <p:spPr>
+            <a:xfrm>
+              <a:off x="2678142" y="5140712"/>
+              <a:ext cx="0" cy="280128"/>
+            </a:xfrm>
+            <a:prstGeom prst="line">
+              <a:avLst/>
+            </a:prstGeom>
+            <a:ln w="19050" cap="flat" cmpd="sng" algn="ctr">
+              <a:solidFill>
+                <a:schemeClr val="accent1"/>
+              </a:solidFill>
+              <a:prstDash val="dash"/>
+              <a:round/>
+              <a:headEnd type="none" w="med" len="med"/>
+              <a:tailEnd type="none" w="med" len="med"/>
+            </a:ln>
+          </p:spPr>
+          <p:style>
+            <a:lnRef idx="0">
+              <a:scrgbClr r="0" g="0" b="0"/>
+            </a:lnRef>
+            <a:fillRef idx="0">
+              <a:scrgbClr r="0" g="0" b="0"/>
+            </a:fillRef>
+            <a:effectRef idx="0">
+              <a:scrgbClr r="0" g="0" b="0"/>
+            </a:effectRef>
+            <a:fontRef idx="minor">
+              <a:schemeClr val="tx1"/>
+            </a:fontRef>
+          </p:style>
+        </p:cxnSp>
+        <p:sp>
+          <p:nvSpPr>
+            <p:cNvPr id="47" name="Rounded Rectangle 46">
+              <a:extLst>
+                <a:ext uri="{FF2B5EF4-FFF2-40B4-BE49-F238E27FC236}">
+                  <a16:creationId xmlns:a16="http://schemas.microsoft.com/office/drawing/2014/main" id="{88A7E11E-D2FC-1A51-1BFE-9CAC2DFD7BE2}"/>
+                </a:ext>
+              </a:extLst>
+            </p:cNvPr>
+            <p:cNvSpPr/>
+            <p:nvPr/>
+          </p:nvSpPr>
+          <p:spPr>
+            <a:xfrm>
+              <a:off x="1267058" y="4645648"/>
+              <a:ext cx="123825" cy="123825"/>
+            </a:xfrm>
+            <a:prstGeom prst="roundRect">
+              <a:avLst/>
+            </a:prstGeom>
+          </p:spPr>
+          <p:style>
+            <a:lnRef idx="2">
+              <a:schemeClr val="accent1">
+                <a:shade val="15000"/>
+              </a:schemeClr>
+            </a:lnRef>
+            <a:fillRef idx="1">
+              <a:schemeClr val="accent1"/>
+            </a:fillRef>
+            <a:effectRef idx="0">
+              <a:schemeClr val="accent1"/>
+            </a:effectRef>
+            <a:fontRef idx="minor">
+              <a:schemeClr val="lt1"/>
+            </a:fontRef>
+          </p:style>
+          <p:txBody>
+            <a:bodyPr rtlCol="0" anchor="ctr"/>
+            <a:lstStyle/>
+            <a:p>
+              <a:pPr algn="ctr"/>
+              <a:endParaRPr lang="en-US"/>
+            </a:p>
+          </p:txBody>
+        </p:sp>
+        <p:sp>
+          <p:nvSpPr>
+            <p:cNvPr id="48" name="Rounded Rectangle 47">
+              <a:extLst>
+                <a:ext uri="{FF2B5EF4-FFF2-40B4-BE49-F238E27FC236}">
+                  <a16:creationId xmlns:a16="http://schemas.microsoft.com/office/drawing/2014/main" id="{4F1EF113-0F34-2B3F-A1C7-A3F9E9AE143C}"/>
+                </a:ext>
+              </a:extLst>
+            </p:cNvPr>
+            <p:cNvSpPr/>
+            <p:nvPr/>
+          </p:nvSpPr>
+          <p:spPr>
+            <a:xfrm>
+              <a:off x="1247775" y="2619375"/>
+              <a:ext cx="123825" cy="123825"/>
+            </a:xfrm>
+            <a:prstGeom prst="roundRect">
+              <a:avLst/>
+            </a:prstGeom>
+          </p:spPr>
+          <p:style>
+            <a:lnRef idx="2">
+              <a:schemeClr val="accent1">
+                <a:shade val="15000"/>
+              </a:schemeClr>
+            </a:lnRef>
+            <a:fillRef idx="1">
+              <a:schemeClr val="accent1"/>
+            </a:fillRef>
+            <a:effectRef idx="0">
+              <a:schemeClr val="accent1"/>
+            </a:effectRef>
+            <a:fontRef idx="minor">
+              <a:schemeClr val="lt1"/>
+            </a:fontRef>
+          </p:style>
+          <p:txBody>
+            <a:bodyPr rtlCol="0" anchor="ctr"/>
+            <a:lstStyle/>
+            <a:p>
+              <a:pPr algn="ctr"/>
+              <a:endParaRPr lang="en-US"/>
+            </a:p>
+          </p:txBody>
+        </p:sp>
+        <p:sp>
+          <p:nvSpPr>
+            <p:cNvPr id="49" name="TextBox 48">
+              <a:extLst>
+                <a:ext uri="{FF2B5EF4-FFF2-40B4-BE49-F238E27FC236}">
+                  <a16:creationId xmlns:a16="http://schemas.microsoft.com/office/drawing/2014/main" id="{D82A11E4-365E-1B40-D9B5-65DD121C7843}"/>
+                </a:ext>
+              </a:extLst>
+            </p:cNvPr>
+            <p:cNvSpPr txBox="1"/>
+            <p:nvPr/>
+          </p:nvSpPr>
+          <p:spPr>
+            <a:xfrm>
+              <a:off x="1371600" y="2568968"/>
+              <a:ext cx="2235237" cy="246221"/>
+            </a:xfrm>
+            <a:prstGeom prst="rect">
+              <a:avLst/>
+            </a:prstGeom>
+            <a:noFill/>
+          </p:spPr>
+          <p:txBody>
+            <a:bodyPr wrap="square" rtlCol="0">
+              <a:spAutoFit/>
+            </a:bodyPr>
+            <a:lstStyle/>
+            <a:p>
+              <a:r>
+                <a:rPr lang="en-US" sz="1000" dirty="0"/>
+                <a:t>Business with Data </a:t>
+              </a:r>
+            </a:p>
+          </p:txBody>
+        </p:sp>
+      </p:grpSp>
+    </p:spTree>
+    <p:extLst>
+      <p:ext uri="{BB962C8B-B14F-4D97-AF65-F5344CB8AC3E}">
+        <p14:creationId xmlns:p14="http://schemas.microsoft.com/office/powerpoint/2010/main" val="530005062"/>
+      </p:ext>
+    </p:extLst>
+  </p:cSld>
+  <p:clrMapOvr>
+    <a:masterClrMapping/>
+  </p:clrMapOvr>
+</p:sld>
+</file>
+
+<file path=ppt/slides/slide18.xml><?xml version="1.0" encoding="utf-8"?>
+<p:sld xmlns:a="http://schemas.openxmlformats.org/drawingml/2006/main" xmlns:r="http://schemas.openxmlformats.org/officeDocument/2006/relationships" xmlns:p="http://schemas.openxmlformats.org/presentationml/2006/main">
+  <p:cSld>
+    <p:spTree>
+      <p:nvGrpSpPr>
+        <p:cNvPr id="1" name=""/>
+        <p:cNvGrpSpPr/>
+        <p:nvPr/>
+      </p:nvGrpSpPr>
+      <p:grpSpPr>
+        <a:xfrm>
+          <a:off x="0" y="0"/>
+          <a:ext cx="0" cy="0"/>
+          <a:chOff x="0" y="0"/>
+          <a:chExt cx="0" cy="0"/>
+        </a:xfrm>
+      </p:grpSpPr>
+      <p:sp>
+        <p:nvSpPr>
+          <p:cNvPr id="2" name="Title 1">
+            <a:extLst>
+              <a:ext uri="{FF2B5EF4-FFF2-40B4-BE49-F238E27FC236}">
+                <a16:creationId xmlns:a16="http://schemas.microsoft.com/office/drawing/2014/main" id="{7FA60E29-9EE4-A50B-947A-16A31432D05A}"/>
+              </a:ext>
+            </a:extLst>
+          </p:cNvPr>
+          <p:cNvSpPr>
+            <a:spLocks noGrp="1"/>
+          </p:cNvSpPr>
+          <p:nvPr>
+            <p:ph type="title"/>
+          </p:nvPr>
+        </p:nvSpPr>
+        <p:spPr/>
+        <p:txBody>
+          <a:bodyPr/>
+          <a:lstStyle/>
+          <a:p>
+            <a:r>
+              <a:rPr lang="en-US" dirty="0"/>
+              <a:t>Product</a:t>
+            </a:r>
+          </a:p>
+        </p:txBody>
+      </p:sp>
+      <p:sp>
+        <p:nvSpPr>
+          <p:cNvPr id="4" name="Rounded Rectangle 3">
+            <a:extLst>
+              <a:ext uri="{FF2B5EF4-FFF2-40B4-BE49-F238E27FC236}">
+                <a16:creationId xmlns:a16="http://schemas.microsoft.com/office/drawing/2014/main" id="{5B8B8594-BE26-0384-E5A8-19503572415B}"/>
+              </a:ext>
+            </a:extLst>
+          </p:cNvPr>
+          <p:cNvSpPr/>
+          <p:nvPr/>
+        </p:nvSpPr>
+        <p:spPr>
+          <a:xfrm>
+            <a:off x="3456884" y="2118729"/>
+            <a:ext cx="8028872" cy="3936381"/>
+          </a:xfrm>
+          <a:prstGeom prst="roundRect">
+            <a:avLst>
+              <a:gd name="adj" fmla="val 10556"/>
+            </a:avLst>
+          </a:prstGeom>
+        </p:spPr>
+        <p:style>
+          <a:lnRef idx="2">
+            <a:schemeClr val="dk1"/>
+          </a:lnRef>
+          <a:fillRef idx="1">
+            <a:schemeClr val="lt1"/>
+          </a:fillRef>
+          <a:effectRef idx="0">
+            <a:schemeClr val="dk1"/>
+          </a:effectRef>
+          <a:fontRef idx="minor">
+            <a:schemeClr val="dk1"/>
+          </a:fontRef>
+        </p:style>
+        <p:txBody>
+          <a:bodyPr rtlCol="0" anchor="ctr"/>
+          <a:lstStyle/>
+          <a:p>
+            <a:pPr algn="ctr"/>
+            <a:endParaRPr lang="en-US" dirty="0"/>
+          </a:p>
+        </p:txBody>
+      </p:sp>
+      <p:sp>
+        <p:nvSpPr>
+          <p:cNvPr id="5" name="TextBox 4">
+            <a:extLst>
+              <a:ext uri="{FF2B5EF4-FFF2-40B4-BE49-F238E27FC236}">
+                <a16:creationId xmlns:a16="http://schemas.microsoft.com/office/drawing/2014/main" id="{F8CEBD0B-1D62-10C1-A7A2-5B76A34B43C9}"/>
+              </a:ext>
+            </a:extLst>
+          </p:cNvPr>
+          <p:cNvSpPr txBox="1"/>
+          <p:nvPr/>
+        </p:nvSpPr>
+        <p:spPr>
+          <a:xfrm>
+            <a:off x="5770091" y="1810952"/>
+            <a:ext cx="2120068" cy="307777"/>
+          </a:xfrm>
+          <a:prstGeom prst="rect">
+            <a:avLst/>
+          </a:prstGeom>
+          <a:noFill/>
+        </p:spPr>
+        <p:txBody>
+          <a:bodyPr wrap="none" rtlCol="0">
+            <a:spAutoFit/>
+          </a:bodyPr>
+          <a:lstStyle/>
+          <a:p>
+            <a:r>
+              <a:rPr lang="en-US" sz="1400" dirty="0"/>
+              <a:t>Cloud-based Application</a:t>
+            </a:r>
+          </a:p>
+        </p:txBody>
+      </p:sp>
+      <p:cxnSp>
+        <p:nvCxnSpPr>
+          <p:cNvPr id="7" name="Straight Arrow Connector 6">
+            <a:extLst>
+              <a:ext uri="{FF2B5EF4-FFF2-40B4-BE49-F238E27FC236}">
+                <a16:creationId xmlns:a16="http://schemas.microsoft.com/office/drawing/2014/main" id="{D8123B40-02B0-91F8-2441-3DEDDD63C342}"/>
+              </a:ext>
+            </a:extLst>
+          </p:cNvPr>
+          <p:cNvCxnSpPr>
+            <a:cxnSpLocks/>
+          </p:cNvCxnSpPr>
+          <p:nvPr/>
+        </p:nvCxnSpPr>
+        <p:spPr>
+          <a:xfrm>
+            <a:off x="2352908" y="2965293"/>
+            <a:ext cx="1260087" cy="0"/>
+          </a:xfrm>
+          <a:prstGeom prst="straightConnector1">
+            <a:avLst/>
+          </a:prstGeom>
+          <a:ln>
+            <a:tailEnd type="triangle"/>
+          </a:ln>
+        </p:spPr>
+        <p:style>
+          <a:lnRef idx="2">
+            <a:schemeClr val="accent1"/>
+          </a:lnRef>
+          <a:fillRef idx="0">
+            <a:schemeClr val="accent1"/>
+          </a:fillRef>
+          <a:effectRef idx="1">
+            <a:schemeClr val="accent1"/>
+          </a:effectRef>
+          <a:fontRef idx="minor">
+            <a:schemeClr val="tx1"/>
+          </a:fontRef>
+        </p:style>
+      </p:cxnSp>
+      <p:grpSp>
+        <p:nvGrpSpPr>
+          <p:cNvPr id="11" name="Group 10">
+            <a:extLst>
+              <a:ext uri="{FF2B5EF4-FFF2-40B4-BE49-F238E27FC236}">
+                <a16:creationId xmlns:a16="http://schemas.microsoft.com/office/drawing/2014/main" id="{9191BFDE-253B-E349-652A-DE494289B409}"/>
+              </a:ext>
+            </a:extLst>
+          </p:cNvPr>
+          <p:cNvGrpSpPr/>
+          <p:nvPr/>
+        </p:nvGrpSpPr>
+        <p:grpSpPr>
+          <a:xfrm>
+            <a:off x="838200" y="2287857"/>
+            <a:ext cx="1319561" cy="1659672"/>
+            <a:chOff x="8073483" y="2821259"/>
+            <a:chExt cx="1319561" cy="1659672"/>
+          </a:xfrm>
+        </p:grpSpPr>
+        <p:sp>
+          <p:nvSpPr>
+            <p:cNvPr id="8" name="Rectangle 7">
+              <a:extLst>
+                <a:ext uri="{FF2B5EF4-FFF2-40B4-BE49-F238E27FC236}">
+                  <a16:creationId xmlns:a16="http://schemas.microsoft.com/office/drawing/2014/main" id="{46A374BB-86CA-93BC-1783-B5752FEB1491}"/>
+                </a:ext>
+              </a:extLst>
+            </p:cNvPr>
+            <p:cNvSpPr/>
+            <p:nvPr/>
+          </p:nvSpPr>
+          <p:spPr>
+            <a:xfrm>
+              <a:off x="8073483" y="2821259"/>
+              <a:ext cx="1014761" cy="1354872"/>
+            </a:xfrm>
+            <a:prstGeom prst="rect">
+              <a:avLst/>
+            </a:prstGeom>
+          </p:spPr>
+          <p:style>
+            <a:lnRef idx="2">
+              <a:schemeClr val="dk1"/>
+            </a:lnRef>
+            <a:fillRef idx="1">
+              <a:schemeClr val="lt1"/>
+            </a:fillRef>
+            <a:effectRef idx="0">
+              <a:schemeClr val="dk1"/>
+            </a:effectRef>
+            <a:fontRef idx="minor">
+              <a:schemeClr val="dk1"/>
+            </a:fontRef>
+          </p:style>
+          <p:txBody>
+            <a:bodyPr rtlCol="0" anchor="ctr"/>
+            <a:lstStyle/>
+            <a:p>
+              <a:pPr algn="ctr"/>
+              <a:endParaRPr lang="en-US"/>
+            </a:p>
+          </p:txBody>
+        </p:sp>
+        <p:sp>
+          <p:nvSpPr>
+            <p:cNvPr id="9" name="Rectangle 8">
+              <a:extLst>
+                <a:ext uri="{FF2B5EF4-FFF2-40B4-BE49-F238E27FC236}">
+                  <a16:creationId xmlns:a16="http://schemas.microsoft.com/office/drawing/2014/main" id="{3DC67A86-E041-EDFF-9ABF-25B8955F4245}"/>
+                </a:ext>
+              </a:extLst>
+            </p:cNvPr>
+            <p:cNvSpPr/>
+            <p:nvPr/>
+          </p:nvSpPr>
+          <p:spPr>
+            <a:xfrm>
+              <a:off x="8225883" y="2973659"/>
+              <a:ext cx="1014761" cy="1354872"/>
+            </a:xfrm>
+            <a:prstGeom prst="rect">
+              <a:avLst/>
+            </a:prstGeom>
+          </p:spPr>
+          <p:style>
+            <a:lnRef idx="2">
+              <a:schemeClr val="dk1"/>
+            </a:lnRef>
+            <a:fillRef idx="1">
+              <a:schemeClr val="lt1"/>
+            </a:fillRef>
+            <a:effectRef idx="0">
+              <a:schemeClr val="dk1"/>
+            </a:effectRef>
+            <a:fontRef idx="minor">
+              <a:schemeClr val="dk1"/>
+            </a:fontRef>
+          </p:style>
+          <p:txBody>
+            <a:bodyPr rtlCol="0" anchor="ctr"/>
+            <a:lstStyle/>
+            <a:p>
+              <a:pPr algn="ctr"/>
+              <a:endParaRPr lang="en-US"/>
+            </a:p>
+          </p:txBody>
+        </p:sp>
+        <p:sp>
+          <p:nvSpPr>
+            <p:cNvPr id="10" name="Rectangle 9">
+              <a:extLst>
+                <a:ext uri="{FF2B5EF4-FFF2-40B4-BE49-F238E27FC236}">
+                  <a16:creationId xmlns:a16="http://schemas.microsoft.com/office/drawing/2014/main" id="{8E049F1E-B01C-53EB-2961-97C290610F97}"/>
+                </a:ext>
+              </a:extLst>
+            </p:cNvPr>
+            <p:cNvSpPr/>
+            <p:nvPr/>
+          </p:nvSpPr>
+          <p:spPr>
+            <a:xfrm>
+              <a:off x="8378283" y="3126059"/>
+              <a:ext cx="1014761" cy="1354872"/>
+            </a:xfrm>
+            <a:prstGeom prst="rect">
+              <a:avLst/>
+            </a:prstGeom>
+          </p:spPr>
+          <p:style>
+            <a:lnRef idx="2">
+              <a:schemeClr val="dk1"/>
+            </a:lnRef>
+            <a:fillRef idx="1">
+              <a:schemeClr val="lt1"/>
+            </a:fillRef>
+            <a:effectRef idx="0">
+              <a:schemeClr val="dk1"/>
+            </a:effectRef>
+            <a:fontRef idx="minor">
+              <a:schemeClr val="dk1"/>
+            </a:fontRef>
+          </p:style>
+          <p:txBody>
+            <a:bodyPr rtlCol="0" anchor="ctr"/>
+            <a:lstStyle/>
+            <a:p>
+              <a:pPr algn="ctr"/>
+              <a:r>
+                <a:rPr lang="en-US" sz="1400" dirty="0"/>
+                <a:t>Data</a:t>
+              </a:r>
+            </a:p>
+          </p:txBody>
+        </p:sp>
+      </p:grpSp>
+      <p:sp>
+        <p:nvSpPr>
+          <p:cNvPr id="12" name="TextBox 11">
+            <a:extLst>
+              <a:ext uri="{FF2B5EF4-FFF2-40B4-BE49-F238E27FC236}">
+                <a16:creationId xmlns:a16="http://schemas.microsoft.com/office/drawing/2014/main" id="{C01DC81E-8AAA-F911-1DC3-82E32D9B75B7}"/>
+              </a:ext>
+            </a:extLst>
+          </p:cNvPr>
+          <p:cNvSpPr txBox="1"/>
+          <p:nvPr/>
+        </p:nvSpPr>
+        <p:spPr>
+          <a:xfrm>
+            <a:off x="2470151" y="2688294"/>
+            <a:ext cx="825867" cy="276999"/>
+          </a:xfrm>
+          <a:prstGeom prst="rect">
+            <a:avLst/>
+          </a:prstGeom>
+          <a:noFill/>
+        </p:spPr>
+        <p:txBody>
+          <a:bodyPr wrap="none" rtlCol="0">
+            <a:spAutoFit/>
+          </a:bodyPr>
+          <a:lstStyle/>
+          <a:p>
+            <a:r>
+              <a:rPr lang="en-US" sz="1200" dirty="0"/>
+              <a:t>1. Upload</a:t>
+            </a:r>
+          </a:p>
+        </p:txBody>
+      </p:sp>
+      <p:sp>
+        <p:nvSpPr>
+          <p:cNvPr id="13" name="Rounded Rectangle 12">
+            <a:extLst>
+              <a:ext uri="{FF2B5EF4-FFF2-40B4-BE49-F238E27FC236}">
+                <a16:creationId xmlns:a16="http://schemas.microsoft.com/office/drawing/2014/main" id="{DDA8EED7-264C-90DC-DAB2-B497ADDF4CD5}"/>
+              </a:ext>
+            </a:extLst>
+          </p:cNvPr>
+          <p:cNvSpPr/>
+          <p:nvPr/>
+        </p:nvSpPr>
+        <p:spPr>
+          <a:xfrm>
+            <a:off x="3746810" y="2748774"/>
+            <a:ext cx="2120068" cy="747131"/>
+          </a:xfrm>
+          <a:prstGeom prst="roundRect">
+            <a:avLst/>
+          </a:prstGeom>
+        </p:spPr>
+        <p:style>
+          <a:lnRef idx="2">
+            <a:schemeClr val="accent1">
+              <a:shade val="15000"/>
+            </a:schemeClr>
+          </a:lnRef>
+          <a:fillRef idx="1">
+            <a:schemeClr val="accent1"/>
+          </a:fillRef>
+          <a:effectRef idx="0">
+            <a:schemeClr val="accent1"/>
+          </a:effectRef>
+          <a:fontRef idx="minor">
+            <a:schemeClr val="lt1"/>
+          </a:fontRef>
+        </p:style>
+        <p:txBody>
+          <a:bodyPr rtlCol="0" anchor="ctr"/>
+          <a:lstStyle/>
+          <a:p>
+            <a:pPr algn="ctr"/>
+            <a:r>
+              <a:rPr lang="en-US" dirty="0"/>
+              <a:t>Data Cleansing </a:t>
+            </a:r>
+          </a:p>
+        </p:txBody>
+      </p:sp>
+      <p:sp>
+        <p:nvSpPr>
+          <p:cNvPr id="15" name="Rounded Rectangle 14">
+            <a:extLst>
+              <a:ext uri="{FF2B5EF4-FFF2-40B4-BE49-F238E27FC236}">
+                <a16:creationId xmlns:a16="http://schemas.microsoft.com/office/drawing/2014/main" id="{0D2F7891-0316-D120-862E-CD871C111394}"/>
+              </a:ext>
+            </a:extLst>
+          </p:cNvPr>
+          <p:cNvSpPr/>
+          <p:nvPr/>
+        </p:nvSpPr>
+        <p:spPr>
+          <a:xfrm>
+            <a:off x="3746809" y="4013158"/>
+            <a:ext cx="2120068" cy="1027194"/>
+          </a:xfrm>
+          <a:prstGeom prst="roundRect">
+            <a:avLst/>
+          </a:prstGeom>
+        </p:spPr>
+        <p:style>
+          <a:lnRef idx="2">
+            <a:schemeClr val="accent1">
+              <a:shade val="15000"/>
+            </a:schemeClr>
+          </a:lnRef>
+          <a:fillRef idx="1">
+            <a:schemeClr val="accent1"/>
+          </a:fillRef>
+          <a:effectRef idx="0">
+            <a:schemeClr val="accent1"/>
+          </a:effectRef>
+          <a:fontRef idx="minor">
+            <a:schemeClr val="lt1"/>
+          </a:fontRef>
+        </p:style>
+        <p:txBody>
+          <a:bodyPr rtlCol="0" anchor="ctr"/>
+          <a:lstStyle/>
+          <a:p>
+            <a:pPr algn="ctr"/>
+            <a:r>
+              <a:rPr lang="en-US" dirty="0"/>
+              <a:t>A.I. Module</a:t>
+            </a:r>
+          </a:p>
+          <a:p>
+            <a:pPr algn="ctr"/>
+            <a:r>
+              <a:rPr lang="en-US" dirty="0"/>
+              <a:t>Schema Building </a:t>
+            </a:r>
+          </a:p>
+        </p:txBody>
+      </p:sp>
+      <p:cxnSp>
+        <p:nvCxnSpPr>
+          <p:cNvPr id="16" name="Straight Arrow Connector 15">
+            <a:extLst>
+              <a:ext uri="{FF2B5EF4-FFF2-40B4-BE49-F238E27FC236}">
+                <a16:creationId xmlns:a16="http://schemas.microsoft.com/office/drawing/2014/main" id="{F5CF0622-A10B-274F-BABF-F8057BE9C6B5}"/>
+              </a:ext>
+            </a:extLst>
+          </p:cNvPr>
+          <p:cNvCxnSpPr>
+            <a:cxnSpLocks/>
+          </p:cNvCxnSpPr>
+          <p:nvPr/>
+        </p:nvCxnSpPr>
+        <p:spPr>
+          <a:xfrm>
+            <a:off x="4769008" y="3595686"/>
+            <a:ext cx="0" cy="355560"/>
+          </a:xfrm>
+          <a:prstGeom prst="straightConnector1">
+            <a:avLst/>
+          </a:prstGeom>
+          <a:ln>
+            <a:tailEnd type="triangle"/>
+          </a:ln>
+        </p:spPr>
+        <p:style>
+          <a:lnRef idx="2">
+            <a:schemeClr val="accent1"/>
+          </a:lnRef>
+          <a:fillRef idx="0">
+            <a:schemeClr val="accent1"/>
+          </a:fillRef>
+          <a:effectRef idx="1">
+            <a:schemeClr val="accent1"/>
+          </a:effectRef>
+          <a:fontRef idx="minor">
+            <a:schemeClr val="tx1"/>
+          </a:fontRef>
+        </p:style>
+      </p:cxnSp>
+      <p:sp>
+        <p:nvSpPr>
+          <p:cNvPr id="21" name="Rounded Rectangle 20">
+            <a:extLst>
+              <a:ext uri="{FF2B5EF4-FFF2-40B4-BE49-F238E27FC236}">
+                <a16:creationId xmlns:a16="http://schemas.microsoft.com/office/drawing/2014/main" id="{4E594361-F44B-7D92-14A3-F0C671CF3E66}"/>
+              </a:ext>
+            </a:extLst>
+          </p:cNvPr>
+          <p:cNvSpPr/>
+          <p:nvPr/>
+        </p:nvSpPr>
+        <p:spPr>
+          <a:xfrm>
+            <a:off x="6357522" y="2741474"/>
+            <a:ext cx="2259981" cy="3112913"/>
+          </a:xfrm>
+          <a:prstGeom prst="roundRect">
+            <a:avLst/>
+          </a:prstGeom>
+        </p:spPr>
+        <p:style>
+          <a:lnRef idx="2">
+            <a:schemeClr val="accent1">
+              <a:shade val="15000"/>
+            </a:schemeClr>
+          </a:lnRef>
+          <a:fillRef idx="1">
+            <a:schemeClr val="accent1"/>
+          </a:fillRef>
+          <a:effectRef idx="0">
+            <a:schemeClr val="accent1"/>
+          </a:effectRef>
+          <a:fontRef idx="minor">
+            <a:schemeClr val="lt1"/>
+          </a:fontRef>
+        </p:style>
+        <p:txBody>
+          <a:bodyPr rtlCol="0" anchor="ctr"/>
+          <a:lstStyle/>
+          <a:p>
+            <a:pPr algn="ctr"/>
+            <a:r>
+              <a:rPr lang="en-US" dirty="0"/>
+              <a:t>A.I. Module</a:t>
+            </a:r>
+          </a:p>
+          <a:p>
+            <a:pPr algn="ctr"/>
+            <a:r>
+              <a:rPr lang="en-US" dirty="0"/>
+              <a:t>Human Association</a:t>
+            </a:r>
+          </a:p>
+        </p:txBody>
+      </p:sp>
+      <p:sp>
+        <p:nvSpPr>
+          <p:cNvPr id="23" name="TextBox 22">
+            <a:extLst>
+              <a:ext uri="{FF2B5EF4-FFF2-40B4-BE49-F238E27FC236}">
+                <a16:creationId xmlns:a16="http://schemas.microsoft.com/office/drawing/2014/main" id="{9B63AFC7-A8C2-8460-CDD1-0A84165C7D7A}"/>
+              </a:ext>
+            </a:extLst>
+          </p:cNvPr>
+          <p:cNvSpPr txBox="1"/>
+          <p:nvPr/>
+        </p:nvSpPr>
+        <p:spPr>
+          <a:xfrm>
+            <a:off x="4032878" y="2255591"/>
+            <a:ext cx="1498231" cy="307777"/>
+          </a:xfrm>
+          <a:prstGeom prst="rect">
+            <a:avLst/>
+          </a:prstGeom>
+          <a:noFill/>
+        </p:spPr>
+        <p:txBody>
+          <a:bodyPr wrap="none" rtlCol="0">
+            <a:spAutoFit/>
+          </a:bodyPr>
+          <a:lstStyle/>
+          <a:p>
+            <a:r>
+              <a:rPr lang="en-US" sz="1400" dirty="0"/>
+              <a:t>Data Engineering</a:t>
+            </a:r>
+          </a:p>
+        </p:txBody>
+      </p:sp>
+      <p:sp>
+        <p:nvSpPr>
+          <p:cNvPr id="24" name="TextBox 23">
+            <a:extLst>
+              <a:ext uri="{FF2B5EF4-FFF2-40B4-BE49-F238E27FC236}">
+                <a16:creationId xmlns:a16="http://schemas.microsoft.com/office/drawing/2014/main" id="{E8099643-32E5-095E-2FB5-3DE14BB70F40}"/>
+              </a:ext>
+            </a:extLst>
+          </p:cNvPr>
+          <p:cNvSpPr txBox="1"/>
+          <p:nvPr/>
+        </p:nvSpPr>
+        <p:spPr>
+          <a:xfrm>
+            <a:off x="6696712" y="2222138"/>
+            <a:ext cx="1586011" cy="523220"/>
+          </a:xfrm>
+          <a:prstGeom prst="rect">
+            <a:avLst/>
+          </a:prstGeom>
+          <a:noFill/>
+        </p:spPr>
+        <p:txBody>
+          <a:bodyPr wrap="none" rtlCol="0">
+            <a:spAutoFit/>
+          </a:bodyPr>
+          <a:lstStyle/>
+          <a:p>
+            <a:pPr algn="ctr"/>
+            <a:r>
+              <a:rPr lang="en-US" sz="1400" dirty="0"/>
+              <a:t>Natural Language </a:t>
+            </a:r>
+          </a:p>
+          <a:p>
+            <a:pPr algn="ctr"/>
+            <a:r>
+              <a:rPr lang="en-US" sz="1400" dirty="0"/>
+              <a:t>Processing</a:t>
+            </a:r>
+          </a:p>
+        </p:txBody>
+      </p:sp>
+      <p:cxnSp>
+        <p:nvCxnSpPr>
+          <p:cNvPr id="26" name="Straight Arrow Connector 25">
+            <a:extLst>
+              <a:ext uri="{FF2B5EF4-FFF2-40B4-BE49-F238E27FC236}">
+                <a16:creationId xmlns:a16="http://schemas.microsoft.com/office/drawing/2014/main" id="{43EE6505-2272-2566-F3FA-C35FEF5B6101}"/>
+              </a:ext>
+            </a:extLst>
+          </p:cNvPr>
+          <p:cNvCxnSpPr/>
+          <p:nvPr/>
+        </p:nvCxnSpPr>
+        <p:spPr>
+          <a:xfrm>
+            <a:off x="2352908" y="5430645"/>
+            <a:ext cx="3743092" cy="0"/>
+          </a:xfrm>
+          <a:prstGeom prst="straightConnector1">
+            <a:avLst/>
+          </a:prstGeom>
+          <a:ln>
+            <a:tailEnd type="triangle"/>
+          </a:ln>
+        </p:spPr>
+        <p:style>
+          <a:lnRef idx="2">
+            <a:schemeClr val="accent1"/>
+          </a:lnRef>
+          <a:fillRef idx="0">
+            <a:schemeClr val="accent1"/>
+          </a:fillRef>
+          <a:effectRef idx="1">
+            <a:schemeClr val="accent1"/>
+          </a:effectRef>
+          <a:fontRef idx="minor">
+            <a:schemeClr val="tx1"/>
+          </a:fontRef>
+        </p:style>
+      </p:cxnSp>
+      <p:sp>
+        <p:nvSpPr>
+          <p:cNvPr id="27" name="TextBox 26">
+            <a:extLst>
+              <a:ext uri="{FF2B5EF4-FFF2-40B4-BE49-F238E27FC236}">
+                <a16:creationId xmlns:a16="http://schemas.microsoft.com/office/drawing/2014/main" id="{7B064C1C-08AE-E242-BCC6-F4165397B057}"/>
+              </a:ext>
+            </a:extLst>
+          </p:cNvPr>
+          <p:cNvSpPr txBox="1"/>
+          <p:nvPr/>
+        </p:nvSpPr>
+        <p:spPr>
+          <a:xfrm>
+            <a:off x="2526589" y="5148995"/>
+            <a:ext cx="1145122" cy="276999"/>
+          </a:xfrm>
+          <a:prstGeom prst="rect">
+            <a:avLst/>
+          </a:prstGeom>
+          <a:noFill/>
+        </p:spPr>
+        <p:txBody>
+          <a:bodyPr wrap="none" rtlCol="0">
+            <a:spAutoFit/>
+          </a:bodyPr>
+          <a:lstStyle/>
+          <a:p>
+            <a:r>
+              <a:rPr lang="en-US" sz="1200" dirty="0"/>
+              <a:t>Data Question</a:t>
+            </a:r>
+          </a:p>
+        </p:txBody>
+      </p:sp>
+      <p:sp>
+        <p:nvSpPr>
+          <p:cNvPr id="28" name="Right Brace 27">
+            <a:extLst>
+              <a:ext uri="{FF2B5EF4-FFF2-40B4-BE49-F238E27FC236}">
+                <a16:creationId xmlns:a16="http://schemas.microsoft.com/office/drawing/2014/main" id="{59364629-DBBA-6C73-1B05-EE046DD673B4}"/>
+              </a:ext>
+            </a:extLst>
+          </p:cNvPr>
+          <p:cNvSpPr/>
+          <p:nvPr/>
+        </p:nvSpPr>
+        <p:spPr>
+          <a:xfrm>
+            <a:off x="5978387" y="2685719"/>
+            <a:ext cx="229123" cy="2407521"/>
+          </a:xfrm>
+          <a:prstGeom prst="rightBrace">
+            <a:avLst/>
+          </a:prstGeom>
+          <a:ln w="19050" cap="flat" cmpd="sng" algn="ctr">
+            <a:solidFill>
+              <a:schemeClr val="dk1"/>
+            </a:solidFill>
+            <a:prstDash val="dash"/>
+            <a:round/>
+            <a:headEnd type="none" w="med" len="med"/>
+            <a:tailEnd type="none" w="med" len="med"/>
+          </a:ln>
+        </p:spPr>
+        <p:style>
+          <a:lnRef idx="0">
+            <a:scrgbClr r="0" g="0" b="0"/>
+          </a:lnRef>
+          <a:fillRef idx="0">
+            <a:scrgbClr r="0" g="0" b="0"/>
+          </a:fillRef>
+          <a:effectRef idx="0">
+            <a:scrgbClr r="0" g="0" b="0"/>
+          </a:effectRef>
+          <a:fontRef idx="minor">
+            <a:schemeClr val="tx1"/>
+          </a:fontRef>
+        </p:style>
+        <p:txBody>
+          <a:bodyPr rtlCol="0" anchor="ctr"/>
+          <a:lstStyle/>
+          <a:p>
+            <a:pPr algn="ctr"/>
+            <a:endParaRPr lang="en-US"/>
+          </a:p>
+        </p:txBody>
+      </p:sp>
+    </p:spTree>
+    <p:extLst>
+      <p:ext uri="{BB962C8B-B14F-4D97-AF65-F5344CB8AC3E}">
+        <p14:creationId xmlns:p14="http://schemas.microsoft.com/office/powerpoint/2010/main" val="3400789654"/>
+      </p:ext>
+    </p:extLst>
+  </p:cSld>
+  <p:clrMapOvr>
+    <a:masterClrMapping/>
+  </p:clrMapOvr>
+</p:sld>
+</file>
+
+<file path=ppt/slides/slide19.xml><?xml version="1.0" encoding="utf-8"?>
+<p:sld xmlns:a="http://schemas.openxmlformats.org/drawingml/2006/main" xmlns:r="http://schemas.openxmlformats.org/officeDocument/2006/relationships" xmlns:p="http://schemas.openxmlformats.org/presentationml/2006/main">
+  <p:cSld>
+    <p:spTree>
+      <p:nvGrpSpPr>
+        <p:cNvPr id="1" name=""/>
+        <p:cNvGrpSpPr/>
+        <p:nvPr/>
+      </p:nvGrpSpPr>
+      <p:grpSpPr>
+        <a:xfrm>
+          <a:off x="0" y="0"/>
+          <a:ext cx="0" cy="0"/>
+          <a:chOff x="0" y="0"/>
+          <a:chExt cx="0" cy="0"/>
+        </a:xfrm>
+      </p:grpSpPr>
+      <p:sp>
+        <p:nvSpPr>
+          <p:cNvPr id="2" name="Title 1">
+            <a:extLst>
+              <a:ext uri="{FF2B5EF4-FFF2-40B4-BE49-F238E27FC236}">
+                <a16:creationId xmlns:a16="http://schemas.microsoft.com/office/drawing/2014/main" id="{364C80CF-25A8-D9F2-6F15-BA6ECE183A23}"/>
+              </a:ext>
+            </a:extLst>
+          </p:cNvPr>
+          <p:cNvSpPr>
+            <a:spLocks noGrp="1"/>
+          </p:cNvSpPr>
+          <p:nvPr>
+            <p:ph type="title"/>
+          </p:nvPr>
+        </p:nvSpPr>
+        <p:spPr/>
+        <p:txBody>
+          <a:bodyPr/>
+          <a:lstStyle/>
+          <a:p>
+            <a:r>
+              <a:rPr lang="en-US" dirty="0"/>
+              <a:t>Market Validation – Need More</a:t>
+            </a:r>
+          </a:p>
+        </p:txBody>
+      </p:sp>
+      <p:sp>
+        <p:nvSpPr>
+          <p:cNvPr id="6" name="Content Placeholder 5">
+            <a:extLst>
+              <a:ext uri="{FF2B5EF4-FFF2-40B4-BE49-F238E27FC236}">
+                <a16:creationId xmlns:a16="http://schemas.microsoft.com/office/drawing/2014/main" id="{24726738-A204-76F5-9E52-AF17CA29C035}"/>
+              </a:ext>
+            </a:extLst>
+          </p:cNvPr>
+          <p:cNvSpPr>
+            <a:spLocks noGrp="1"/>
+          </p:cNvSpPr>
+          <p:nvPr>
+            <p:ph idx="1"/>
+          </p:nvPr>
+        </p:nvSpPr>
+        <p:spPr/>
+        <p:txBody>
+          <a:bodyPr/>
+          <a:lstStyle/>
+          <a:p>
+            <a:r>
+              <a:rPr lang="en-US" dirty="0"/>
+              <a:t>Competitor Sales – Tableau, </a:t>
+            </a:r>
+            <a:r>
+              <a:rPr lang="en-US" dirty="0" err="1"/>
+              <a:t>PowerBi</a:t>
+            </a:r>
+            <a:endParaRPr lang="en-US" dirty="0"/>
+          </a:p>
+          <a:p>
+            <a:r>
+              <a:rPr lang="en-US" dirty="0"/>
+              <a:t>Our Target market, purchasing power, habits of customer</a:t>
+            </a:r>
+          </a:p>
+        </p:txBody>
+      </p:sp>
+    </p:spTree>
+    <p:extLst>
+      <p:ext uri="{BB962C8B-B14F-4D97-AF65-F5344CB8AC3E}">
+        <p14:creationId xmlns:p14="http://schemas.microsoft.com/office/powerpoint/2010/main" val="3647913550"/>
+      </p:ext>
+    </p:extLst>
+  </p:cSld>
+  <p:clrMapOvr>
+    <a:masterClrMapping/>
+  </p:clrMapOvr>
+</p:sld>
+</file>
+
+<file path=ppt/slides/slide2.xml><?xml version="1.0" encoding="utf-8"?>
+<p:sld xmlns:a="http://schemas.openxmlformats.org/drawingml/2006/main" xmlns:r="http://schemas.openxmlformats.org/officeDocument/2006/relationships" xmlns:p="http://schemas.openxmlformats.org/presentationml/2006/main">
+  <p:cSld>
+    <p:spTree>
+      <p:nvGrpSpPr>
+        <p:cNvPr id="1" name=""/>
+        <p:cNvGrpSpPr/>
+        <p:nvPr/>
+      </p:nvGrpSpPr>
+      <p:grpSpPr>
+        <a:xfrm>
+          <a:off x="0" y="0"/>
+          <a:ext cx="0" cy="0"/>
+          <a:chOff x="0" y="0"/>
+          <a:chExt cx="0" cy="0"/>
+        </a:xfrm>
+      </p:grpSpPr>
+      <p:sp>
+        <p:nvSpPr>
+          <p:cNvPr id="4" name="Title 3">
+            <a:extLst>
+              <a:ext uri="{FF2B5EF4-FFF2-40B4-BE49-F238E27FC236}">
+                <a16:creationId xmlns:a16="http://schemas.microsoft.com/office/drawing/2014/main" id="{DE0E4E0B-16D5-9CC9-9780-054809772C3E}"/>
+              </a:ext>
+            </a:extLst>
+          </p:cNvPr>
+          <p:cNvSpPr>
+            <a:spLocks noGrp="1"/>
+          </p:cNvSpPr>
+          <p:nvPr>
+            <p:ph type="title"/>
+          </p:nvPr>
+        </p:nvSpPr>
+        <p:spPr/>
+        <p:txBody>
+          <a:bodyPr/>
+          <a:lstStyle/>
+          <a:p>
+            <a:r>
+              <a:rPr lang="en-US" dirty="0"/>
+              <a:t>The Golden Circle</a:t>
+            </a:r>
+          </a:p>
+        </p:txBody>
+      </p:sp>
+      <p:sp>
+        <p:nvSpPr>
+          <p:cNvPr id="6" name="Content Placeholder 5">
+            <a:extLst>
+              <a:ext uri="{FF2B5EF4-FFF2-40B4-BE49-F238E27FC236}">
+                <a16:creationId xmlns:a16="http://schemas.microsoft.com/office/drawing/2014/main" id="{4A40915D-817F-BC2E-5F4D-B5E5FAB17A78}"/>
+              </a:ext>
+            </a:extLst>
+          </p:cNvPr>
+          <p:cNvSpPr>
+            <a:spLocks noGrp="1"/>
+          </p:cNvSpPr>
+          <p:nvPr>
+            <p:ph sz="half" idx="2"/>
+          </p:nvPr>
+        </p:nvSpPr>
+        <p:spPr>
+          <a:xfrm>
+            <a:off x="4337223" y="1825624"/>
+            <a:ext cx="7016577" cy="4365625"/>
+          </a:xfrm>
+        </p:spPr>
+        <p:txBody>
+          <a:bodyPr/>
+          <a:lstStyle/>
           <a:p>
             <a:pPr marL="0" indent="0">
               <a:buNone/>
             </a:pPr>
-            <a:endParaRPr lang="en-US" dirty="0"/>
-          </a:p>
-          <a:p>
-            <a:endParaRPr lang="en-US" dirty="0"/>
+            <a:r>
+              <a:rPr lang="en-US" b="1" dirty="0"/>
+              <a:t>Why</a:t>
+            </a:r>
+            <a:r>
+              <a:rPr lang="en-US" dirty="0"/>
+              <a:t> are we doing this? (</a:t>
+            </a:r>
+            <a:r>
+              <a:rPr lang="en-US" i="1" dirty="0"/>
+              <a:t>“The Problem”)</a:t>
+            </a:r>
+          </a:p>
+          <a:p>
+            <a:pPr marL="0" indent="0">
+              <a:buNone/>
+            </a:pPr>
+            <a:r>
+              <a:rPr lang="en-US" sz="1400" dirty="0"/>
+              <a:t>Context: Businesses are beginning to recognize the value of data:</a:t>
+            </a:r>
+          </a:p>
+          <a:p>
+            <a:r>
+              <a:rPr lang="en-US" sz="1400" dirty="0"/>
+              <a:t>360 view of the business</a:t>
+            </a:r>
+          </a:p>
+          <a:p>
+            <a:r>
+              <a:rPr lang="en-US" sz="1400" dirty="0"/>
+              <a:t>Realtime updates</a:t>
+            </a:r>
+          </a:p>
+          <a:p>
+            <a:r>
+              <a:rPr lang="en-US" sz="1400" dirty="0"/>
+              <a:t>New opportunities for revenue growth</a:t>
+            </a:r>
+          </a:p>
+          <a:p>
+            <a:r>
+              <a:rPr lang="en-US" sz="1400" dirty="0"/>
+              <a:t>New opportunities for cost reduction</a:t>
+            </a:r>
+          </a:p>
+          <a:p>
+            <a:pPr marL="0" indent="0">
+              <a:buNone/>
+            </a:pPr>
+            <a:r>
+              <a:rPr lang="en-US" sz="1400" dirty="0">
+                <a:solidFill>
+                  <a:schemeClr val="bg2"/>
+                </a:solidFill>
+              </a:rPr>
+              <a:t>“Problem”: </a:t>
+            </a:r>
+          </a:p>
+          <a:p>
+            <a:r>
+              <a:rPr lang="en-US" sz="1400" dirty="0">
+                <a:solidFill>
+                  <a:schemeClr val="bg2"/>
+                </a:solidFill>
+              </a:rPr>
+              <a:t>Cost of getting started – Hiring, Training, Tools, Administrative overheads, etc.</a:t>
+            </a:r>
+          </a:p>
+          <a:p>
+            <a:r>
+              <a:rPr lang="en-US" sz="1400" dirty="0">
+                <a:solidFill>
+                  <a:schemeClr val="bg2"/>
+                </a:solidFill>
+              </a:rPr>
+              <a:t>Uncertain results – Despite the investment, there is </a:t>
+            </a:r>
+            <a:r>
+              <a:rPr lang="en-US" sz="1400" b="1" dirty="0">
+                <a:solidFill>
+                  <a:schemeClr val="bg2"/>
+                </a:solidFill>
+              </a:rPr>
+              <a:t>no guarantee</a:t>
+            </a:r>
+            <a:r>
+              <a:rPr lang="en-US" sz="1400" dirty="0">
+                <a:solidFill>
+                  <a:schemeClr val="bg2"/>
+                </a:solidFill>
+              </a:rPr>
+              <a:t> of results. </a:t>
+            </a:r>
+          </a:p>
+          <a:p>
+            <a:pPr marL="0" indent="0">
+              <a:buNone/>
+            </a:pPr>
+            <a:r>
+              <a:rPr lang="en-US" sz="1400" dirty="0">
+                <a:solidFill>
+                  <a:schemeClr val="bg2"/>
+                </a:solidFill>
+              </a:rPr>
+              <a:t>Problem is</a:t>
+            </a:r>
+            <a:r>
+              <a:rPr lang="en-SG" sz="1400" dirty="0">
+                <a:solidFill>
+                  <a:schemeClr val="bg2"/>
+                </a:solidFill>
+              </a:rPr>
+              <a:t> exacerbated for smaller organizations because of limited resources.</a:t>
+            </a:r>
+            <a:endParaRPr lang="en-US" sz="1400" dirty="0">
+              <a:solidFill>
+                <a:schemeClr val="bg2"/>
+              </a:solidFill>
+            </a:endParaRPr>
+          </a:p>
+          <a:p>
+            <a:pPr marL="0" indent="0">
+              <a:buNone/>
+            </a:pPr>
+            <a:endParaRPr lang="en-US" sz="1400" dirty="0"/>
           </a:p>
         </p:txBody>
       </p:sp>
@@ -4327,7 +6994,7 @@
     </p:spTree>
     <p:extLst>
       <p:ext uri="{BB962C8B-B14F-4D97-AF65-F5344CB8AC3E}">
-        <p14:creationId xmlns:p14="http://schemas.microsoft.com/office/powerpoint/2010/main" val="2737738667"/>
+        <p14:creationId xmlns:p14="http://schemas.microsoft.com/office/powerpoint/2010/main" val="105938200"/>
       </p:ext>
     </p:extLst>
   </p:cSld>
@@ -4337,7 +7004,7 @@
 </p:sld>
 </file>
 
-<file path=ppt/slides/slide11.xml><?xml version="1.0" encoding="utf-8"?>
+<file path=ppt/slides/slide20.xml><?xml version="1.0" encoding="utf-8"?>
 <p:sld xmlns:a="http://schemas.openxmlformats.org/drawingml/2006/main" xmlns:r="http://schemas.openxmlformats.org/officeDocument/2006/relationships" xmlns:p="http://schemas.openxmlformats.org/presentationml/2006/main">
   <p:cSld>
     <p:spTree>
@@ -4359,7 +7026,7 @@
           <p:cNvPr id="2" name="Title 1">
             <a:extLst>
               <a:ext uri="{FF2B5EF4-FFF2-40B4-BE49-F238E27FC236}">
-                <a16:creationId xmlns:a16="http://schemas.microsoft.com/office/drawing/2014/main" id="{7FA60E29-9EE4-A50B-947A-16A31432D05A}"/>
+                <a16:creationId xmlns:a16="http://schemas.microsoft.com/office/drawing/2014/main" id="{45903B9C-BBD7-2A3A-7225-C7836A20FB0F}"/>
               </a:ext>
             </a:extLst>
           </p:cNvPr>
@@ -4377,7 +7044,7 @@
           <a:p>
             <a:r>
               <a:rPr lang="en-US" dirty="0"/>
-              <a:t>Product</a:t>
+              <a:t>Getting Started</a:t>
             </a:r>
           </a:p>
         </p:txBody>
@@ -4387,7 +7054,7 @@
           <p:cNvPr id="3" name="Content Placeholder 2">
             <a:extLst>
               <a:ext uri="{FF2B5EF4-FFF2-40B4-BE49-F238E27FC236}">
-                <a16:creationId xmlns:a16="http://schemas.microsoft.com/office/drawing/2014/main" id="{065F672D-097A-5591-6F5C-E47AFB662844}"/>
+                <a16:creationId xmlns:a16="http://schemas.microsoft.com/office/drawing/2014/main" id="{B27AEF47-1A50-ADC4-03AE-2CE7B3B9A5AF}"/>
               </a:ext>
             </a:extLst>
           </p:cNvPr>
@@ -4403,14 +7070,17 @@
           <a:bodyPr/>
           <a:lstStyle/>
           <a:p>
-            <a:endParaRPr lang="en-US"/>
+            <a:r>
+              <a:rPr lang="en-US" dirty="0"/>
+              <a:t>Free service for analysis and train model</a:t>
+            </a:r>
           </a:p>
         </p:txBody>
       </p:sp>
     </p:spTree>
     <p:extLst>
       <p:ext uri="{BB962C8B-B14F-4D97-AF65-F5344CB8AC3E}">
-        <p14:creationId xmlns:p14="http://schemas.microsoft.com/office/powerpoint/2010/main" val="863660716"/>
+        <p14:creationId xmlns:p14="http://schemas.microsoft.com/office/powerpoint/2010/main" val="822500034"/>
       </p:ext>
     </p:extLst>
   </p:cSld>
@@ -4420,7 +7090,7 @@
 </p:sld>
 </file>
 
-<file path=ppt/slides/slide12.xml><?xml version="1.0" encoding="utf-8"?>
+<file path=ppt/slides/slide21.xml><?xml version="1.0" encoding="utf-8"?>
 <p:sld xmlns:a="http://schemas.openxmlformats.org/drawingml/2006/main" xmlns:r="http://schemas.openxmlformats.org/officeDocument/2006/relationships" xmlns:p="http://schemas.openxmlformats.org/presentationml/2006/main">
   <p:cSld>
     <p:spTree>
@@ -4442,7 +7112,7 @@
           <p:cNvPr id="2" name="Title 1">
             <a:extLst>
               <a:ext uri="{FF2B5EF4-FFF2-40B4-BE49-F238E27FC236}">
-                <a16:creationId xmlns:a16="http://schemas.microsoft.com/office/drawing/2014/main" id="{94C53C80-F6A7-8FED-68EE-037D347C5483}"/>
+                <a16:creationId xmlns:a16="http://schemas.microsoft.com/office/drawing/2014/main" id="{3DD4F506-C6D3-616F-AC0D-942B812F853B}"/>
               </a:ext>
             </a:extLst>
           </p:cNvPr>
@@ -4460,7 +7130,7 @@
           <a:p>
             <a:r>
               <a:rPr lang="en-US" dirty="0"/>
-              <a:t>Business Model Slide</a:t>
+              <a:t>Market Size</a:t>
             </a:r>
           </a:p>
         </p:txBody>
@@ -4470,7 +7140,7 @@
           <p:cNvPr id="3" name="Content Placeholder 2">
             <a:extLst>
               <a:ext uri="{FF2B5EF4-FFF2-40B4-BE49-F238E27FC236}">
-                <a16:creationId xmlns:a16="http://schemas.microsoft.com/office/drawing/2014/main" id="{3583F870-3FB4-E9F8-A9E2-F135B4BA546F}"/>
+                <a16:creationId xmlns:a16="http://schemas.microsoft.com/office/drawing/2014/main" id="{9681B9D3-FB4E-A4F7-AB9E-57C38457BF0D}"/>
               </a:ext>
             </a:extLst>
           </p:cNvPr>
@@ -4486,14 +7156,23 @@
           <a:bodyPr/>
           <a:lstStyle/>
           <a:p>
-            <a:endParaRPr lang="en-US"/>
+            <a:r>
+              <a:rPr lang="en-US" dirty="0"/>
+              <a:t>Number of SMEs in Singapore</a:t>
+            </a:r>
+          </a:p>
+          <a:p>
+            <a:r>
+              <a:rPr lang="en-US" dirty="0"/>
+              <a:t>Continual Expansion – New companies spawn rate</a:t>
+            </a:r>
           </a:p>
         </p:txBody>
       </p:sp>
     </p:spTree>
     <p:extLst>
       <p:ext uri="{BB962C8B-B14F-4D97-AF65-F5344CB8AC3E}">
-        <p14:creationId xmlns:p14="http://schemas.microsoft.com/office/powerpoint/2010/main" val="2950594382"/>
+        <p14:creationId xmlns:p14="http://schemas.microsoft.com/office/powerpoint/2010/main" val="2946760219"/>
       </p:ext>
     </p:extLst>
   </p:cSld>
@@ -4503,7 +7182,7 @@
 </p:sld>
 </file>
 
-<file path=ppt/slides/slide13.xml><?xml version="1.0" encoding="utf-8"?>
+<file path=ppt/slides/slide22.xml><?xml version="1.0" encoding="utf-8"?>
 <p:sld xmlns:a="http://schemas.openxmlformats.org/drawingml/2006/main" xmlns:r="http://schemas.openxmlformats.org/officeDocument/2006/relationships" xmlns:p="http://schemas.openxmlformats.org/presentationml/2006/main">
   <p:cSld>
     <p:spTree>
@@ -4525,7 +7204,7 @@
           <p:cNvPr id="2" name="Title 1">
             <a:extLst>
               <a:ext uri="{FF2B5EF4-FFF2-40B4-BE49-F238E27FC236}">
-                <a16:creationId xmlns:a16="http://schemas.microsoft.com/office/drawing/2014/main" id="{62DC77A5-8F8B-4434-0FAB-34EA15678844}"/>
+                <a16:creationId xmlns:a16="http://schemas.microsoft.com/office/drawing/2014/main" id="{5F1CCDE2-CA1E-2F24-098C-0DABD4C54602}"/>
               </a:ext>
             </a:extLst>
           </p:cNvPr>
@@ -4541,10 +7220,7 @@
           <a:bodyPr/>
           <a:lstStyle/>
           <a:p>
-            <a:r>
-              <a:rPr lang="en-US" dirty="0"/>
-              <a:t>Market Adoption</a:t>
-            </a:r>
+            <a:endParaRPr lang="en-US" dirty="0"/>
           </a:p>
         </p:txBody>
       </p:sp>
@@ -4553,7 +7229,7 @@
           <p:cNvPr id="3" name="Content Placeholder 2">
             <a:extLst>
               <a:ext uri="{FF2B5EF4-FFF2-40B4-BE49-F238E27FC236}">
-                <a16:creationId xmlns:a16="http://schemas.microsoft.com/office/drawing/2014/main" id="{FB26AFAA-C5BB-B72F-684D-305547D61D2A}"/>
+                <a16:creationId xmlns:a16="http://schemas.microsoft.com/office/drawing/2014/main" id="{7F704C4C-6820-DDCC-4174-C18F219178A3}"/>
               </a:ext>
             </a:extLst>
           </p:cNvPr>
@@ -4569,14 +7245,23 @@
           <a:bodyPr/>
           <a:lstStyle/>
           <a:p>
-            <a:endParaRPr lang="en-US"/>
+            <a:r>
+              <a:rPr lang="en-US" dirty="0">
+                <a:hlinkClick r:id="rId2"/>
+              </a:rPr>
+              <a:t>https://www.hubspot.com/startups/resources/startup-pitch-decks</a:t>
+            </a:r>
+            <a:endParaRPr lang="en-US" dirty="0"/>
+          </a:p>
+          <a:p>
+            <a:endParaRPr lang="en-US" dirty="0"/>
           </a:p>
         </p:txBody>
       </p:sp>
     </p:spTree>
     <p:extLst>
       <p:ext uri="{BB962C8B-B14F-4D97-AF65-F5344CB8AC3E}">
-        <p14:creationId xmlns:p14="http://schemas.microsoft.com/office/powerpoint/2010/main" val="4137049555"/>
+        <p14:creationId xmlns:p14="http://schemas.microsoft.com/office/powerpoint/2010/main" val="918358092"/>
       </p:ext>
     </p:extLst>
   </p:cSld>
@@ -4586,7 +7271,7 @@
 </p:sld>
 </file>
 
-<file path=ppt/slides/slide14.xml><?xml version="1.0" encoding="utf-8"?>
+<file path=ppt/slides/slide3.xml><?xml version="1.0" encoding="utf-8"?>
 <p:sld xmlns:a="http://schemas.openxmlformats.org/drawingml/2006/main" xmlns:r="http://schemas.openxmlformats.org/officeDocument/2006/relationships" xmlns:p="http://schemas.openxmlformats.org/presentationml/2006/main">
   <p:cSld>
     <p:spTree>
@@ -4605,10 +7290,10 @@
       </p:grpSpPr>
       <p:sp>
         <p:nvSpPr>
-          <p:cNvPr id="2" name="Title 1">
-            <a:extLst>
-              <a:ext uri="{FF2B5EF4-FFF2-40B4-BE49-F238E27FC236}">
-                <a16:creationId xmlns:a16="http://schemas.microsoft.com/office/drawing/2014/main" id="{A0143BAD-C6A0-E3C6-29D9-DCC62991FD1E}"/>
+          <p:cNvPr id="5" name="Title 4">
+            <a:extLst>
+              <a:ext uri="{FF2B5EF4-FFF2-40B4-BE49-F238E27FC236}">
+                <a16:creationId xmlns:a16="http://schemas.microsoft.com/office/drawing/2014/main" id="{284FC0D9-54DA-42E7-AB8C-B8F90B72C35D}"/>
               </a:ext>
             </a:extLst>
           </p:cNvPr>
@@ -4626,17 +7311,21 @@
           <a:p>
             <a:r>
               <a:rPr lang="en-US" dirty="0"/>
-              <a:t>Competitor Slide</a:t>
-            </a:r>
-          </a:p>
-        </p:txBody>
-      </p:sp>
-      <p:sp>
-        <p:nvSpPr>
-          <p:cNvPr id="3" name="Content Placeholder 2">
-            <a:extLst>
-              <a:ext uri="{FF2B5EF4-FFF2-40B4-BE49-F238E27FC236}">
-                <a16:creationId xmlns:a16="http://schemas.microsoft.com/office/drawing/2014/main" id="{E7C38415-5B71-7D08-C4C1-28A588B58433}"/>
+              <a:t>Importance of Data in Business </a:t>
+            </a:r>
+            <a:r>
+              <a:rPr lang="en-US" sz="1200" dirty="0"/>
+              <a:t>[in case you are not already convinced]</a:t>
+            </a:r>
+          </a:p>
+        </p:txBody>
+      </p:sp>
+      <p:sp>
+        <p:nvSpPr>
+          <p:cNvPr id="6" name="Content Placeholder 5">
+            <a:extLst>
+              <a:ext uri="{FF2B5EF4-FFF2-40B4-BE49-F238E27FC236}">
+                <a16:creationId xmlns:a16="http://schemas.microsoft.com/office/drawing/2014/main" id="{60C44299-A20E-693B-7595-F04ED6C6DFC0}"/>
               </a:ext>
             </a:extLst>
           </p:cNvPr>
@@ -4649,38 +7338,76 @@
         </p:nvSpPr>
         <p:spPr/>
         <p:txBody>
-          <a:bodyPr/>
-          <a:lstStyle/>
-          <a:p>
-            <a:r>
-              <a:rPr lang="en-US" dirty="0"/>
-              <a:t>What Competition does well, not so well, Startup bridges the gap</a:t>
-            </a:r>
-          </a:p>
-          <a:p>
-            <a:endParaRPr lang="en-US" dirty="0"/>
-          </a:p>
-          <a:p>
-            <a:r>
-              <a:rPr lang="en-US" dirty="0"/>
-              <a:t>Tableau Pulse – AI generated analysis</a:t>
-            </a:r>
-          </a:p>
-          <a:p>
-            <a:r>
-              <a:rPr lang="en-US" dirty="0"/>
-              <a:t>Tableau – Data visualization tool</a:t>
-            </a:r>
-          </a:p>
-          <a:p>
-            <a:endParaRPr lang="en-US" dirty="0"/>
+          <a:bodyPr>
+            <a:normAutofit/>
+          </a:bodyPr>
+          <a:lstStyle/>
+          <a:p>
+            <a:pPr marL="0" indent="0">
+              <a:buNone/>
+            </a:pPr>
+            <a:r>
+              <a:rPr lang="en-SG" sz="1400" dirty="0"/>
+              <a:t>“Information is the oil of the 21st century, and analytics is the combustion engine.” - Peter </a:t>
+            </a:r>
+            <a:r>
+              <a:rPr lang="en-SG" sz="1400" dirty="0" err="1"/>
+              <a:t>Sondergaard</a:t>
+            </a:r>
+            <a:r>
+              <a:rPr lang="en-SG" sz="1400" dirty="0"/>
+              <a:t>, Senior Vice President and Global Head of Research at Gartner, Inc.</a:t>
+            </a:r>
+          </a:p>
+          <a:p>
+            <a:pPr marL="0" indent="0" algn="l">
+              <a:buNone/>
+            </a:pPr>
+            <a:r>
+              <a:rPr lang="en-SG" sz="1400" dirty="0"/>
+              <a:t>“We are surrounded by data, but starved for insights.” - Jay Baer, marketing and customer experience expert</a:t>
+            </a:r>
+          </a:p>
+          <a:p>
+            <a:pPr marL="0" indent="0">
+              <a:lnSpc>
+                <a:spcPct val="100000"/>
+              </a:lnSpc>
+              <a:buNone/>
+            </a:pPr>
+            <a:r>
+              <a:rPr lang="en-SG" sz="1400" dirty="0"/>
+              <a:t>“Without </a:t>
+            </a:r>
+            <a:r>
+              <a:rPr lang="en-SG" sz="1400" dirty="0">
+                <a:hlinkClick r:id="rId2">
+                  <a:extLst>
+                    <a:ext uri="{A12FA001-AC4F-418D-AE19-62706E023703}">
+                      <ahyp:hlinkClr xmlns:ahyp="http://schemas.microsoft.com/office/drawing/2018/hyperlinkcolor" val="tx"/>
+                    </a:ext>
+                  </a:extLst>
+                </a:hlinkClick>
+              </a:rPr>
+              <a:t>big data analytics</a:t>
+            </a:r>
+            <a:r>
+              <a:rPr lang="en-SG" sz="1400" dirty="0"/>
+              <a:t>, companies are blind and deaf, wandering out onto the web like deer on a freeway.” - Geoffrey Moore, management consultant and author of Crossing the Chasm</a:t>
+            </a:r>
+          </a:p>
+          <a:p>
+            <a:pPr marL="0" indent="0" algn="l">
+              <a:buNone/>
+            </a:pPr>
+            <a:endParaRPr lang="en-SG" sz="1400" dirty="0"/>
           </a:p>
         </p:txBody>
       </p:sp>
     </p:spTree>
     <p:extLst>
       <p:ext uri="{BB962C8B-B14F-4D97-AF65-F5344CB8AC3E}">
-        <p14:creationId xmlns:p14="http://schemas.microsoft.com/office/powerpoint/2010/main" val="1438362867"/>
+        <p14:creationId xmlns:p14="http://schemas.microsoft.com/office/powerpoint/2010/main" val="3778728340"/>
       </p:ext>
     </p:extLst>
   </p:cSld>
@@ -4690,7 +7417,7 @@
 </p:sld>
 </file>
 
-<file path=ppt/slides/slide15.xml><?xml version="1.0" encoding="utf-8"?>
+<file path=ppt/slides/slide4.xml><?xml version="1.0" encoding="utf-8"?>
 <p:sld xmlns:a="http://schemas.openxmlformats.org/drawingml/2006/main" xmlns:r="http://schemas.openxmlformats.org/officeDocument/2006/relationships" xmlns:p="http://schemas.openxmlformats.org/presentationml/2006/main">
   <p:cSld>
     <p:spTree>
@@ -4712,7 +7439,7 @@
           <p:cNvPr id="2" name="Title 1">
             <a:extLst>
               <a:ext uri="{FF2B5EF4-FFF2-40B4-BE49-F238E27FC236}">
-                <a16:creationId xmlns:a16="http://schemas.microsoft.com/office/drawing/2014/main" id="{317D6881-4DEA-970B-AC08-9C9607CACB40}"/>
+                <a16:creationId xmlns:a16="http://schemas.microsoft.com/office/drawing/2014/main" id="{364C80CF-25A8-D9F2-6F15-BA6ECE183A23}"/>
               </a:ext>
             </a:extLst>
           </p:cNvPr>
@@ -4730,17 +7457,17 @@
           <a:p>
             <a:r>
               <a:rPr lang="en-US" dirty="0"/>
-              <a:t>Team</a:t>
-            </a:r>
-          </a:p>
-        </p:txBody>
-      </p:sp>
-      <p:sp>
-        <p:nvSpPr>
-          <p:cNvPr id="3" name="Content Placeholder 2">
-            <a:extLst>
-              <a:ext uri="{FF2B5EF4-FFF2-40B4-BE49-F238E27FC236}">
-                <a16:creationId xmlns:a16="http://schemas.microsoft.com/office/drawing/2014/main" id="{67DD401C-C525-81AF-741C-6D554ACDE00A}"/>
+              <a:t>Growing Market Demand</a:t>
+            </a:r>
+          </a:p>
+        </p:txBody>
+      </p:sp>
+      <p:sp>
+        <p:nvSpPr>
+          <p:cNvPr id="6" name="Content Placeholder 5">
+            <a:extLst>
+              <a:ext uri="{FF2B5EF4-FFF2-40B4-BE49-F238E27FC236}">
+                <a16:creationId xmlns:a16="http://schemas.microsoft.com/office/drawing/2014/main" id="{24726738-A204-76F5-9E52-AF17CA29C035}"/>
               </a:ext>
             </a:extLst>
           </p:cNvPr>
@@ -4751,19 +7478,154 @@
             <p:ph idx="1"/>
           </p:nvPr>
         </p:nvSpPr>
-        <p:spPr/>
-        <p:txBody>
-          <a:bodyPr/>
-          <a:lstStyle/>
-          <a:p>
-            <a:endParaRPr lang="en-US" dirty="0"/>
-          </a:p>
-        </p:txBody>
-      </p:sp>
+        <p:spPr>
+          <a:xfrm>
+            <a:off x="838200" y="1825625"/>
+            <a:ext cx="10515600" cy="880514"/>
+          </a:xfrm>
+        </p:spPr>
+        <p:txBody>
+          <a:bodyPr>
+            <a:normAutofit/>
+          </a:bodyPr>
+          <a:lstStyle/>
+          <a:p>
+            <a:pPr marL="0" indent="0">
+              <a:buNone/>
+            </a:pPr>
+            <a:r>
+              <a:rPr lang="en-SG" sz="1400" dirty="0"/>
+              <a:t>“The global </a:t>
+            </a:r>
+            <a:r>
+              <a:rPr lang="en-SG" sz="1400" dirty="0">
+                <a:hlinkClick r:id="rId2">
+                  <a:extLst>
+                    <a:ext uri="{A12FA001-AC4F-418D-AE19-62706E023703}">
+                      <ahyp:hlinkClr xmlns:ahyp="http://schemas.microsoft.com/office/drawing/2018/hyperlinkcolor" val="tx"/>
+                    </a:ext>
+                  </a:extLst>
+                </a:hlinkClick>
+              </a:rPr>
+              <a:t>data analytics market size</a:t>
+            </a:r>
+            <a:r>
+              <a:rPr lang="en-SG" sz="1400" dirty="0"/>
+              <a:t> was valued at USD 49.03 billion in 2022 and is projected to grow at a compound annual growth rate (CAGR) of 26.7% from 2023 to 2030. The main factors propelling the data analytics market's expansion are the growing adoption of </a:t>
+            </a:r>
+            <a:r>
+              <a:rPr lang="en-SG" sz="1400" dirty="0">
+                <a:hlinkClick r:id="rId3">
+                  <a:extLst>
+                    <a:ext uri="{A12FA001-AC4F-418D-AE19-62706E023703}">
+                      <ahyp:hlinkClr xmlns:ahyp="http://schemas.microsoft.com/office/drawing/2018/hyperlinkcolor" val="tx"/>
+                    </a:ext>
+                  </a:extLst>
+                </a:hlinkClick>
+              </a:rPr>
+              <a:t>machine learning</a:t>
+            </a:r>
+            <a:r>
+              <a:rPr lang="en-SG" sz="1400" dirty="0"/>
+              <a:t> and </a:t>
+            </a:r>
+            <a:r>
+              <a:rPr lang="en-SG" sz="1400" dirty="0">
+                <a:hlinkClick r:id="rId4">
+                  <a:extLst>
+                    <a:ext uri="{A12FA001-AC4F-418D-AE19-62706E023703}">
+                      <ahyp:hlinkClr xmlns:ahyp="http://schemas.microsoft.com/office/drawing/2018/hyperlinkcolor" val="tx"/>
+                    </a:ext>
+                  </a:extLst>
+                </a:hlinkClick>
+              </a:rPr>
+              <a:t>artificial intelligence</a:t>
+            </a:r>
+            <a:r>
+              <a:rPr lang="en-SG" sz="1400" dirty="0"/>
+              <a:t> to offer increased acceptance of social networking platforms, individualized consumer experiences, and the rise of online shopping.”</a:t>
+            </a:r>
+            <a:endParaRPr lang="en-US" sz="1400" dirty="0"/>
+          </a:p>
+        </p:txBody>
+      </p:sp>
+      <p:sp>
+        <p:nvSpPr>
+          <p:cNvPr id="4" name="TextBox 3">
+            <a:extLst>
+              <a:ext uri="{FF2B5EF4-FFF2-40B4-BE49-F238E27FC236}">
+                <a16:creationId xmlns:a16="http://schemas.microsoft.com/office/drawing/2014/main" id="{51C2EAA4-BF6D-90E2-7A04-E151DC999575}"/>
+              </a:ext>
+            </a:extLst>
+          </p:cNvPr>
+          <p:cNvSpPr txBox="1"/>
+          <p:nvPr/>
+        </p:nvSpPr>
+        <p:spPr>
+          <a:xfrm>
+            <a:off x="7485603" y="6447216"/>
+            <a:ext cx="4315605" cy="215444"/>
+          </a:xfrm>
+          <a:prstGeom prst="rect">
+            <a:avLst/>
+          </a:prstGeom>
+          <a:noFill/>
+        </p:spPr>
+        <p:txBody>
+          <a:bodyPr wrap="none" rtlCol="0">
+            <a:spAutoFit/>
+          </a:bodyPr>
+          <a:lstStyle/>
+          <a:p>
+            <a:r>
+              <a:rPr lang="en-US" sz="800" dirty="0"/>
+              <a:t>Source: https://</a:t>
+            </a:r>
+            <a:r>
+              <a:rPr lang="en-US" sz="800" dirty="0" err="1"/>
+              <a:t>www.grandviewresearch.com</a:t>
+            </a:r>
+            <a:r>
+              <a:rPr lang="en-US" sz="800" dirty="0"/>
+              <a:t>/industry-analysis/data-analytics-market-report</a:t>
+            </a:r>
+          </a:p>
+        </p:txBody>
+      </p:sp>
+      <p:pic>
+        <p:nvPicPr>
+          <p:cNvPr id="3" name="Picture 2">
+            <a:extLst>
+              <a:ext uri="{FF2B5EF4-FFF2-40B4-BE49-F238E27FC236}">
+                <a16:creationId xmlns:a16="http://schemas.microsoft.com/office/drawing/2014/main" id="{339FA307-1E8A-57EE-8D61-4D525EEB6EB1}"/>
+              </a:ext>
+            </a:extLst>
+          </p:cNvPr>
+          <p:cNvPicPr>
+            <a:picLocks noChangeAspect="1"/>
+          </p:cNvPicPr>
+          <p:nvPr/>
+        </p:nvPicPr>
+        <p:blipFill>
+          <a:blip r:embed="rId5"/>
+          <a:stretch>
+            <a:fillRect/>
+          </a:stretch>
+        </p:blipFill>
+        <p:spPr>
+          <a:xfrm>
+            <a:off x="2671762" y="2706139"/>
+            <a:ext cx="6848475" cy="3537124"/>
+          </a:xfrm>
+          <a:prstGeom prst="rect">
+            <a:avLst/>
+          </a:prstGeom>
+        </p:spPr>
+      </p:pic>
     </p:spTree>
     <p:extLst>
       <p:ext uri="{BB962C8B-B14F-4D97-AF65-F5344CB8AC3E}">
-        <p14:creationId xmlns:p14="http://schemas.microsoft.com/office/powerpoint/2010/main" val="678089558"/>
+        <p14:creationId xmlns:p14="http://schemas.microsoft.com/office/powerpoint/2010/main" val="1928505734"/>
       </p:ext>
     </p:extLst>
   </p:cSld>
@@ -4773,7 +7635,7 @@
 </p:sld>
 </file>
 
-<file path=ppt/slides/slide16.xml><?xml version="1.0" encoding="utf-8"?>
+<file path=ppt/slides/slide5.xml><?xml version="1.0" encoding="utf-8"?>
 <p:sld xmlns:a="http://schemas.openxmlformats.org/drawingml/2006/main" xmlns:r="http://schemas.openxmlformats.org/officeDocument/2006/relationships" xmlns:p="http://schemas.openxmlformats.org/presentationml/2006/main">
   <p:cSld>
     <p:spTree>
@@ -4792,204 +7654,6 @@
       </p:grpSpPr>
       <p:sp>
         <p:nvSpPr>
-          <p:cNvPr id="2" name="Title 1">
-            <a:extLst>
-              <a:ext uri="{FF2B5EF4-FFF2-40B4-BE49-F238E27FC236}">
-                <a16:creationId xmlns:a16="http://schemas.microsoft.com/office/drawing/2014/main" id="{C5522873-99A0-AE78-8395-C94E9AB2EB90}"/>
-              </a:ext>
-            </a:extLst>
-          </p:cNvPr>
-          <p:cNvSpPr>
-            <a:spLocks noGrp="1"/>
-          </p:cNvSpPr>
-          <p:nvPr>
-            <p:ph type="title"/>
-          </p:nvPr>
-        </p:nvSpPr>
-        <p:spPr/>
-        <p:txBody>
-          <a:bodyPr/>
-          <a:lstStyle/>
-          <a:p>
-            <a:r>
-              <a:rPr lang="en-US" dirty="0"/>
-              <a:t>Financial Model</a:t>
-            </a:r>
-          </a:p>
-        </p:txBody>
-      </p:sp>
-      <p:sp>
-        <p:nvSpPr>
-          <p:cNvPr id="3" name="Content Placeholder 2">
-            <a:extLst>
-              <a:ext uri="{FF2B5EF4-FFF2-40B4-BE49-F238E27FC236}">
-                <a16:creationId xmlns:a16="http://schemas.microsoft.com/office/drawing/2014/main" id="{8D4B37F1-98F5-39FE-D89F-75A7318D9536}"/>
-              </a:ext>
-            </a:extLst>
-          </p:cNvPr>
-          <p:cNvSpPr>
-            <a:spLocks noGrp="1"/>
-          </p:cNvSpPr>
-          <p:nvPr>
-            <p:ph idx="1"/>
-          </p:nvPr>
-        </p:nvSpPr>
-        <p:spPr/>
-        <p:txBody>
-          <a:bodyPr/>
-          <a:lstStyle/>
-          <a:p>
-            <a:r>
-              <a:rPr lang="en-SG" b="0" i="0" u="none" strike="noStrike" dirty="0">
-                <a:solidFill>
-                  <a:srgbClr val="213343"/>
-                </a:solidFill>
-                <a:effectLst/>
-                <a:latin typeface="Lexend Deca"/>
-              </a:rPr>
-              <a:t>The financial model slide shows how your product creates revenue. For example, if your product is a subscription-based service, has premium features, or other horizontal integration, you’ll explain that model on these slides.</a:t>
-            </a:r>
-            <a:br>
-              <a:rPr lang="en-SG" dirty="0"/>
-            </a:br>
-            <a:br>
-              <a:rPr lang="en-SG" dirty="0"/>
-            </a:br>
-            <a:r>
-              <a:rPr lang="en-SG" b="0" i="0" u="none" strike="noStrike" dirty="0">
-                <a:solidFill>
-                  <a:srgbClr val="213343"/>
-                </a:solidFill>
-                <a:effectLst/>
-                <a:latin typeface="Lexend Deca"/>
-              </a:rPr>
-              <a:t>Potential investors should walk away from your presentation knowing exactly how your startup creates revenue and understand any plans to ensure a steady stream of income.</a:t>
-            </a:r>
-            <a:endParaRPr lang="en-US" dirty="0"/>
-          </a:p>
-        </p:txBody>
-      </p:sp>
-    </p:spTree>
-    <p:extLst>
-      <p:ext uri="{BB962C8B-B14F-4D97-AF65-F5344CB8AC3E}">
-        <p14:creationId xmlns:p14="http://schemas.microsoft.com/office/powerpoint/2010/main" val="1244259242"/>
-      </p:ext>
-    </p:extLst>
-  </p:cSld>
-  <p:clrMapOvr>
-    <a:masterClrMapping/>
-  </p:clrMapOvr>
-</p:sld>
-</file>
-
-<file path=ppt/slides/slide17.xml><?xml version="1.0" encoding="utf-8"?>
-<p:sld xmlns:a="http://schemas.openxmlformats.org/drawingml/2006/main" xmlns:r="http://schemas.openxmlformats.org/officeDocument/2006/relationships" xmlns:p="http://schemas.openxmlformats.org/presentationml/2006/main">
-  <p:cSld>
-    <p:spTree>
-      <p:nvGrpSpPr>
-        <p:cNvPr id="1" name=""/>
-        <p:cNvGrpSpPr/>
-        <p:nvPr/>
-      </p:nvGrpSpPr>
-      <p:grpSpPr>
-        <a:xfrm>
-          <a:off x="0" y="0"/>
-          <a:ext cx="0" cy="0"/>
-          <a:chOff x="0" y="0"/>
-          <a:chExt cx="0" cy="0"/>
-        </a:xfrm>
-      </p:grpSpPr>
-      <p:sp>
-        <p:nvSpPr>
-          <p:cNvPr id="2" name="Title 1">
-            <a:extLst>
-              <a:ext uri="{FF2B5EF4-FFF2-40B4-BE49-F238E27FC236}">
-                <a16:creationId xmlns:a16="http://schemas.microsoft.com/office/drawing/2014/main" id="{5F1CCDE2-CA1E-2F24-098C-0DABD4C54602}"/>
-              </a:ext>
-            </a:extLst>
-          </p:cNvPr>
-          <p:cNvSpPr>
-            <a:spLocks noGrp="1"/>
-          </p:cNvSpPr>
-          <p:nvPr>
-            <p:ph type="title"/>
-          </p:nvPr>
-        </p:nvSpPr>
-        <p:spPr/>
-        <p:txBody>
-          <a:bodyPr/>
-          <a:lstStyle/>
-          <a:p>
-            <a:endParaRPr lang="en-US" dirty="0"/>
-          </a:p>
-        </p:txBody>
-      </p:sp>
-      <p:sp>
-        <p:nvSpPr>
-          <p:cNvPr id="3" name="Content Placeholder 2">
-            <a:extLst>
-              <a:ext uri="{FF2B5EF4-FFF2-40B4-BE49-F238E27FC236}">
-                <a16:creationId xmlns:a16="http://schemas.microsoft.com/office/drawing/2014/main" id="{7F704C4C-6820-DDCC-4174-C18F219178A3}"/>
-              </a:ext>
-            </a:extLst>
-          </p:cNvPr>
-          <p:cNvSpPr>
-            <a:spLocks noGrp="1"/>
-          </p:cNvSpPr>
-          <p:nvPr>
-            <p:ph idx="1"/>
-          </p:nvPr>
-        </p:nvSpPr>
-        <p:spPr/>
-        <p:txBody>
-          <a:bodyPr/>
-          <a:lstStyle/>
-          <a:p>
-            <a:r>
-              <a:rPr lang="en-US" dirty="0">
-                <a:hlinkClick r:id="rId2"/>
-              </a:rPr>
-              <a:t>https://www.hubspot.com/startups/resources/startup-pitch-decks</a:t>
-            </a:r>
-            <a:endParaRPr lang="en-US" dirty="0"/>
-          </a:p>
-          <a:p>
-            <a:endParaRPr lang="en-US" dirty="0"/>
-          </a:p>
-        </p:txBody>
-      </p:sp>
-    </p:spTree>
-    <p:extLst>
-      <p:ext uri="{BB962C8B-B14F-4D97-AF65-F5344CB8AC3E}">
-        <p14:creationId xmlns:p14="http://schemas.microsoft.com/office/powerpoint/2010/main" val="918358092"/>
-      </p:ext>
-    </p:extLst>
-  </p:cSld>
-  <p:clrMapOvr>
-    <a:masterClrMapping/>
-  </p:clrMapOvr>
-</p:sld>
-</file>
-
-<file path=ppt/slides/slide2.xml><?xml version="1.0" encoding="utf-8"?>
-<p:sld xmlns:a="http://schemas.openxmlformats.org/drawingml/2006/main" xmlns:r="http://schemas.openxmlformats.org/officeDocument/2006/relationships" xmlns:p="http://schemas.openxmlformats.org/presentationml/2006/main">
-  <p:cSld>
-    <p:spTree>
-      <p:nvGrpSpPr>
-        <p:cNvPr id="1" name=""/>
-        <p:cNvGrpSpPr/>
-        <p:nvPr/>
-      </p:nvGrpSpPr>
-      <p:grpSpPr>
-        <a:xfrm>
-          <a:off x="0" y="0"/>
-          <a:ext cx="0" cy="0"/>
-          <a:chOff x="0" y="0"/>
-          <a:chExt cx="0" cy="0"/>
-        </a:xfrm>
-      </p:grpSpPr>
-      <p:sp>
-        <p:nvSpPr>
           <p:cNvPr id="4" name="Title 3">
             <a:extLst>
               <a:ext uri="{FF2B5EF4-FFF2-40B4-BE49-F238E27FC236}">
@@ -5034,8 +7698,8 @@
         </p:nvSpPr>
         <p:spPr>
           <a:xfrm>
-            <a:off x="4337223" y="1825625"/>
-            <a:ext cx="7016577" cy="4351338"/>
+            <a:off x="4337223" y="1825624"/>
+            <a:ext cx="7016577" cy="4365625"/>
           </a:xfrm>
         </p:spPr>
         <p:txBody>
@@ -5046,12 +7710,16 @@
               <a:buNone/>
             </a:pPr>
             <a:r>
+              <a:rPr lang="en-US" b="1" dirty="0"/>
+              <a:t>Why</a:t>
+            </a:r>
+            <a:r>
               <a:rPr lang="en-US" dirty="0"/>
-              <a:t>Why; </a:t>
+              <a:t> are we doing this? (</a:t>
             </a:r>
             <a:r>
               <a:rPr lang="en-US" i="1" dirty="0"/>
-              <a:t>“The Problem”</a:t>
+              <a:t>“The Problem”)</a:t>
             </a:r>
           </a:p>
           <a:p>
@@ -5059,20 +7727,52 @@
               <a:buNone/>
             </a:pPr>
             <a:r>
-              <a:rPr lang="en-US" dirty="0"/>
-              <a:t>Context</a:t>
-            </a:r>
-          </a:p>
-          <a:p>
-            <a:r>
-              <a:rPr lang="en-US" dirty="0"/>
-              <a:t>Importance of data to businesses</a:t>
-            </a:r>
-          </a:p>
-          <a:p>
-            <a:r>
-              <a:rPr lang="en-US" dirty="0"/>
-              <a:t>Business adopting “the data approaches”</a:t>
+              <a:rPr lang="en-US" sz="1400" dirty="0">
+                <a:solidFill>
+                  <a:schemeClr val="bg2"/>
+                </a:solidFill>
+              </a:rPr>
+              <a:t>Context: Businesses are beginning to recognize the value of data:</a:t>
+            </a:r>
+          </a:p>
+          <a:p>
+            <a:r>
+              <a:rPr lang="en-US" sz="1400" dirty="0">
+                <a:solidFill>
+                  <a:schemeClr val="bg2"/>
+                </a:solidFill>
+              </a:rPr>
+              <a:t>360 view of the business</a:t>
+            </a:r>
+          </a:p>
+          <a:p>
+            <a:r>
+              <a:rPr lang="en-US" sz="1400" dirty="0">
+                <a:solidFill>
+                  <a:schemeClr val="bg2"/>
+                </a:solidFill>
+              </a:rPr>
+              <a:t>Realtime updates</a:t>
+            </a:r>
+          </a:p>
+          <a:p>
+            <a:r>
+              <a:rPr lang="en-US" sz="1400" dirty="0">
+                <a:solidFill>
+                  <a:schemeClr val="bg2"/>
+                </a:solidFill>
+              </a:rPr>
+              <a:t>New opportunities for revenue growth</a:t>
+            </a:r>
+          </a:p>
+          <a:p>
+            <a:r>
+              <a:rPr lang="en-US" sz="1400" dirty="0">
+                <a:solidFill>
+                  <a:schemeClr val="bg2"/>
+                </a:solidFill>
+              </a:rPr>
+              <a:t>New opportunities for cost reduction</a:t>
             </a:r>
           </a:p>
           <a:p>
@@ -5080,18 +7780,49 @@
               <a:buNone/>
             </a:pPr>
             <a:r>
-              <a:rPr lang="en-US" dirty="0"/>
-              <a:t>Opportunity</a:t>
-            </a:r>
-          </a:p>
-          <a:p>
-            <a:r>
-              <a:rPr lang="en-US" dirty="0"/>
-              <a:t>Organizations with limited resources to access “the data approaches”</a:t>
-            </a:r>
-          </a:p>
-          <a:p>
-            <a:endParaRPr lang="en-US" dirty="0"/>
+              <a:rPr lang="en-US" sz="1400" dirty="0"/>
+              <a:t>“Problem”: </a:t>
+            </a:r>
+          </a:p>
+          <a:p>
+            <a:r>
+              <a:rPr lang="en-US" sz="1400" dirty="0"/>
+              <a:t>Cost of getting started – Hiring, Training, Tools, Administrative overheads, etc.</a:t>
+            </a:r>
+          </a:p>
+          <a:p>
+            <a:r>
+              <a:rPr lang="en-US" sz="1400" dirty="0"/>
+              <a:t>Uncertain results – Despite the investment, there is </a:t>
+            </a:r>
+            <a:r>
+              <a:rPr lang="en-US" sz="1400" b="1" dirty="0"/>
+              <a:t>no guarantee</a:t>
+            </a:r>
+            <a:r>
+              <a:rPr lang="en-US" sz="1400" dirty="0"/>
+              <a:t> of results. </a:t>
+            </a:r>
+          </a:p>
+          <a:p>
+            <a:pPr marL="0" indent="0">
+              <a:buNone/>
+            </a:pPr>
+            <a:r>
+              <a:rPr lang="en-US" sz="1400" dirty="0"/>
+              <a:t>Problem is</a:t>
+            </a:r>
+            <a:r>
+              <a:rPr lang="en-SG" sz="1400" dirty="0"/>
+              <a:t> exacerbated for smaller organizations because of limited resources.</a:t>
+            </a:r>
+            <a:endParaRPr lang="en-US" sz="1400" dirty="0"/>
+          </a:p>
+          <a:p>
+            <a:pPr marL="0" indent="0">
+              <a:buNone/>
+            </a:pPr>
+            <a:endParaRPr lang="en-US" sz="1400" dirty="0"/>
           </a:p>
         </p:txBody>
       </p:sp>
@@ -5377,722 +8108,7 @@
     </p:spTree>
     <p:extLst>
       <p:ext uri="{BB962C8B-B14F-4D97-AF65-F5344CB8AC3E}">
-        <p14:creationId xmlns:p14="http://schemas.microsoft.com/office/powerpoint/2010/main" val="3439491602"/>
-      </p:ext>
-    </p:extLst>
-  </p:cSld>
-  <p:clrMapOvr>
-    <a:masterClrMapping/>
-  </p:clrMapOvr>
-</p:sld>
-</file>
-
-<file path=ppt/slides/slide3.xml><?xml version="1.0" encoding="utf-8"?>
-<p:sld xmlns:a="http://schemas.openxmlformats.org/drawingml/2006/main" xmlns:r="http://schemas.openxmlformats.org/officeDocument/2006/relationships" xmlns:p="http://schemas.openxmlformats.org/presentationml/2006/main">
-  <p:cSld>
-    <p:spTree>
-      <p:nvGrpSpPr>
-        <p:cNvPr id="1" name=""/>
-        <p:cNvGrpSpPr/>
-        <p:nvPr/>
-      </p:nvGrpSpPr>
-      <p:grpSpPr>
-        <a:xfrm>
-          <a:off x="0" y="0"/>
-          <a:ext cx="0" cy="0"/>
-          <a:chOff x="0" y="0"/>
-          <a:chExt cx="0" cy="0"/>
-        </a:xfrm>
-      </p:grpSpPr>
-      <p:sp>
-        <p:nvSpPr>
-          <p:cNvPr id="5" name="Title 4">
-            <a:extLst>
-              <a:ext uri="{FF2B5EF4-FFF2-40B4-BE49-F238E27FC236}">
-                <a16:creationId xmlns:a16="http://schemas.microsoft.com/office/drawing/2014/main" id="{284FC0D9-54DA-42E7-AB8C-B8F90B72C35D}"/>
-              </a:ext>
-            </a:extLst>
-          </p:cNvPr>
-          <p:cNvSpPr>
-            <a:spLocks noGrp="1"/>
-          </p:cNvSpPr>
-          <p:nvPr>
-            <p:ph type="title"/>
-          </p:nvPr>
-        </p:nvSpPr>
-        <p:spPr/>
-        <p:txBody>
-          <a:bodyPr/>
-          <a:lstStyle/>
-          <a:p>
-            <a:r>
-              <a:rPr lang="en-US" dirty="0"/>
-              <a:t>Importance of Data in Business </a:t>
-            </a:r>
-            <a:r>
-              <a:rPr lang="en-US" sz="900" dirty="0"/>
-              <a:t>[in case you are not already convinced]</a:t>
-            </a:r>
-          </a:p>
-        </p:txBody>
-      </p:sp>
-      <p:sp>
-        <p:nvSpPr>
-          <p:cNvPr id="6" name="Content Placeholder 5">
-            <a:extLst>
-              <a:ext uri="{FF2B5EF4-FFF2-40B4-BE49-F238E27FC236}">
-                <a16:creationId xmlns:a16="http://schemas.microsoft.com/office/drawing/2014/main" id="{60C44299-A20E-693B-7595-F04ED6C6DFC0}"/>
-              </a:ext>
-            </a:extLst>
-          </p:cNvPr>
-          <p:cNvSpPr>
-            <a:spLocks noGrp="1"/>
-          </p:cNvSpPr>
-          <p:nvPr>
-            <p:ph idx="1"/>
-          </p:nvPr>
-        </p:nvSpPr>
-        <p:spPr/>
-        <p:txBody>
-          <a:bodyPr>
-            <a:normAutofit lnSpcReduction="10000"/>
-          </a:bodyPr>
-          <a:lstStyle/>
-          <a:p>
-            <a:pPr marL="0" indent="0">
-              <a:buNone/>
-            </a:pPr>
-            <a:r>
-              <a:rPr lang="en-SG" dirty="0"/>
-              <a:t>“Information is the oil of the 21st century, and analytics is the combustion engine.” - Peter </a:t>
-            </a:r>
-            <a:r>
-              <a:rPr lang="en-SG" dirty="0" err="1"/>
-              <a:t>Sondergaard</a:t>
-            </a:r>
-            <a:r>
-              <a:rPr lang="en-SG" dirty="0"/>
-              <a:t>, Senior Vice President and Global Head of Research at Gartner, Inc.</a:t>
-            </a:r>
-          </a:p>
-          <a:p>
-            <a:pPr marL="0" indent="0">
-              <a:buNone/>
-            </a:pPr>
-            <a:endParaRPr lang="en-SG" dirty="0"/>
-          </a:p>
-          <a:p>
-            <a:pPr marL="0" indent="0" algn="l">
-              <a:buNone/>
-            </a:pPr>
-            <a:r>
-              <a:rPr lang="en-SG" dirty="0"/>
-              <a:t>“We are surrounded by data, but starved for insights.” - Jay Baer, marketing and customer experience expert</a:t>
-            </a:r>
-          </a:p>
-          <a:p>
-            <a:pPr marL="0" indent="0" algn="l">
-              <a:buNone/>
-            </a:pPr>
-            <a:endParaRPr lang="en-SG" dirty="0"/>
-          </a:p>
-          <a:p>
-            <a:pPr marL="0" indent="0">
-              <a:lnSpc>
-                <a:spcPct val="100000"/>
-              </a:lnSpc>
-              <a:buNone/>
-            </a:pPr>
-            <a:r>
-              <a:rPr lang="en-SG" dirty="0"/>
-              <a:t>“Without </a:t>
-            </a:r>
-            <a:r>
-              <a:rPr lang="en-SG" dirty="0">
-                <a:hlinkClick r:id="rId2">
-                  <a:extLst>
-                    <a:ext uri="{A12FA001-AC4F-418D-AE19-62706E023703}">
-                      <ahyp:hlinkClr xmlns:ahyp="http://schemas.microsoft.com/office/drawing/2018/hyperlinkcolor" val="tx"/>
-                    </a:ext>
-                  </a:extLst>
-                </a:hlinkClick>
-              </a:rPr>
-              <a:t>big data analytics</a:t>
-            </a:r>
-            <a:r>
-              <a:rPr lang="en-SG" dirty="0"/>
-              <a:t>, companies are blind and deaf, wandering out onto the web like deer on a freeway.” - Geoffrey Moore, management consultant and author of Crossing the Chasm</a:t>
-            </a:r>
-          </a:p>
-          <a:p>
-            <a:pPr marL="0" indent="0" algn="l">
-              <a:buNone/>
-            </a:pPr>
-            <a:endParaRPr lang="en-SG" dirty="0"/>
-          </a:p>
-          <a:p>
-            <a:pPr marL="0" indent="0">
-              <a:buNone/>
-            </a:pPr>
-            <a:endParaRPr lang="en-SG" dirty="0"/>
-          </a:p>
-          <a:p>
-            <a:pPr marL="0" indent="0" algn="l">
-              <a:buNone/>
-            </a:pPr>
-            <a:endParaRPr lang="en-SG" dirty="0"/>
-          </a:p>
-        </p:txBody>
-      </p:sp>
-    </p:spTree>
-    <p:extLst>
-      <p:ext uri="{BB962C8B-B14F-4D97-AF65-F5344CB8AC3E}">
-        <p14:creationId xmlns:p14="http://schemas.microsoft.com/office/powerpoint/2010/main" val="3778728340"/>
-      </p:ext>
-    </p:extLst>
-  </p:cSld>
-  <p:clrMapOvr>
-    <a:masterClrMapping/>
-  </p:clrMapOvr>
-</p:sld>
-</file>
-
-<file path=ppt/slides/slide4.xml><?xml version="1.0" encoding="utf-8"?>
-<p:sld xmlns:a="http://schemas.openxmlformats.org/drawingml/2006/main" xmlns:r="http://schemas.openxmlformats.org/officeDocument/2006/relationships" xmlns:p="http://schemas.openxmlformats.org/presentationml/2006/main">
-  <p:cSld>
-    <p:spTree>
-      <p:nvGrpSpPr>
-        <p:cNvPr id="1" name=""/>
-        <p:cNvGrpSpPr/>
-        <p:nvPr/>
-      </p:nvGrpSpPr>
-      <p:grpSpPr>
-        <a:xfrm>
-          <a:off x="0" y="0"/>
-          <a:ext cx="0" cy="0"/>
-          <a:chOff x="0" y="0"/>
-          <a:chExt cx="0" cy="0"/>
-        </a:xfrm>
-      </p:grpSpPr>
-      <p:sp>
-        <p:nvSpPr>
-          <p:cNvPr id="2" name="Title 1">
-            <a:extLst>
-              <a:ext uri="{FF2B5EF4-FFF2-40B4-BE49-F238E27FC236}">
-                <a16:creationId xmlns:a16="http://schemas.microsoft.com/office/drawing/2014/main" id="{364C80CF-25A8-D9F2-6F15-BA6ECE183A23}"/>
-              </a:ext>
-            </a:extLst>
-          </p:cNvPr>
-          <p:cNvSpPr>
-            <a:spLocks noGrp="1"/>
-          </p:cNvSpPr>
-          <p:nvPr>
-            <p:ph type="title"/>
-          </p:nvPr>
-        </p:nvSpPr>
-        <p:spPr/>
-        <p:txBody>
-          <a:bodyPr/>
-          <a:lstStyle/>
-          <a:p>
-            <a:r>
-              <a:rPr lang="en-US" dirty="0"/>
-              <a:t>Businesses adopting Data Approaches</a:t>
-            </a:r>
-          </a:p>
-        </p:txBody>
-      </p:sp>
-      <p:sp>
-        <p:nvSpPr>
-          <p:cNvPr id="6" name="Content Placeholder 5">
-            <a:extLst>
-              <a:ext uri="{FF2B5EF4-FFF2-40B4-BE49-F238E27FC236}">
-                <a16:creationId xmlns:a16="http://schemas.microsoft.com/office/drawing/2014/main" id="{24726738-A204-76F5-9E52-AF17CA29C035}"/>
-              </a:ext>
-            </a:extLst>
-          </p:cNvPr>
-          <p:cNvSpPr>
-            <a:spLocks noGrp="1"/>
-          </p:cNvSpPr>
-          <p:nvPr>
-            <p:ph idx="1"/>
-          </p:nvPr>
-        </p:nvSpPr>
-        <p:spPr>
-          <a:xfrm>
-            <a:off x="838200" y="1825625"/>
-            <a:ext cx="10515600" cy="880514"/>
-          </a:xfrm>
-        </p:spPr>
-        <p:txBody>
-          <a:bodyPr>
-            <a:normAutofit/>
-          </a:bodyPr>
-          <a:lstStyle/>
-          <a:p>
-            <a:pPr marL="0" indent="0">
-              <a:buNone/>
-            </a:pPr>
-            <a:r>
-              <a:rPr lang="en-SG" sz="1400" dirty="0"/>
-              <a:t>“The global </a:t>
-            </a:r>
-            <a:r>
-              <a:rPr lang="en-SG" sz="1400" dirty="0">
-                <a:hlinkClick r:id="rId2">
-                  <a:extLst>
-                    <a:ext uri="{A12FA001-AC4F-418D-AE19-62706E023703}">
-                      <ahyp:hlinkClr xmlns:ahyp="http://schemas.microsoft.com/office/drawing/2018/hyperlinkcolor" val="tx"/>
-                    </a:ext>
-                  </a:extLst>
-                </a:hlinkClick>
-              </a:rPr>
-              <a:t>data analytics market size</a:t>
-            </a:r>
-            <a:r>
-              <a:rPr lang="en-SG" sz="1400" dirty="0"/>
-              <a:t> was valued at USD 49.03 billion in 2022 and is projected to grow at a compound annual growth rate (CAGR) of 26.7% from 2023 to 2030. The main factors propelling the data analytics market's expansion are the growing adoption of </a:t>
-            </a:r>
-            <a:r>
-              <a:rPr lang="en-SG" sz="1400" dirty="0">
-                <a:hlinkClick r:id="rId3">
-                  <a:extLst>
-                    <a:ext uri="{A12FA001-AC4F-418D-AE19-62706E023703}">
-                      <ahyp:hlinkClr xmlns:ahyp="http://schemas.microsoft.com/office/drawing/2018/hyperlinkcolor" val="tx"/>
-                    </a:ext>
-                  </a:extLst>
-                </a:hlinkClick>
-              </a:rPr>
-              <a:t>machine learning</a:t>
-            </a:r>
-            <a:r>
-              <a:rPr lang="en-SG" sz="1400" dirty="0"/>
-              <a:t> and </a:t>
-            </a:r>
-            <a:r>
-              <a:rPr lang="en-SG" sz="1400" dirty="0">
-                <a:hlinkClick r:id="rId4">
-                  <a:extLst>
-                    <a:ext uri="{A12FA001-AC4F-418D-AE19-62706E023703}">
-                      <ahyp:hlinkClr xmlns:ahyp="http://schemas.microsoft.com/office/drawing/2018/hyperlinkcolor" val="tx"/>
-                    </a:ext>
-                  </a:extLst>
-                </a:hlinkClick>
-              </a:rPr>
-              <a:t>artificial intelligence</a:t>
-            </a:r>
-            <a:r>
-              <a:rPr lang="en-SG" sz="1400" dirty="0"/>
-              <a:t> to offer increased acceptance of social networking platforms, individualized consumer experiences, and the rise of online shopping.”</a:t>
-            </a:r>
-            <a:endParaRPr lang="en-US" sz="1400" dirty="0"/>
-          </a:p>
-        </p:txBody>
-      </p:sp>
-      <p:sp>
-        <p:nvSpPr>
-          <p:cNvPr id="4" name="TextBox 3">
-            <a:extLst>
-              <a:ext uri="{FF2B5EF4-FFF2-40B4-BE49-F238E27FC236}">
-                <a16:creationId xmlns:a16="http://schemas.microsoft.com/office/drawing/2014/main" id="{51C2EAA4-BF6D-90E2-7A04-E151DC999575}"/>
-              </a:ext>
-            </a:extLst>
-          </p:cNvPr>
-          <p:cNvSpPr txBox="1"/>
-          <p:nvPr/>
-        </p:nvSpPr>
-        <p:spPr>
-          <a:xfrm>
-            <a:off x="7485603" y="6447216"/>
-            <a:ext cx="4315605" cy="215444"/>
-          </a:xfrm>
-          <a:prstGeom prst="rect">
-            <a:avLst/>
-          </a:prstGeom>
-          <a:noFill/>
-        </p:spPr>
-        <p:txBody>
-          <a:bodyPr wrap="none" rtlCol="0">
-            <a:spAutoFit/>
-          </a:bodyPr>
-          <a:lstStyle/>
-          <a:p>
-            <a:r>
-              <a:rPr lang="en-US" sz="800" dirty="0"/>
-              <a:t>Source: https://</a:t>
-            </a:r>
-            <a:r>
-              <a:rPr lang="en-US" sz="800" dirty="0" err="1"/>
-              <a:t>www.grandviewresearch.com</a:t>
-            </a:r>
-            <a:r>
-              <a:rPr lang="en-US" sz="800" dirty="0"/>
-              <a:t>/industry-analysis/data-analytics-market-report</a:t>
-            </a:r>
-          </a:p>
-        </p:txBody>
-      </p:sp>
-      <p:pic>
-        <p:nvPicPr>
-          <p:cNvPr id="3" name="Picture 2">
-            <a:extLst>
-              <a:ext uri="{FF2B5EF4-FFF2-40B4-BE49-F238E27FC236}">
-                <a16:creationId xmlns:a16="http://schemas.microsoft.com/office/drawing/2014/main" id="{339FA307-1E8A-57EE-8D61-4D525EEB6EB1}"/>
-              </a:ext>
-            </a:extLst>
-          </p:cNvPr>
-          <p:cNvPicPr>
-            <a:picLocks noChangeAspect="1"/>
-          </p:cNvPicPr>
-          <p:nvPr/>
-        </p:nvPicPr>
-        <p:blipFill>
-          <a:blip r:embed="rId5"/>
-          <a:stretch>
-            <a:fillRect/>
-          </a:stretch>
-        </p:blipFill>
-        <p:spPr>
-          <a:xfrm>
-            <a:off x="2671762" y="2706139"/>
-            <a:ext cx="6848475" cy="3537124"/>
-          </a:xfrm>
-          <a:prstGeom prst="rect">
-            <a:avLst/>
-          </a:prstGeom>
-        </p:spPr>
-      </p:pic>
-    </p:spTree>
-    <p:extLst>
-      <p:ext uri="{BB962C8B-B14F-4D97-AF65-F5344CB8AC3E}">
-        <p14:creationId xmlns:p14="http://schemas.microsoft.com/office/powerpoint/2010/main" val="1928505734"/>
-      </p:ext>
-    </p:extLst>
-  </p:cSld>
-  <p:clrMapOvr>
-    <a:masterClrMapping/>
-  </p:clrMapOvr>
-</p:sld>
-</file>
-
-<file path=ppt/slides/slide5.xml><?xml version="1.0" encoding="utf-8"?>
-<p:sld xmlns:a="http://schemas.openxmlformats.org/drawingml/2006/main" xmlns:r="http://schemas.openxmlformats.org/officeDocument/2006/relationships" xmlns:p="http://schemas.openxmlformats.org/presentationml/2006/main">
-  <p:cSld>
-    <p:spTree>
-      <p:nvGrpSpPr>
-        <p:cNvPr id="1" name=""/>
-        <p:cNvGrpSpPr/>
-        <p:nvPr/>
-      </p:nvGrpSpPr>
-      <p:grpSpPr>
-        <a:xfrm>
-          <a:off x="0" y="0"/>
-          <a:ext cx="0" cy="0"/>
-          <a:chOff x="0" y="0"/>
-          <a:chExt cx="0" cy="0"/>
-        </a:xfrm>
-      </p:grpSpPr>
-      <p:sp>
-        <p:nvSpPr>
-          <p:cNvPr id="2" name="Title 1">
-            <a:extLst>
-              <a:ext uri="{FF2B5EF4-FFF2-40B4-BE49-F238E27FC236}">
-                <a16:creationId xmlns:a16="http://schemas.microsoft.com/office/drawing/2014/main" id="{364C80CF-25A8-D9F2-6F15-BA6ECE183A23}"/>
-              </a:ext>
-            </a:extLst>
-          </p:cNvPr>
-          <p:cNvSpPr>
-            <a:spLocks noGrp="1"/>
-          </p:cNvSpPr>
-          <p:nvPr>
-            <p:ph type="title"/>
-          </p:nvPr>
-        </p:nvSpPr>
-        <p:spPr/>
-        <p:txBody>
-          <a:bodyPr/>
-          <a:lstStyle/>
-          <a:p>
-            <a:r>
-              <a:rPr lang="en-US" dirty="0"/>
-              <a:t>Businesses adopting Data Approaches</a:t>
-            </a:r>
-          </a:p>
-        </p:txBody>
-      </p:sp>
-      <p:sp>
-        <p:nvSpPr>
-          <p:cNvPr id="6" name="Content Placeholder 5">
-            <a:extLst>
-              <a:ext uri="{FF2B5EF4-FFF2-40B4-BE49-F238E27FC236}">
-                <a16:creationId xmlns:a16="http://schemas.microsoft.com/office/drawing/2014/main" id="{24726738-A204-76F5-9E52-AF17CA29C035}"/>
-              </a:ext>
-            </a:extLst>
-          </p:cNvPr>
-          <p:cNvSpPr>
-            <a:spLocks noGrp="1"/>
-          </p:cNvSpPr>
-          <p:nvPr>
-            <p:ph idx="1"/>
-          </p:nvPr>
-        </p:nvSpPr>
-        <p:spPr>
-          <a:xfrm>
-            <a:off x="838200" y="1825625"/>
-            <a:ext cx="10515600" cy="880514"/>
-          </a:xfrm>
-        </p:spPr>
-        <p:txBody>
-          <a:bodyPr/>
-          <a:lstStyle/>
-          <a:p>
-            <a:pPr marL="0" indent="0">
-              <a:buNone/>
-            </a:pPr>
-            <a:r>
-              <a:rPr lang="en-US" dirty="0"/>
-              <a:t>Salesforce Data Analytics Subscription and Support Revenue grew by </a:t>
-            </a:r>
-            <a:r>
-              <a:rPr lang="en-US" b="1" dirty="0"/>
-              <a:t>16% </a:t>
-            </a:r>
-            <a:r>
-              <a:rPr lang="en-US" dirty="0"/>
-              <a:t>YoY [Up 1% from previous YoY]</a:t>
-            </a:r>
-          </a:p>
-        </p:txBody>
-      </p:sp>
-      <p:sp>
-        <p:nvSpPr>
-          <p:cNvPr id="4" name="TextBox 3">
-            <a:extLst>
-              <a:ext uri="{FF2B5EF4-FFF2-40B4-BE49-F238E27FC236}">
-                <a16:creationId xmlns:a16="http://schemas.microsoft.com/office/drawing/2014/main" id="{51C2EAA4-BF6D-90E2-7A04-E151DC999575}"/>
-              </a:ext>
-            </a:extLst>
-          </p:cNvPr>
-          <p:cNvSpPr txBox="1"/>
-          <p:nvPr/>
-        </p:nvSpPr>
-        <p:spPr>
-          <a:xfrm>
-            <a:off x="7485603" y="6447216"/>
-            <a:ext cx="4557658" cy="338554"/>
-          </a:xfrm>
-          <a:prstGeom prst="rect">
-            <a:avLst/>
-          </a:prstGeom>
-          <a:noFill/>
-        </p:spPr>
-        <p:txBody>
-          <a:bodyPr wrap="none" rtlCol="0">
-            <a:spAutoFit/>
-          </a:bodyPr>
-          <a:lstStyle/>
-          <a:p>
-            <a:r>
-              <a:rPr lang="en-US" sz="800" dirty="0"/>
-              <a:t>Source: </a:t>
-            </a:r>
-            <a:r>
-              <a:rPr lang="en-US" sz="800" dirty="0">
-                <a:hlinkClick r:id="rId2"/>
-              </a:rPr>
-              <a:t>https://investor.salesforce.com/financials/default.aspx</a:t>
-            </a:r>
-            <a:r>
-              <a:rPr lang="en-US" sz="800" dirty="0"/>
-              <a:t>; </a:t>
-            </a:r>
-          </a:p>
-          <a:p>
-            <a:r>
-              <a:rPr lang="en-US" sz="800" dirty="0"/>
-              <a:t>https://s23.q4cdn.com/574569502/files/</a:t>
-            </a:r>
-            <a:r>
-              <a:rPr lang="en-US" sz="800" dirty="0" err="1"/>
-              <a:t>doc_financials</a:t>
-            </a:r>
-            <a:r>
-              <a:rPr lang="en-US" sz="800" dirty="0"/>
-              <a:t>/2024/</a:t>
-            </a:r>
-            <a:r>
-              <a:rPr lang="en-US" sz="800" dirty="0" err="1"/>
-              <a:t>ar</a:t>
-            </a:r>
-            <a:r>
-              <a:rPr lang="en-US" sz="800" dirty="0"/>
-              <a:t>/salesforce-fy24-annual-report.pdf</a:t>
-            </a:r>
-          </a:p>
-        </p:txBody>
-      </p:sp>
-      <p:grpSp>
-        <p:nvGrpSpPr>
-          <p:cNvPr id="11" name="Group 10">
-            <a:extLst>
-              <a:ext uri="{FF2B5EF4-FFF2-40B4-BE49-F238E27FC236}">
-                <a16:creationId xmlns:a16="http://schemas.microsoft.com/office/drawing/2014/main" id="{27748895-B0B5-D8D6-B36F-D903A2C72926}"/>
-              </a:ext>
-            </a:extLst>
-          </p:cNvPr>
-          <p:cNvGrpSpPr/>
-          <p:nvPr/>
-        </p:nvGrpSpPr>
-        <p:grpSpPr>
-          <a:xfrm>
-            <a:off x="2209800" y="2841076"/>
-            <a:ext cx="7772400" cy="2800925"/>
-            <a:chOff x="2209800" y="2686681"/>
-            <a:chExt cx="7772400" cy="2800925"/>
-          </a:xfrm>
-        </p:grpSpPr>
-        <p:grpSp>
-          <p:nvGrpSpPr>
-            <p:cNvPr id="8" name="Group 7">
-              <a:extLst>
-                <a:ext uri="{FF2B5EF4-FFF2-40B4-BE49-F238E27FC236}">
-                  <a16:creationId xmlns:a16="http://schemas.microsoft.com/office/drawing/2014/main" id="{5E9BD97F-49D6-F6A2-7CC2-5BA8E2405BA7}"/>
-                </a:ext>
-              </a:extLst>
-            </p:cNvPr>
-            <p:cNvGrpSpPr/>
-            <p:nvPr/>
-          </p:nvGrpSpPr>
-          <p:grpSpPr>
-            <a:xfrm>
-              <a:off x="2209800" y="3000438"/>
-              <a:ext cx="7772400" cy="2487168"/>
-              <a:chOff x="2209800" y="2284270"/>
-              <a:chExt cx="7772400" cy="2487168"/>
-            </a:xfrm>
-          </p:grpSpPr>
-          <p:pic>
-            <p:nvPicPr>
-              <p:cNvPr id="5" name="Picture 4">
-                <a:extLst>
-                  <a:ext uri="{FF2B5EF4-FFF2-40B4-BE49-F238E27FC236}">
-                    <a16:creationId xmlns:a16="http://schemas.microsoft.com/office/drawing/2014/main" id="{6779FAEC-8D8B-2B96-DF4F-2E09235BD118}"/>
-                  </a:ext>
-                </a:extLst>
-              </p:cNvPr>
-              <p:cNvPicPr>
-                <a:picLocks noChangeAspect="1"/>
-              </p:cNvPicPr>
-              <p:nvPr/>
-            </p:nvPicPr>
-            <p:blipFill>
-              <a:blip r:embed="rId3"/>
-              <a:stretch>
-                <a:fillRect/>
-              </a:stretch>
-            </p:blipFill>
-            <p:spPr>
-              <a:xfrm>
-                <a:off x="2209800" y="2284270"/>
-                <a:ext cx="7772400" cy="2487168"/>
-              </a:xfrm>
-              <a:prstGeom prst="rect">
-                <a:avLst/>
-              </a:prstGeom>
-            </p:spPr>
-          </p:pic>
-          <p:sp>
-            <p:nvSpPr>
-              <p:cNvPr id="7" name="Rounded Rectangle 6">
-                <a:extLst>
-                  <a:ext uri="{FF2B5EF4-FFF2-40B4-BE49-F238E27FC236}">
-                    <a16:creationId xmlns:a16="http://schemas.microsoft.com/office/drawing/2014/main" id="{0EC020AE-6444-B267-D3A5-1D2C6AB362B3}"/>
-                  </a:ext>
-                </a:extLst>
-              </p:cNvPr>
-              <p:cNvSpPr/>
-              <p:nvPr/>
-            </p:nvSpPr>
-            <p:spPr>
-              <a:xfrm>
-                <a:off x="2209800" y="3645243"/>
-                <a:ext cx="7772400" cy="247135"/>
-              </a:xfrm>
-              <a:prstGeom prst="roundRect">
-                <a:avLst/>
-              </a:prstGeom>
-              <a:solidFill>
-                <a:schemeClr val="accent2">
-                  <a:alpha val="50000"/>
-                </a:schemeClr>
-              </a:solidFill>
-            </p:spPr>
-            <p:style>
-              <a:lnRef idx="2">
-                <a:schemeClr val="accent2">
-                  <a:shade val="15000"/>
-                </a:schemeClr>
-              </a:lnRef>
-              <a:fillRef idx="1">
-                <a:schemeClr val="accent2"/>
-              </a:fillRef>
-              <a:effectRef idx="0">
-                <a:schemeClr val="accent2"/>
-              </a:effectRef>
-              <a:fontRef idx="minor">
-                <a:schemeClr val="lt1"/>
-              </a:fontRef>
-            </p:style>
-            <p:txBody>
-              <a:bodyPr rtlCol="0" anchor="ctr"/>
-              <a:lstStyle/>
-              <a:p>
-                <a:pPr algn="ctr"/>
-                <a:endParaRPr lang="en-US"/>
-              </a:p>
-            </p:txBody>
-          </p:sp>
-        </p:grpSp>
-        <p:sp>
-          <p:nvSpPr>
-            <p:cNvPr id="10" name="TextBox 9">
-              <a:extLst>
-                <a:ext uri="{FF2B5EF4-FFF2-40B4-BE49-F238E27FC236}">
-                  <a16:creationId xmlns:a16="http://schemas.microsoft.com/office/drawing/2014/main" id="{A5B06ED4-DB57-DF6A-0419-44979679DEAA}"/>
-                </a:ext>
-              </a:extLst>
-            </p:cNvPr>
-            <p:cNvSpPr txBox="1"/>
-            <p:nvPr/>
-          </p:nvSpPr>
-          <p:spPr>
-            <a:xfrm>
-              <a:off x="3675337" y="2686681"/>
-              <a:ext cx="4841325" cy="369332"/>
-            </a:xfrm>
-            <a:prstGeom prst="rect">
-              <a:avLst/>
-            </a:prstGeom>
-            <a:noFill/>
-          </p:spPr>
-          <p:txBody>
-            <a:bodyPr wrap="none" rtlCol="0">
-              <a:spAutoFit/>
-            </a:bodyPr>
-            <a:lstStyle/>
-            <a:p>
-              <a:r>
-                <a:rPr lang="en-US" u="sng" dirty="0"/>
-                <a:t>Extract from Salesforce FY 2024 Annual Report </a:t>
-              </a:r>
-            </a:p>
-          </p:txBody>
-        </p:sp>
-      </p:grpSp>
-    </p:spTree>
-    <p:extLst>
-      <p:ext uri="{BB962C8B-B14F-4D97-AF65-F5344CB8AC3E}">
-        <p14:creationId xmlns:p14="http://schemas.microsoft.com/office/powerpoint/2010/main" val="2953542548"/>
+        <p14:creationId xmlns:p14="http://schemas.microsoft.com/office/powerpoint/2010/main" val="3920775288"/>
       </p:ext>
     </p:extLst>
   </p:cSld>
@@ -6121,10 +8137,10 @@
       </p:grpSpPr>
       <p:sp>
         <p:nvSpPr>
-          <p:cNvPr id="2" name="Title 1">
-            <a:extLst>
-              <a:ext uri="{FF2B5EF4-FFF2-40B4-BE49-F238E27FC236}">
-                <a16:creationId xmlns:a16="http://schemas.microsoft.com/office/drawing/2014/main" id="{364C80CF-25A8-D9F2-6F15-BA6ECE183A23}"/>
+          <p:cNvPr id="4" name="Title 3">
+            <a:extLst>
+              <a:ext uri="{FF2B5EF4-FFF2-40B4-BE49-F238E27FC236}">
+                <a16:creationId xmlns:a16="http://schemas.microsoft.com/office/drawing/2014/main" id="{DE0E4E0B-16D5-9CC9-9780-054809772C3E}"/>
               </a:ext>
             </a:extLst>
           </p:cNvPr>
@@ -6142,7 +8158,7 @@
           <a:p>
             <a:r>
               <a:rPr lang="en-US" dirty="0"/>
-              <a:t>Market Validation – Need More</a:t>
+              <a:t>The Golden Circle</a:t>
             </a:r>
           </a:p>
         </p:txBody>
@@ -6152,44 +8168,410 @@
           <p:cNvPr id="6" name="Content Placeholder 5">
             <a:extLst>
               <a:ext uri="{FF2B5EF4-FFF2-40B4-BE49-F238E27FC236}">
-                <a16:creationId xmlns:a16="http://schemas.microsoft.com/office/drawing/2014/main" id="{24726738-A204-76F5-9E52-AF17CA29C035}"/>
-              </a:ext>
-            </a:extLst>
-          </p:cNvPr>
-          <p:cNvSpPr>
-            <a:spLocks noGrp="1"/>
-          </p:cNvSpPr>
-          <p:nvPr>
-            <p:ph idx="1"/>
-          </p:nvPr>
-        </p:nvSpPr>
-        <p:spPr/>
+                <a16:creationId xmlns:a16="http://schemas.microsoft.com/office/drawing/2014/main" id="{4A40915D-817F-BC2E-5F4D-B5E5FAB17A78}"/>
+              </a:ext>
+            </a:extLst>
+          </p:cNvPr>
+          <p:cNvSpPr>
+            <a:spLocks noGrp="1"/>
+          </p:cNvSpPr>
+          <p:nvPr>
+            <p:ph sz="half" idx="2"/>
+          </p:nvPr>
+        </p:nvSpPr>
+        <p:spPr>
+          <a:xfrm>
+            <a:off x="4337223" y="1825624"/>
+            <a:ext cx="7016577" cy="4365625"/>
+          </a:xfrm>
+        </p:spPr>
         <p:txBody>
           <a:bodyPr/>
           <a:lstStyle/>
           <a:p>
+            <a:pPr marL="0" indent="0">
+              <a:buNone/>
+            </a:pPr>
+            <a:r>
+              <a:rPr lang="en-US" b="1" dirty="0"/>
+              <a:t>Why</a:t>
+            </a:r>
             <a:r>
               <a:rPr lang="en-US" dirty="0"/>
-              <a:t>Competitor Sales – Tableau, </a:t>
-            </a:r>
-            <a:r>
-              <a:rPr lang="en-US" dirty="0" err="1"/>
-              <a:t>PowerBi</a:t>
-            </a:r>
-            <a:endParaRPr lang="en-US" dirty="0"/>
-          </a:p>
-          <a:p>
-            <a:r>
-              <a:rPr lang="en-US" dirty="0"/>
-              <a:t>Our Target market, purchasing power, habits of customer</a:t>
-            </a:r>
-          </a:p>
-        </p:txBody>
-      </p:sp>
+              <a:t> are we doing this? (</a:t>
+            </a:r>
+            <a:r>
+              <a:rPr lang="en-US" i="1" dirty="0"/>
+              <a:t>“The Problem”)</a:t>
+            </a:r>
+          </a:p>
+          <a:p>
+            <a:pPr marL="0" indent="0">
+              <a:buNone/>
+            </a:pPr>
+            <a:r>
+              <a:rPr lang="en-US" sz="1400" dirty="0"/>
+              <a:t>Context: Businesses are beginning to recognize the value of data:</a:t>
+            </a:r>
+          </a:p>
+          <a:p>
+            <a:r>
+              <a:rPr lang="en-US" sz="1400" dirty="0"/>
+              <a:t>360 view of the business</a:t>
+            </a:r>
+          </a:p>
+          <a:p>
+            <a:r>
+              <a:rPr lang="en-US" sz="1400" dirty="0"/>
+              <a:t>Realtime updates</a:t>
+            </a:r>
+          </a:p>
+          <a:p>
+            <a:r>
+              <a:rPr lang="en-US" sz="1400" dirty="0"/>
+              <a:t>New opportunities for revenue growth</a:t>
+            </a:r>
+          </a:p>
+          <a:p>
+            <a:r>
+              <a:rPr lang="en-US" sz="1400" dirty="0"/>
+              <a:t>New opportunities for cost reduction</a:t>
+            </a:r>
+          </a:p>
+          <a:p>
+            <a:pPr marL="0" indent="0">
+              <a:buNone/>
+            </a:pPr>
+            <a:r>
+              <a:rPr lang="en-US" sz="1400" dirty="0"/>
+              <a:t>“Problem”: </a:t>
+            </a:r>
+          </a:p>
+          <a:p>
+            <a:r>
+              <a:rPr lang="en-US" sz="1400" dirty="0"/>
+              <a:t>Cost of getting started – Hiring, Training, Tools, Administrative overheads, etc.</a:t>
+            </a:r>
+          </a:p>
+          <a:p>
+            <a:r>
+              <a:rPr lang="en-US" sz="1400" dirty="0"/>
+              <a:t>Uncertain results – Despite the investment, there is </a:t>
+            </a:r>
+            <a:r>
+              <a:rPr lang="en-US" sz="1400" b="1" dirty="0"/>
+              <a:t>no guarantee</a:t>
+            </a:r>
+            <a:r>
+              <a:rPr lang="en-US" sz="1400" dirty="0"/>
+              <a:t> of results. </a:t>
+            </a:r>
+          </a:p>
+          <a:p>
+            <a:pPr marL="0" indent="0">
+              <a:buNone/>
+            </a:pPr>
+            <a:r>
+              <a:rPr lang="en-US" sz="1400" dirty="0"/>
+              <a:t>Problem is</a:t>
+            </a:r>
+            <a:r>
+              <a:rPr lang="en-SG" sz="1400" dirty="0"/>
+              <a:t> exacerbated for smaller organizations because of limited resources.</a:t>
+            </a:r>
+            <a:endParaRPr lang="en-US" sz="1400" dirty="0"/>
+          </a:p>
+          <a:p>
+            <a:pPr marL="0" indent="0">
+              <a:buNone/>
+            </a:pPr>
+            <a:endParaRPr lang="en-US" sz="1400" dirty="0"/>
+          </a:p>
+        </p:txBody>
+      </p:sp>
+      <p:grpSp>
+        <p:nvGrpSpPr>
+          <p:cNvPr id="7" name="Group 6">
+            <a:extLst>
+              <a:ext uri="{FF2B5EF4-FFF2-40B4-BE49-F238E27FC236}">
+                <a16:creationId xmlns:a16="http://schemas.microsoft.com/office/drawing/2014/main" id="{774C1CEC-239A-198F-C2C2-AC2C818AF1C7}"/>
+              </a:ext>
+            </a:extLst>
+          </p:cNvPr>
+          <p:cNvGrpSpPr/>
+          <p:nvPr/>
+        </p:nvGrpSpPr>
+        <p:grpSpPr>
+          <a:xfrm>
+            <a:off x="838200" y="2049036"/>
+            <a:ext cx="2995486" cy="3001321"/>
+            <a:chOff x="699185" y="2083144"/>
+            <a:chExt cx="2995486" cy="3001321"/>
+          </a:xfrm>
+        </p:grpSpPr>
+        <p:sp>
+          <p:nvSpPr>
+            <p:cNvPr id="8" name="Oval 7">
+              <a:extLst>
+                <a:ext uri="{FF2B5EF4-FFF2-40B4-BE49-F238E27FC236}">
+                  <a16:creationId xmlns:a16="http://schemas.microsoft.com/office/drawing/2014/main" id="{3D8E59CF-ED12-50D9-22DC-712A8C053122}"/>
+                </a:ext>
+              </a:extLst>
+            </p:cNvPr>
+            <p:cNvSpPr/>
+            <p:nvPr/>
+          </p:nvSpPr>
+          <p:spPr>
+            <a:xfrm>
+              <a:off x="699185" y="2083144"/>
+              <a:ext cx="2995486" cy="2995486"/>
+            </a:xfrm>
+            <a:prstGeom prst="ellipse">
+              <a:avLst/>
+            </a:prstGeom>
+          </p:spPr>
+          <p:style>
+            <a:lnRef idx="2">
+              <a:schemeClr val="accent2"/>
+            </a:lnRef>
+            <a:fillRef idx="1">
+              <a:schemeClr val="lt1"/>
+            </a:fillRef>
+            <a:effectRef idx="0">
+              <a:schemeClr val="accent2"/>
+            </a:effectRef>
+            <a:fontRef idx="minor">
+              <a:schemeClr val="dk1"/>
+            </a:fontRef>
+          </p:style>
+          <p:txBody>
+            <a:bodyPr rtlCol="0" anchor="ctr"/>
+            <a:lstStyle/>
+            <a:p>
+              <a:pPr algn="ctr"/>
+              <a:endParaRPr lang="en-US" dirty="0"/>
+            </a:p>
+          </p:txBody>
+        </p:sp>
+        <p:sp>
+          <p:nvSpPr>
+            <p:cNvPr id="9" name="Oval 8">
+              <a:extLst>
+                <a:ext uri="{FF2B5EF4-FFF2-40B4-BE49-F238E27FC236}">
+                  <a16:creationId xmlns:a16="http://schemas.microsoft.com/office/drawing/2014/main" id="{E50C22FD-9176-3BBE-CC14-70D9DBFB9B63}"/>
+                </a:ext>
+              </a:extLst>
+            </p:cNvPr>
+            <p:cNvSpPr/>
+            <p:nvPr/>
+          </p:nvSpPr>
+          <p:spPr>
+            <a:xfrm>
+              <a:off x="1202722" y="2586680"/>
+              <a:ext cx="1993558" cy="1993558"/>
+            </a:xfrm>
+            <a:prstGeom prst="ellipse">
+              <a:avLst/>
+            </a:prstGeom>
+          </p:spPr>
+          <p:style>
+            <a:lnRef idx="2">
+              <a:schemeClr val="accent2"/>
+            </a:lnRef>
+            <a:fillRef idx="1">
+              <a:schemeClr val="lt1"/>
+            </a:fillRef>
+            <a:effectRef idx="0">
+              <a:schemeClr val="accent2"/>
+            </a:effectRef>
+            <a:fontRef idx="minor">
+              <a:schemeClr val="dk1"/>
+            </a:fontRef>
+          </p:style>
+          <p:txBody>
+            <a:bodyPr rtlCol="0" anchor="ctr"/>
+            <a:lstStyle/>
+            <a:p>
+              <a:pPr algn="ctr"/>
+              <a:endParaRPr lang="en-US" dirty="0"/>
+            </a:p>
+          </p:txBody>
+        </p:sp>
+        <p:grpSp>
+          <p:nvGrpSpPr>
+            <p:cNvPr id="10" name="Group 9">
+              <a:extLst>
+                <a:ext uri="{FF2B5EF4-FFF2-40B4-BE49-F238E27FC236}">
+                  <a16:creationId xmlns:a16="http://schemas.microsoft.com/office/drawing/2014/main" id="{967AD41E-6A10-E152-1855-BDE697B3E5AF}"/>
+                </a:ext>
+              </a:extLst>
+            </p:cNvPr>
+            <p:cNvGrpSpPr/>
+            <p:nvPr/>
+          </p:nvGrpSpPr>
+          <p:grpSpPr>
+            <a:xfrm>
+              <a:off x="1668162" y="3052119"/>
+              <a:ext cx="1062681" cy="1062681"/>
+              <a:chOff x="1668162" y="3052119"/>
+              <a:chExt cx="1062681" cy="1062681"/>
+            </a:xfrm>
+          </p:grpSpPr>
+          <p:sp>
+            <p:nvSpPr>
+              <p:cNvPr id="13" name="Oval 12">
+                <a:extLst>
+                  <a:ext uri="{FF2B5EF4-FFF2-40B4-BE49-F238E27FC236}">
+                    <a16:creationId xmlns:a16="http://schemas.microsoft.com/office/drawing/2014/main" id="{95CB6793-FCF4-E2DF-1397-0160DF57DA44}"/>
+                  </a:ext>
+                </a:extLst>
+              </p:cNvPr>
+              <p:cNvSpPr/>
+              <p:nvPr/>
+            </p:nvSpPr>
+            <p:spPr>
+              <a:xfrm>
+                <a:off x="1668162" y="3052119"/>
+                <a:ext cx="1062681" cy="1062681"/>
+              </a:xfrm>
+              <a:prstGeom prst="ellipse">
+                <a:avLst/>
+              </a:prstGeom>
+            </p:spPr>
+            <p:style>
+              <a:lnRef idx="2">
+                <a:schemeClr val="accent2"/>
+              </a:lnRef>
+              <a:fillRef idx="1">
+                <a:schemeClr val="lt1"/>
+              </a:fillRef>
+              <a:effectRef idx="0">
+                <a:schemeClr val="accent2"/>
+              </a:effectRef>
+              <a:fontRef idx="minor">
+                <a:schemeClr val="dk1"/>
+              </a:fontRef>
+            </p:style>
+            <p:txBody>
+              <a:bodyPr rtlCol="0" anchor="ctr"/>
+              <a:lstStyle/>
+              <a:p>
+                <a:pPr algn="ctr"/>
+                <a:endParaRPr lang="en-US" dirty="0"/>
+              </a:p>
+            </p:txBody>
+          </p:sp>
+          <p:sp>
+            <p:nvSpPr>
+              <p:cNvPr id="14" name="TextBox 13">
+                <a:extLst>
+                  <a:ext uri="{FF2B5EF4-FFF2-40B4-BE49-F238E27FC236}">
+                    <a16:creationId xmlns:a16="http://schemas.microsoft.com/office/drawing/2014/main" id="{D22914A9-C616-2007-A12E-26BECC5D79A7}"/>
+                  </a:ext>
+                </a:extLst>
+              </p:cNvPr>
+              <p:cNvSpPr txBox="1"/>
+              <p:nvPr/>
+            </p:nvSpPr>
+            <p:spPr>
+              <a:xfrm>
+                <a:off x="1886585" y="3745468"/>
+                <a:ext cx="620683" cy="369332"/>
+              </a:xfrm>
+              <a:prstGeom prst="rect">
+                <a:avLst/>
+              </a:prstGeom>
+              <a:noFill/>
+            </p:spPr>
+            <p:txBody>
+              <a:bodyPr wrap="none" rtlCol="0">
+                <a:spAutoFit/>
+              </a:bodyPr>
+              <a:lstStyle/>
+              <a:p>
+                <a:r>
+                  <a:rPr lang="en-US" dirty="0"/>
+                  <a:t>Why</a:t>
+                </a:r>
+              </a:p>
+            </p:txBody>
+          </p:sp>
+        </p:grpSp>
+        <p:sp>
+          <p:nvSpPr>
+            <p:cNvPr id="11" name="TextBox 10">
+              <a:extLst>
+                <a:ext uri="{FF2B5EF4-FFF2-40B4-BE49-F238E27FC236}">
+                  <a16:creationId xmlns:a16="http://schemas.microsoft.com/office/drawing/2014/main" id="{41731F8C-44BE-1B42-30DD-3A406958AC3C}"/>
+                </a:ext>
+              </a:extLst>
+            </p:cNvPr>
+            <p:cNvSpPr txBox="1"/>
+            <p:nvPr/>
+          </p:nvSpPr>
+          <p:spPr>
+            <a:xfrm>
+              <a:off x="1877287" y="4222576"/>
+              <a:ext cx="639278" cy="369332"/>
+            </a:xfrm>
+            <a:prstGeom prst="rect">
+              <a:avLst/>
+            </a:prstGeom>
+            <a:noFill/>
+          </p:spPr>
+          <p:txBody>
+            <a:bodyPr wrap="none" rtlCol="0">
+              <a:spAutoFit/>
+            </a:bodyPr>
+            <a:lstStyle/>
+            <a:p>
+              <a:r>
+                <a:rPr lang="en-US" dirty="0"/>
+                <a:t>How</a:t>
+              </a:r>
+            </a:p>
+          </p:txBody>
+        </p:sp>
+        <p:sp>
+          <p:nvSpPr>
+            <p:cNvPr id="12" name="TextBox 11">
+              <a:extLst>
+                <a:ext uri="{FF2B5EF4-FFF2-40B4-BE49-F238E27FC236}">
+                  <a16:creationId xmlns:a16="http://schemas.microsoft.com/office/drawing/2014/main" id="{B8B92F84-EB93-7C6E-70B0-E072E479BDEE}"/>
+                </a:ext>
+              </a:extLst>
+            </p:cNvPr>
+            <p:cNvSpPr txBox="1"/>
+            <p:nvPr/>
+          </p:nvSpPr>
+          <p:spPr>
+            <a:xfrm>
+              <a:off x="1840321" y="4715133"/>
+              <a:ext cx="713209" cy="369332"/>
+            </a:xfrm>
+            <a:prstGeom prst="rect">
+              <a:avLst/>
+            </a:prstGeom>
+            <a:noFill/>
+          </p:spPr>
+          <p:txBody>
+            <a:bodyPr wrap="none" rtlCol="0">
+              <a:spAutoFit/>
+            </a:bodyPr>
+            <a:lstStyle/>
+            <a:p>
+              <a:r>
+                <a:rPr lang="en-US" dirty="0"/>
+                <a:t>What</a:t>
+              </a:r>
+            </a:p>
+          </p:txBody>
+        </p:sp>
+      </p:grpSp>
     </p:spTree>
     <p:extLst>
       <p:ext uri="{BB962C8B-B14F-4D97-AF65-F5344CB8AC3E}">
-        <p14:creationId xmlns:p14="http://schemas.microsoft.com/office/powerpoint/2010/main" val="3647913550"/>
+        <p14:creationId xmlns:p14="http://schemas.microsoft.com/office/powerpoint/2010/main" val="1632592211"/>
       </p:ext>
     </p:extLst>
   </p:cSld>
@@ -6218,915 +8600,6 @@
       </p:grpSpPr>
       <p:sp>
         <p:nvSpPr>
-          <p:cNvPr id="2" name="Title 1">
-            <a:extLst>
-              <a:ext uri="{FF2B5EF4-FFF2-40B4-BE49-F238E27FC236}">
-                <a16:creationId xmlns:a16="http://schemas.microsoft.com/office/drawing/2014/main" id="{BCAF6FDA-12AC-4AF4-54C8-98CC8C8170EA}"/>
-              </a:ext>
-            </a:extLst>
-          </p:cNvPr>
-          <p:cNvSpPr>
-            <a:spLocks noGrp="1"/>
-          </p:cNvSpPr>
-          <p:nvPr>
-            <p:ph type="title"/>
-          </p:nvPr>
-        </p:nvSpPr>
-        <p:spPr/>
-        <p:txBody>
-          <a:bodyPr/>
-          <a:lstStyle/>
-          <a:p>
-            <a:r>
-              <a:rPr lang="en-US" dirty="0"/>
-              <a:t>Opportunity </a:t>
-            </a:r>
-          </a:p>
-        </p:txBody>
-      </p:sp>
-      <p:sp>
-        <p:nvSpPr>
-          <p:cNvPr id="3" name="Content Placeholder 2">
-            <a:extLst>
-              <a:ext uri="{FF2B5EF4-FFF2-40B4-BE49-F238E27FC236}">
-                <a16:creationId xmlns:a16="http://schemas.microsoft.com/office/drawing/2014/main" id="{62A74C16-EB1E-2D28-0C0D-969F095F097C}"/>
-              </a:ext>
-            </a:extLst>
-          </p:cNvPr>
-          <p:cNvSpPr>
-            <a:spLocks noGrp="1"/>
-          </p:cNvSpPr>
-          <p:nvPr>
-            <p:ph idx="1"/>
-          </p:nvPr>
-        </p:nvSpPr>
-        <p:spPr>
-          <a:xfrm>
-            <a:off x="4303732" y="1825625"/>
-            <a:ext cx="7050068" cy="4000411"/>
-          </a:xfrm>
-        </p:spPr>
-        <p:txBody>
-          <a:bodyPr>
-            <a:normAutofit/>
-          </a:bodyPr>
-          <a:lstStyle/>
-          <a:p>
-            <a:r>
-              <a:rPr lang="en-US" sz="1400" dirty="0"/>
-              <a:t>Approximately 300,000 SMEs in Singapore</a:t>
-            </a:r>
-          </a:p>
-          <a:p>
-            <a:r>
-              <a:rPr lang="en-US" sz="1400" dirty="0"/>
-              <a:t>As of 2020, small SMEs (&lt; 50 staff or &lt;= 10 mil Rev) consistently make up 96% (~288,000) of the SMEs in Singapore</a:t>
-            </a:r>
-          </a:p>
-          <a:p>
-            <a:r>
-              <a:rPr lang="en-US" sz="1400" dirty="0"/>
-              <a:t>As of 2014, estimate of 70% (~210,000) of SMEs in Singapore are micro-SMEs (&lt; 10 staff or &lt;= 1 mil Rev)</a:t>
-            </a:r>
-          </a:p>
-          <a:p>
-            <a:r>
-              <a:rPr lang="en-US" sz="1400" dirty="0"/>
-              <a:t>If percentage remains, assume targeting businesses with revenue between 1 mil and 10 mil : Approximately </a:t>
-            </a:r>
-            <a:r>
-              <a:rPr lang="en-US" sz="1400" b="1" dirty="0"/>
-              <a:t>78,000</a:t>
-            </a:r>
-            <a:r>
-              <a:rPr lang="en-US" sz="1400" dirty="0"/>
-              <a:t> business fall in scope of our Solution</a:t>
-            </a:r>
-          </a:p>
-        </p:txBody>
-      </p:sp>
-      <p:sp>
-        <p:nvSpPr>
-          <p:cNvPr id="4" name="TextBox 3">
-            <a:extLst>
-              <a:ext uri="{FF2B5EF4-FFF2-40B4-BE49-F238E27FC236}">
-                <a16:creationId xmlns:a16="http://schemas.microsoft.com/office/drawing/2014/main" id="{9D4DE6F2-21D8-8A77-2C61-7BA1D64BDD79}"/>
-              </a:ext>
-            </a:extLst>
-          </p:cNvPr>
-          <p:cNvSpPr txBox="1"/>
-          <p:nvPr/>
-        </p:nvSpPr>
-        <p:spPr>
-          <a:xfrm>
-            <a:off x="5094704" y="6028323"/>
-            <a:ext cx="7050068" cy="830997"/>
-          </a:xfrm>
-          <a:prstGeom prst="rect">
-            <a:avLst/>
-          </a:prstGeom>
-          <a:noFill/>
-        </p:spPr>
-        <p:txBody>
-          <a:bodyPr wrap="square" rtlCol="0">
-            <a:spAutoFit/>
-          </a:bodyPr>
-          <a:lstStyle/>
-          <a:p>
-            <a:r>
-              <a:rPr lang="en-US" sz="800" dirty="0">
-                <a:hlinkClick r:id="rId2"/>
-              </a:rPr>
-              <a:t>Source:</a:t>
-            </a:r>
-          </a:p>
-          <a:p>
-            <a:r>
-              <a:rPr lang="en-US" sz="800" dirty="0">
-                <a:hlinkClick r:id="rId2"/>
-              </a:rPr>
-              <a:t>https://www.straitstimes.com/business/budget-2024-s-pore-businesses-workers-and-families-want-help-to-defray-costs-stay-productive</a:t>
-            </a:r>
-            <a:endParaRPr lang="en-US" sz="800" dirty="0"/>
-          </a:p>
-          <a:p>
-            <a:r>
-              <a:rPr lang="en-US" sz="800" dirty="0">
-                <a:hlinkClick r:id="rId3"/>
-              </a:rPr>
-              <a:t>https://www.singstat.gov.sg/-/media/files/publications/industry/ssn222-pg9-12.ashx#:~:text=In%202020%2C%20there%20were%20211%2C400,in%20value%2Dadded%20in%202020</a:t>
-            </a:r>
-            <a:r>
-              <a:rPr lang="en-US" sz="800" dirty="0"/>
-              <a:t>.</a:t>
-            </a:r>
-          </a:p>
-          <a:p>
-            <a:r>
-              <a:rPr lang="en-US" sz="800" dirty="0"/>
-              <a:t>https://</a:t>
-            </a:r>
-            <a:r>
-              <a:rPr lang="en-US" sz="800" dirty="0" err="1"/>
-              <a:t>www.straitstimes.com</a:t>
-            </a:r>
-            <a:r>
-              <a:rPr lang="en-US" sz="800" dirty="0"/>
-              <a:t>/</a:t>
-            </a:r>
-            <a:r>
-              <a:rPr lang="en-US" sz="800" dirty="0" err="1"/>
-              <a:t>singapore</a:t>
-            </a:r>
-            <a:r>
-              <a:rPr lang="en-US" sz="800" dirty="0"/>
-              <a:t>/some-micro-</a:t>
-            </a:r>
-            <a:r>
-              <a:rPr lang="en-US" sz="800" dirty="0" err="1"/>
-              <a:t>smes</a:t>
-            </a:r>
-            <a:r>
-              <a:rPr lang="en-US" sz="800" dirty="0"/>
-              <a:t>-gradually-restructuring#:~:text=Spring%20estimates%20that%20about%2070,parts%20of%20their%20business%20processes.</a:t>
-            </a:r>
-          </a:p>
-        </p:txBody>
-      </p:sp>
-      <p:grpSp>
-        <p:nvGrpSpPr>
-          <p:cNvPr id="50" name="Group 49">
-            <a:extLst>
-              <a:ext uri="{FF2B5EF4-FFF2-40B4-BE49-F238E27FC236}">
-                <a16:creationId xmlns:a16="http://schemas.microsoft.com/office/drawing/2014/main" id="{696CED8E-143A-4D07-232E-2A0A37971A61}"/>
-              </a:ext>
-            </a:extLst>
-          </p:cNvPr>
-          <p:cNvGrpSpPr/>
-          <p:nvPr/>
-        </p:nvGrpSpPr>
-        <p:grpSpPr>
-          <a:xfrm>
-            <a:off x="357485" y="356326"/>
-            <a:ext cx="6024248" cy="5469717"/>
-            <a:chOff x="205085" y="356326"/>
-            <a:chExt cx="6024248" cy="5469717"/>
-          </a:xfrm>
-        </p:grpSpPr>
-        <p:cxnSp>
-          <p:nvCxnSpPr>
-            <p:cNvPr id="6" name="Straight Arrow Connector 5">
-              <a:extLst>
-                <a:ext uri="{FF2B5EF4-FFF2-40B4-BE49-F238E27FC236}">
-                  <a16:creationId xmlns:a16="http://schemas.microsoft.com/office/drawing/2014/main" id="{8721469F-C798-69C1-5B56-2736E6659CB5}"/>
-                </a:ext>
-              </a:extLst>
-            </p:cNvPr>
-            <p:cNvCxnSpPr/>
-            <p:nvPr/>
-          </p:nvCxnSpPr>
-          <p:spPr>
-            <a:xfrm flipV="1">
-              <a:off x="666750" y="2076450"/>
-              <a:ext cx="0" cy="3362325"/>
-            </a:xfrm>
-            <a:prstGeom prst="straightConnector1">
-              <a:avLst/>
-            </a:prstGeom>
-            <a:ln>
-              <a:tailEnd type="triangle"/>
-            </a:ln>
-          </p:spPr>
-          <p:style>
-            <a:lnRef idx="2">
-              <a:schemeClr val="accent1"/>
-            </a:lnRef>
-            <a:fillRef idx="0">
-              <a:schemeClr val="accent1"/>
-            </a:fillRef>
-            <a:effectRef idx="1">
-              <a:schemeClr val="accent1"/>
-            </a:effectRef>
-            <a:fontRef idx="minor">
-              <a:schemeClr val="tx1"/>
-            </a:fontRef>
-          </p:style>
-        </p:cxnSp>
-        <p:cxnSp>
-          <p:nvCxnSpPr>
-            <p:cNvPr id="8" name="Straight Arrow Connector 7">
-              <a:extLst>
-                <a:ext uri="{FF2B5EF4-FFF2-40B4-BE49-F238E27FC236}">
-                  <a16:creationId xmlns:a16="http://schemas.microsoft.com/office/drawing/2014/main" id="{3DC1D0A7-3ECB-42CC-61AA-DA650DA09168}"/>
-                </a:ext>
-              </a:extLst>
-            </p:cNvPr>
-            <p:cNvCxnSpPr>
-              <a:cxnSpLocks/>
-            </p:cNvCxnSpPr>
-            <p:nvPr/>
-          </p:nvCxnSpPr>
-          <p:spPr>
-            <a:xfrm>
-              <a:off x="666750" y="5438775"/>
-              <a:ext cx="3352800" cy="0"/>
-            </a:xfrm>
-            <a:prstGeom prst="straightConnector1">
-              <a:avLst/>
-            </a:prstGeom>
-            <a:ln>
-              <a:tailEnd type="triangle"/>
-            </a:ln>
-          </p:spPr>
-          <p:style>
-            <a:lnRef idx="2">
-              <a:schemeClr val="accent1"/>
-            </a:lnRef>
-            <a:fillRef idx="0">
-              <a:schemeClr val="accent1"/>
-            </a:fillRef>
-            <a:effectRef idx="1">
-              <a:schemeClr val="accent1"/>
-            </a:effectRef>
-            <a:fontRef idx="minor">
-              <a:schemeClr val="tx1"/>
-            </a:fontRef>
-          </p:style>
-        </p:cxnSp>
-        <p:sp>
-          <p:nvSpPr>
-            <p:cNvPr id="15" name="Arc 14">
-              <a:extLst>
-                <a:ext uri="{FF2B5EF4-FFF2-40B4-BE49-F238E27FC236}">
-                  <a16:creationId xmlns:a16="http://schemas.microsoft.com/office/drawing/2014/main" id="{90A4FA5F-3FB9-768B-8248-49C88C2EB0C0}"/>
-                </a:ext>
-              </a:extLst>
-            </p:cNvPr>
-            <p:cNvSpPr/>
-            <p:nvPr/>
-          </p:nvSpPr>
-          <p:spPr>
-            <a:xfrm flipH="1" flipV="1">
-              <a:off x="838200" y="356326"/>
-              <a:ext cx="5391133" cy="4879848"/>
-            </a:xfrm>
-            <a:prstGeom prst="arc">
-              <a:avLst/>
-            </a:prstGeom>
-          </p:spPr>
-          <p:style>
-            <a:lnRef idx="2">
-              <a:schemeClr val="accent1"/>
-            </a:lnRef>
-            <a:fillRef idx="0">
-              <a:schemeClr val="accent1"/>
-            </a:fillRef>
-            <a:effectRef idx="1">
-              <a:schemeClr val="accent1"/>
-            </a:effectRef>
-            <a:fontRef idx="minor">
-              <a:schemeClr val="tx1"/>
-            </a:fontRef>
-          </p:style>
-          <p:txBody>
-            <a:bodyPr rtlCol="0" anchor="ctr"/>
-            <a:lstStyle/>
-            <a:p>
-              <a:pPr algn="ctr"/>
-              <a:endParaRPr lang="en-US"/>
-            </a:p>
-          </p:txBody>
-        </p:sp>
-        <p:sp>
-          <p:nvSpPr>
-            <p:cNvPr id="16" name="TextBox 15">
-              <a:extLst>
-                <a:ext uri="{FF2B5EF4-FFF2-40B4-BE49-F238E27FC236}">
-                  <a16:creationId xmlns:a16="http://schemas.microsoft.com/office/drawing/2014/main" id="{4CCE1ACA-B653-5662-6096-547ADF2E086F}"/>
-                </a:ext>
-              </a:extLst>
-            </p:cNvPr>
-            <p:cNvSpPr txBox="1"/>
-            <p:nvPr/>
-          </p:nvSpPr>
-          <p:spPr>
-            <a:xfrm>
-              <a:off x="1571945" y="5456711"/>
-              <a:ext cx="1542410" cy="369332"/>
-            </a:xfrm>
-            <a:prstGeom prst="rect">
-              <a:avLst/>
-            </a:prstGeom>
-            <a:noFill/>
-          </p:spPr>
-          <p:txBody>
-            <a:bodyPr wrap="none" rtlCol="0">
-              <a:spAutoFit/>
-            </a:bodyPr>
-            <a:lstStyle/>
-            <a:p>
-              <a:r>
-                <a:rPr lang="en-US" dirty="0"/>
-                <a:t># Businesses</a:t>
-              </a:r>
-            </a:p>
-          </p:txBody>
-        </p:sp>
-        <p:sp>
-          <p:nvSpPr>
-            <p:cNvPr id="17" name="TextBox 16">
-              <a:extLst>
-                <a:ext uri="{FF2B5EF4-FFF2-40B4-BE49-F238E27FC236}">
-                  <a16:creationId xmlns:a16="http://schemas.microsoft.com/office/drawing/2014/main" id="{780037A6-AF42-3C4C-16AC-83D77C5D6FF1}"/>
-                </a:ext>
-              </a:extLst>
-            </p:cNvPr>
-            <p:cNvSpPr txBox="1"/>
-            <p:nvPr/>
-          </p:nvSpPr>
-          <p:spPr>
-            <a:xfrm>
-              <a:off x="205085" y="3182423"/>
-              <a:ext cx="461665" cy="1150380"/>
-            </a:xfrm>
-            <a:prstGeom prst="rect">
-              <a:avLst/>
-            </a:prstGeom>
-            <a:noFill/>
-          </p:spPr>
-          <p:txBody>
-            <a:bodyPr vert="vert270" wrap="none" rtlCol="0">
-              <a:spAutoFit/>
-            </a:bodyPr>
-            <a:lstStyle/>
-            <a:p>
-              <a:r>
-                <a:rPr lang="en-US" dirty="0"/>
-                <a:t>Resources</a:t>
-              </a:r>
-            </a:p>
-          </p:txBody>
-        </p:sp>
-        <p:cxnSp>
-          <p:nvCxnSpPr>
-            <p:cNvPr id="19" name="Straight Connector 18">
-              <a:extLst>
-                <a:ext uri="{FF2B5EF4-FFF2-40B4-BE49-F238E27FC236}">
-                  <a16:creationId xmlns:a16="http://schemas.microsoft.com/office/drawing/2014/main" id="{CA7C23CF-FE0F-01E7-6104-725AEC4B40A0}"/>
-                </a:ext>
-              </a:extLst>
-            </p:cNvPr>
-            <p:cNvCxnSpPr>
-              <a:cxnSpLocks/>
-            </p:cNvCxnSpPr>
-            <p:nvPr/>
-          </p:nvCxnSpPr>
-          <p:spPr>
-            <a:xfrm>
-              <a:off x="838200" y="2933700"/>
-              <a:ext cx="0" cy="2487140"/>
-            </a:xfrm>
-            <a:prstGeom prst="line">
-              <a:avLst/>
-            </a:prstGeom>
-            <a:ln w="19050" cap="flat" cmpd="sng" algn="ctr">
-              <a:solidFill>
-                <a:schemeClr val="accent1"/>
-              </a:solidFill>
-              <a:prstDash val="dash"/>
-              <a:round/>
-              <a:headEnd type="none" w="med" len="med"/>
-              <a:tailEnd type="none" w="med" len="med"/>
-            </a:ln>
-          </p:spPr>
-          <p:style>
-            <a:lnRef idx="0">
-              <a:scrgbClr r="0" g="0" b="0"/>
-            </a:lnRef>
-            <a:fillRef idx="0">
-              <a:scrgbClr r="0" g="0" b="0"/>
-            </a:fillRef>
-            <a:effectRef idx="0">
-              <a:scrgbClr r="0" g="0" b="0"/>
-            </a:effectRef>
-            <a:fontRef idx="minor">
-              <a:schemeClr val="tx1"/>
-            </a:fontRef>
-          </p:style>
-        </p:cxnSp>
-        <p:cxnSp>
-          <p:nvCxnSpPr>
-            <p:cNvPr id="21" name="Straight Connector 20">
-              <a:extLst>
-                <a:ext uri="{FF2B5EF4-FFF2-40B4-BE49-F238E27FC236}">
-                  <a16:creationId xmlns:a16="http://schemas.microsoft.com/office/drawing/2014/main" id="{A00E1BC9-3D7A-29E9-5F74-EEC8901B1EA6}"/>
-                </a:ext>
-              </a:extLst>
-            </p:cNvPr>
-            <p:cNvCxnSpPr>
-              <a:cxnSpLocks/>
-            </p:cNvCxnSpPr>
-            <p:nvPr/>
-          </p:nvCxnSpPr>
-          <p:spPr>
-            <a:xfrm flipV="1">
-              <a:off x="1409700" y="4332803"/>
-              <a:ext cx="0" cy="1105972"/>
-            </a:xfrm>
-            <a:prstGeom prst="line">
-              <a:avLst/>
-            </a:prstGeom>
-            <a:ln w="19050" cap="flat" cmpd="sng" algn="ctr">
-              <a:solidFill>
-                <a:schemeClr val="accent1"/>
-              </a:solidFill>
-              <a:prstDash val="dash"/>
-              <a:round/>
-              <a:headEnd type="none" w="med" len="med"/>
-              <a:tailEnd type="none" w="med" len="med"/>
-            </a:ln>
-          </p:spPr>
-          <p:style>
-            <a:lnRef idx="0">
-              <a:scrgbClr r="0" g="0" b="0"/>
-            </a:lnRef>
-            <a:fillRef idx="0">
-              <a:scrgbClr r="0" g="0" b="0"/>
-            </a:fillRef>
-            <a:effectRef idx="0">
-              <a:scrgbClr r="0" g="0" b="0"/>
-            </a:effectRef>
-            <a:fontRef idx="minor">
-              <a:schemeClr val="tx1"/>
-            </a:fontRef>
-          </p:style>
-        </p:cxnSp>
-        <p:cxnSp>
-          <p:nvCxnSpPr>
-            <p:cNvPr id="29" name="Straight Connector 28">
-              <a:extLst>
-                <a:ext uri="{FF2B5EF4-FFF2-40B4-BE49-F238E27FC236}">
-                  <a16:creationId xmlns:a16="http://schemas.microsoft.com/office/drawing/2014/main" id="{46E73154-0735-2668-0CCC-4F5178CCBB3C}"/>
-                </a:ext>
-              </a:extLst>
-            </p:cNvPr>
-            <p:cNvCxnSpPr>
-              <a:cxnSpLocks/>
-            </p:cNvCxnSpPr>
-            <p:nvPr/>
-          </p:nvCxnSpPr>
-          <p:spPr>
-            <a:xfrm>
-              <a:off x="2209800" y="4924425"/>
-              <a:ext cx="0" cy="496415"/>
-            </a:xfrm>
-            <a:prstGeom prst="line">
-              <a:avLst/>
-            </a:prstGeom>
-            <a:ln w="19050" cap="flat" cmpd="sng" algn="ctr">
-              <a:solidFill>
-                <a:schemeClr val="accent1"/>
-              </a:solidFill>
-              <a:prstDash val="dash"/>
-              <a:round/>
-              <a:headEnd type="none" w="med" len="med"/>
-              <a:tailEnd type="none" w="med" len="med"/>
-            </a:ln>
-          </p:spPr>
-          <p:style>
-            <a:lnRef idx="0">
-              <a:scrgbClr r="0" g="0" b="0"/>
-            </a:lnRef>
-            <a:fillRef idx="0">
-              <a:scrgbClr r="0" g="0" b="0"/>
-            </a:fillRef>
-            <a:effectRef idx="0">
-              <a:scrgbClr r="0" g="0" b="0"/>
-            </a:effectRef>
-            <a:fontRef idx="minor">
-              <a:schemeClr val="tx1"/>
-            </a:fontRef>
-          </p:style>
-        </p:cxnSp>
-        <p:sp>
-          <p:nvSpPr>
-            <p:cNvPr id="33" name="Oval 32">
-              <a:extLst>
-                <a:ext uri="{FF2B5EF4-FFF2-40B4-BE49-F238E27FC236}">
-                  <a16:creationId xmlns:a16="http://schemas.microsoft.com/office/drawing/2014/main" id="{FC10B2AC-AB6E-CEEF-3D84-A1AD3B6D07CE}"/>
-                </a:ext>
-              </a:extLst>
-            </p:cNvPr>
-            <p:cNvSpPr/>
-            <p:nvPr/>
-          </p:nvSpPr>
-          <p:spPr>
-            <a:xfrm>
-              <a:off x="1019175" y="4177270"/>
-              <a:ext cx="155533" cy="155533"/>
-            </a:xfrm>
-            <a:prstGeom prst="ellipse">
-              <a:avLst/>
-            </a:prstGeom>
-          </p:spPr>
-          <p:style>
-            <a:lnRef idx="2">
-              <a:schemeClr val="accent1">
-                <a:shade val="15000"/>
-              </a:schemeClr>
-            </a:lnRef>
-            <a:fillRef idx="1">
-              <a:schemeClr val="accent1"/>
-            </a:fillRef>
-            <a:effectRef idx="0">
-              <a:schemeClr val="accent1"/>
-            </a:effectRef>
-            <a:fontRef idx="minor">
-              <a:schemeClr val="lt1"/>
-            </a:fontRef>
-          </p:style>
-          <p:txBody>
-            <a:bodyPr rtlCol="0" anchor="ctr"/>
-            <a:lstStyle/>
-            <a:p>
-              <a:pPr algn="ctr"/>
-              <a:endParaRPr lang="en-US"/>
-            </a:p>
-          </p:txBody>
-        </p:sp>
-        <p:sp>
-          <p:nvSpPr>
-            <p:cNvPr id="35" name="Oval 34">
-              <a:extLst>
-                <a:ext uri="{FF2B5EF4-FFF2-40B4-BE49-F238E27FC236}">
-                  <a16:creationId xmlns:a16="http://schemas.microsoft.com/office/drawing/2014/main" id="{6A2635F3-FCEF-AEB1-4639-54B2AD18A209}"/>
-                </a:ext>
-              </a:extLst>
-            </p:cNvPr>
-            <p:cNvSpPr/>
-            <p:nvPr/>
-          </p:nvSpPr>
-          <p:spPr>
-            <a:xfrm>
-              <a:off x="1228725" y="2243695"/>
-              <a:ext cx="155533" cy="155533"/>
-            </a:xfrm>
-            <a:prstGeom prst="ellipse">
-              <a:avLst/>
-            </a:prstGeom>
-          </p:spPr>
-          <p:style>
-            <a:lnRef idx="2">
-              <a:schemeClr val="accent1">
-                <a:shade val="15000"/>
-              </a:schemeClr>
-            </a:lnRef>
-            <a:fillRef idx="1">
-              <a:schemeClr val="accent1"/>
-            </a:fillRef>
-            <a:effectRef idx="0">
-              <a:schemeClr val="accent1"/>
-            </a:effectRef>
-            <a:fontRef idx="minor">
-              <a:schemeClr val="lt1"/>
-            </a:fontRef>
-          </p:style>
-          <p:txBody>
-            <a:bodyPr rtlCol="0" anchor="ctr"/>
-            <a:lstStyle/>
-            <a:p>
-              <a:pPr algn="ctr"/>
-              <a:endParaRPr lang="en-US"/>
-            </a:p>
-          </p:txBody>
-        </p:sp>
-        <p:sp>
-          <p:nvSpPr>
-            <p:cNvPr id="36" name="TextBox 35">
-              <a:extLst>
-                <a:ext uri="{FF2B5EF4-FFF2-40B4-BE49-F238E27FC236}">
-                  <a16:creationId xmlns:a16="http://schemas.microsoft.com/office/drawing/2014/main" id="{583D207B-91CE-E16B-39BC-EC23DB46114E}"/>
-                </a:ext>
-              </a:extLst>
-            </p:cNvPr>
-            <p:cNvSpPr txBox="1"/>
-            <p:nvPr/>
-          </p:nvSpPr>
-          <p:spPr>
-            <a:xfrm>
-              <a:off x="1382694" y="2202031"/>
-              <a:ext cx="2235237" cy="246221"/>
-            </a:xfrm>
-            <a:prstGeom prst="rect">
-              <a:avLst/>
-            </a:prstGeom>
-            <a:noFill/>
-          </p:spPr>
-          <p:txBody>
-            <a:bodyPr wrap="square" rtlCol="0">
-              <a:spAutoFit/>
-            </a:bodyPr>
-            <a:lstStyle/>
-            <a:p>
-              <a:r>
-                <a:rPr lang="en-US" sz="1000" dirty="0"/>
-                <a:t>Denotes a business with a Data team</a:t>
-              </a:r>
-            </a:p>
-          </p:txBody>
-        </p:sp>
-        <p:sp>
-          <p:nvSpPr>
-            <p:cNvPr id="47" name="Rounded Rectangle 46">
-              <a:extLst>
-                <a:ext uri="{FF2B5EF4-FFF2-40B4-BE49-F238E27FC236}">
-                  <a16:creationId xmlns:a16="http://schemas.microsoft.com/office/drawing/2014/main" id="{88A7E11E-D2FC-1A51-1BFE-9CAC2DFD7BE2}"/>
-                </a:ext>
-              </a:extLst>
-            </p:cNvPr>
-            <p:cNvSpPr/>
-            <p:nvPr/>
-          </p:nvSpPr>
-          <p:spPr>
-            <a:xfrm>
-              <a:off x="1657350" y="4924425"/>
-              <a:ext cx="123825" cy="123825"/>
-            </a:xfrm>
-            <a:prstGeom prst="roundRect">
-              <a:avLst/>
-            </a:prstGeom>
-          </p:spPr>
-          <p:style>
-            <a:lnRef idx="2">
-              <a:schemeClr val="accent1">
-                <a:shade val="15000"/>
-              </a:schemeClr>
-            </a:lnRef>
-            <a:fillRef idx="1">
-              <a:schemeClr val="accent1"/>
-            </a:fillRef>
-            <a:effectRef idx="0">
-              <a:schemeClr val="accent1"/>
-            </a:effectRef>
-            <a:fontRef idx="minor">
-              <a:schemeClr val="lt1"/>
-            </a:fontRef>
-          </p:style>
-          <p:txBody>
-            <a:bodyPr rtlCol="0" anchor="ctr"/>
-            <a:lstStyle/>
-            <a:p>
-              <a:pPr algn="ctr"/>
-              <a:endParaRPr lang="en-US"/>
-            </a:p>
-          </p:txBody>
-        </p:sp>
-        <p:sp>
-          <p:nvSpPr>
-            <p:cNvPr id="48" name="Rounded Rectangle 47">
-              <a:extLst>
-                <a:ext uri="{FF2B5EF4-FFF2-40B4-BE49-F238E27FC236}">
-                  <a16:creationId xmlns:a16="http://schemas.microsoft.com/office/drawing/2014/main" id="{4F1EF113-0F34-2B3F-A1C7-A3F9E9AE143C}"/>
-                </a:ext>
-              </a:extLst>
-            </p:cNvPr>
-            <p:cNvSpPr/>
-            <p:nvPr/>
-          </p:nvSpPr>
-          <p:spPr>
-            <a:xfrm>
-              <a:off x="1247775" y="2619375"/>
-              <a:ext cx="123825" cy="123825"/>
-            </a:xfrm>
-            <a:prstGeom prst="roundRect">
-              <a:avLst/>
-            </a:prstGeom>
-          </p:spPr>
-          <p:style>
-            <a:lnRef idx="2">
-              <a:schemeClr val="accent1">
-                <a:shade val="15000"/>
-              </a:schemeClr>
-            </a:lnRef>
-            <a:fillRef idx="1">
-              <a:schemeClr val="accent1"/>
-            </a:fillRef>
-            <a:effectRef idx="0">
-              <a:schemeClr val="accent1"/>
-            </a:effectRef>
-            <a:fontRef idx="minor">
-              <a:schemeClr val="lt1"/>
-            </a:fontRef>
-          </p:style>
-          <p:txBody>
-            <a:bodyPr rtlCol="0" anchor="ctr"/>
-            <a:lstStyle/>
-            <a:p>
-              <a:pPr algn="ctr"/>
-              <a:endParaRPr lang="en-US"/>
-            </a:p>
-          </p:txBody>
-        </p:sp>
-        <p:sp>
-          <p:nvSpPr>
-            <p:cNvPr id="49" name="TextBox 48">
-              <a:extLst>
-                <a:ext uri="{FF2B5EF4-FFF2-40B4-BE49-F238E27FC236}">
-                  <a16:creationId xmlns:a16="http://schemas.microsoft.com/office/drawing/2014/main" id="{D82A11E4-365E-1B40-D9B5-65DD121C7843}"/>
-                </a:ext>
-              </a:extLst>
-            </p:cNvPr>
-            <p:cNvSpPr txBox="1"/>
-            <p:nvPr/>
-          </p:nvSpPr>
-          <p:spPr>
-            <a:xfrm>
-              <a:off x="1371600" y="2559443"/>
-              <a:ext cx="2235237" cy="400110"/>
-            </a:xfrm>
-            <a:prstGeom prst="rect">
-              <a:avLst/>
-            </a:prstGeom>
-            <a:noFill/>
-          </p:spPr>
-          <p:txBody>
-            <a:bodyPr wrap="square" rtlCol="0">
-              <a:spAutoFit/>
-            </a:bodyPr>
-            <a:lstStyle/>
-            <a:p>
-              <a:r>
-                <a:rPr lang="en-US" sz="1000" dirty="0"/>
-                <a:t>Denotes a business with limited resource looking to get into data</a:t>
-              </a:r>
-            </a:p>
-          </p:txBody>
-        </p:sp>
-      </p:grpSp>
-    </p:spTree>
-    <p:extLst>
-      <p:ext uri="{BB962C8B-B14F-4D97-AF65-F5344CB8AC3E}">
-        <p14:creationId xmlns:p14="http://schemas.microsoft.com/office/powerpoint/2010/main" val="530005062"/>
-      </p:ext>
-    </p:extLst>
-  </p:cSld>
-  <p:clrMapOvr>
-    <a:masterClrMapping/>
-  </p:clrMapOvr>
-</p:sld>
-</file>
-
-<file path=ppt/slides/slide8.xml><?xml version="1.0" encoding="utf-8"?>
-<p:sld xmlns:a="http://schemas.openxmlformats.org/drawingml/2006/main" xmlns:r="http://schemas.openxmlformats.org/officeDocument/2006/relationships" xmlns:p="http://schemas.openxmlformats.org/presentationml/2006/main">
-  <p:cSld>
-    <p:spTree>
-      <p:nvGrpSpPr>
-        <p:cNvPr id="1" name=""/>
-        <p:cNvGrpSpPr/>
-        <p:nvPr/>
-      </p:nvGrpSpPr>
-      <p:grpSpPr>
-        <a:xfrm>
-          <a:off x="0" y="0"/>
-          <a:ext cx="0" cy="0"/>
-          <a:chOff x="0" y="0"/>
-          <a:chExt cx="0" cy="0"/>
-        </a:xfrm>
-      </p:grpSpPr>
-      <p:sp>
-        <p:nvSpPr>
-          <p:cNvPr id="2" name="Title 1">
-            <a:extLst>
-              <a:ext uri="{FF2B5EF4-FFF2-40B4-BE49-F238E27FC236}">
-                <a16:creationId xmlns:a16="http://schemas.microsoft.com/office/drawing/2014/main" id="{3DD4F506-C6D3-616F-AC0D-942B812F853B}"/>
-              </a:ext>
-            </a:extLst>
-          </p:cNvPr>
-          <p:cNvSpPr>
-            <a:spLocks noGrp="1"/>
-          </p:cNvSpPr>
-          <p:nvPr>
-            <p:ph type="title"/>
-          </p:nvPr>
-        </p:nvSpPr>
-        <p:spPr/>
-        <p:txBody>
-          <a:bodyPr/>
-          <a:lstStyle/>
-          <a:p>
-            <a:r>
-              <a:rPr lang="en-US" dirty="0"/>
-              <a:t>Market Size</a:t>
-            </a:r>
-          </a:p>
-        </p:txBody>
-      </p:sp>
-      <p:sp>
-        <p:nvSpPr>
-          <p:cNvPr id="3" name="Content Placeholder 2">
-            <a:extLst>
-              <a:ext uri="{FF2B5EF4-FFF2-40B4-BE49-F238E27FC236}">
-                <a16:creationId xmlns:a16="http://schemas.microsoft.com/office/drawing/2014/main" id="{9681B9D3-FB4E-A4F7-AB9E-57C38457BF0D}"/>
-              </a:ext>
-            </a:extLst>
-          </p:cNvPr>
-          <p:cNvSpPr>
-            <a:spLocks noGrp="1"/>
-          </p:cNvSpPr>
-          <p:nvPr>
-            <p:ph idx="1"/>
-          </p:nvPr>
-        </p:nvSpPr>
-        <p:spPr/>
-        <p:txBody>
-          <a:bodyPr/>
-          <a:lstStyle/>
-          <a:p>
-            <a:r>
-              <a:rPr lang="en-US" dirty="0"/>
-              <a:t>Number of SMEs in Singapore</a:t>
-            </a:r>
-          </a:p>
-          <a:p>
-            <a:r>
-              <a:rPr lang="en-US" dirty="0"/>
-              <a:t>Continual Expansion – New companies spawn rate</a:t>
-            </a:r>
-          </a:p>
-        </p:txBody>
-      </p:sp>
-    </p:spTree>
-    <p:extLst>
-      <p:ext uri="{BB962C8B-B14F-4D97-AF65-F5344CB8AC3E}">
-        <p14:creationId xmlns:p14="http://schemas.microsoft.com/office/powerpoint/2010/main" val="2946760219"/>
-      </p:ext>
-    </p:extLst>
-  </p:cSld>
-  <p:clrMapOvr>
-    <a:masterClrMapping/>
-  </p:clrMapOvr>
-</p:sld>
-</file>
-
-<file path=ppt/slides/slide9.xml><?xml version="1.0" encoding="utf-8"?>
-<p:sld xmlns:a="http://schemas.openxmlformats.org/drawingml/2006/main" xmlns:r="http://schemas.openxmlformats.org/officeDocument/2006/relationships" xmlns:p="http://schemas.openxmlformats.org/presentationml/2006/main">
-  <p:cSld>
-    <p:spTree>
-      <p:nvGrpSpPr>
-        <p:cNvPr id="1" name=""/>
-        <p:cNvGrpSpPr/>
-        <p:nvPr/>
-      </p:nvGrpSpPr>
-      <p:grpSpPr>
-        <a:xfrm>
-          <a:off x="0" y="0"/>
-          <a:ext cx="0" cy="0"/>
-          <a:chOff x="0" y="0"/>
-          <a:chExt cx="0" cy="0"/>
-        </a:xfrm>
-      </p:grpSpPr>
-      <p:sp>
-        <p:nvSpPr>
           <p:cNvPr id="4" name="Title 3">
             <a:extLst>
               <a:ext uri="{FF2B5EF4-FFF2-40B4-BE49-F238E27FC236}">
@@ -7183,8 +8656,12 @@
               <a:buNone/>
             </a:pPr>
             <a:r>
+              <a:rPr lang="en-US" b="1" dirty="0"/>
+              <a:t>How</a:t>
+            </a:r>
+            <a:r>
               <a:rPr lang="en-US" dirty="0"/>
-              <a:t>How; “The solution”</a:t>
+              <a:t> do we solve this?</a:t>
             </a:r>
           </a:p>
           <a:p>
@@ -7192,12 +8669,55 @@
               <a:buNone/>
             </a:pPr>
             <a:r>
+              <a:rPr lang="en-US" sz="1400" dirty="0"/>
+              <a:t>By providing Business Intelligence and Analytics</a:t>
+            </a:r>
+            <a:r>
+              <a:rPr lang="en-US" sz="1400" b="1" dirty="0"/>
+              <a:t> </a:t>
+            </a:r>
+            <a:r>
+              <a:rPr lang="en-US" sz="1400" dirty="0"/>
+              <a:t>to businesses in an </a:t>
+            </a:r>
+            <a:r>
+              <a:rPr lang="en-US" sz="1400" b="1" dirty="0"/>
+              <a:t>Impactful</a:t>
+            </a:r>
+            <a:r>
+              <a:rPr lang="en-US" sz="1400" dirty="0"/>
+              <a:t> and </a:t>
+            </a:r>
+            <a:r>
+              <a:rPr lang="en-US" sz="1400" b="1" dirty="0"/>
+              <a:t>Cost-efficient</a:t>
+            </a:r>
+            <a:r>
+              <a:rPr lang="en-US" sz="1400" dirty="0"/>
+              <a:t> manner.</a:t>
+            </a:r>
+          </a:p>
+          <a:p>
+            <a:pPr marL="0" indent="0">
+              <a:buNone/>
+            </a:pPr>
+            <a:r>
+              <a:rPr lang="en-US" b="1" dirty="0"/>
+              <a:t>What</a:t>
+            </a:r>
+            <a:r>
               <a:rPr lang="en-US" dirty="0"/>
-              <a:t>Bridge the Gap for SMEs by using AI to build business intelligence dashboards for data analysis hence reducing the cost of entry</a:t>
-            </a:r>
-          </a:p>
-          <a:p>
-            <a:endParaRPr lang="en-US" dirty="0"/>
+              <a:t> is the product?</a:t>
+            </a:r>
+          </a:p>
+          <a:p>
+            <a:pPr marL="0" indent="0">
+              <a:buNone/>
+            </a:pPr>
+            <a:r>
+              <a:rPr lang="en-US" sz="1400" dirty="0"/>
+              <a:t>A commercialized platform that harnesses the power of A.I. (trained with data engineering and analytics best practices); effectively providing business with an experienced data analyst at a faction of the cost.</a:t>
+            </a:r>
           </a:p>
         </p:txBody>
       </p:sp>
@@ -7484,6 +9004,1304 @@
     <p:extLst>
       <p:ext uri="{BB962C8B-B14F-4D97-AF65-F5344CB8AC3E}">
         <p14:creationId xmlns:p14="http://schemas.microsoft.com/office/powerpoint/2010/main" val="542035209"/>
+      </p:ext>
+    </p:extLst>
+  </p:cSld>
+  <p:clrMapOvr>
+    <a:masterClrMapping/>
+  </p:clrMapOvr>
+</p:sld>
+</file>
+
+<file path=ppt/slides/slide8.xml><?xml version="1.0" encoding="utf-8"?>
+<p:sld xmlns:a="http://schemas.openxmlformats.org/drawingml/2006/main" xmlns:r="http://schemas.openxmlformats.org/officeDocument/2006/relationships" xmlns:p="http://schemas.openxmlformats.org/presentationml/2006/main">
+  <p:cSld>
+    <p:spTree>
+      <p:nvGrpSpPr>
+        <p:cNvPr id="1" name=""/>
+        <p:cNvGrpSpPr/>
+        <p:nvPr/>
+      </p:nvGrpSpPr>
+      <p:grpSpPr>
+        <a:xfrm>
+          <a:off x="0" y="0"/>
+          <a:ext cx="0" cy="0"/>
+          <a:chOff x="0" y="0"/>
+          <a:chExt cx="0" cy="0"/>
+        </a:xfrm>
+      </p:grpSpPr>
+      <p:sp>
+        <p:nvSpPr>
+          <p:cNvPr id="2" name="Title 1">
+            <a:extLst>
+              <a:ext uri="{FF2B5EF4-FFF2-40B4-BE49-F238E27FC236}">
+                <a16:creationId xmlns:a16="http://schemas.microsoft.com/office/drawing/2014/main" id="{7FA60E29-9EE4-A50B-947A-16A31432D05A}"/>
+              </a:ext>
+            </a:extLst>
+          </p:cNvPr>
+          <p:cNvSpPr>
+            <a:spLocks noGrp="1"/>
+          </p:cNvSpPr>
+          <p:nvPr>
+            <p:ph type="title"/>
+          </p:nvPr>
+        </p:nvSpPr>
+        <p:spPr/>
+        <p:txBody>
+          <a:bodyPr/>
+          <a:lstStyle/>
+          <a:p>
+            <a:r>
+              <a:rPr lang="en-US" dirty="0"/>
+              <a:t>Product – MVP01</a:t>
+            </a:r>
+          </a:p>
+        </p:txBody>
+      </p:sp>
+    </p:spTree>
+    <p:extLst>
+      <p:ext uri="{BB962C8B-B14F-4D97-AF65-F5344CB8AC3E}">
+        <p14:creationId xmlns:p14="http://schemas.microsoft.com/office/powerpoint/2010/main" val="863660716"/>
+      </p:ext>
+    </p:extLst>
+  </p:cSld>
+  <p:clrMapOvr>
+    <a:masterClrMapping/>
+  </p:clrMapOvr>
+</p:sld>
+</file>
+
+<file path=ppt/slides/slide9.xml><?xml version="1.0" encoding="utf-8"?>
+<p:sld xmlns:a="http://schemas.openxmlformats.org/drawingml/2006/main" xmlns:r="http://schemas.openxmlformats.org/officeDocument/2006/relationships" xmlns:p="http://schemas.openxmlformats.org/presentationml/2006/main">
+  <p:cSld>
+    <p:spTree>
+      <p:nvGrpSpPr>
+        <p:cNvPr id="1" name=""/>
+        <p:cNvGrpSpPr/>
+        <p:nvPr/>
+      </p:nvGrpSpPr>
+      <p:grpSpPr>
+        <a:xfrm>
+          <a:off x="0" y="0"/>
+          <a:ext cx="0" cy="0"/>
+          <a:chOff x="0" y="0"/>
+          <a:chExt cx="0" cy="0"/>
+        </a:xfrm>
+      </p:grpSpPr>
+      <p:sp>
+        <p:nvSpPr>
+          <p:cNvPr id="2" name="Title 1">
+            <a:extLst>
+              <a:ext uri="{FF2B5EF4-FFF2-40B4-BE49-F238E27FC236}">
+                <a16:creationId xmlns:a16="http://schemas.microsoft.com/office/drawing/2014/main" id="{BCAF6FDA-12AC-4AF4-54C8-98CC8C8170EA}"/>
+              </a:ext>
+            </a:extLst>
+          </p:cNvPr>
+          <p:cNvSpPr>
+            <a:spLocks noGrp="1"/>
+          </p:cNvSpPr>
+          <p:nvPr>
+            <p:ph type="title"/>
+          </p:nvPr>
+        </p:nvSpPr>
+        <p:spPr/>
+        <p:txBody>
+          <a:bodyPr/>
+          <a:lstStyle/>
+          <a:p>
+            <a:r>
+              <a:rPr lang="en-US" dirty="0"/>
+              <a:t>Opportunity – Target Personas </a:t>
+            </a:r>
+            <a:r>
+              <a:rPr lang="en-US" sz="1200" dirty="0"/>
+              <a:t>by Data Adoption Stages</a:t>
+            </a:r>
+          </a:p>
+        </p:txBody>
+      </p:sp>
+      <p:sp>
+        <p:nvSpPr>
+          <p:cNvPr id="4" name="TextBox 3">
+            <a:extLst>
+              <a:ext uri="{FF2B5EF4-FFF2-40B4-BE49-F238E27FC236}">
+                <a16:creationId xmlns:a16="http://schemas.microsoft.com/office/drawing/2014/main" id="{9D4DE6F2-21D8-8A77-2C61-7BA1D64BDD79}"/>
+              </a:ext>
+            </a:extLst>
+          </p:cNvPr>
+          <p:cNvSpPr txBox="1"/>
+          <p:nvPr/>
+        </p:nvSpPr>
+        <p:spPr>
+          <a:xfrm>
+            <a:off x="5685254" y="5960973"/>
+            <a:ext cx="6354346" cy="830997"/>
+          </a:xfrm>
+          <a:prstGeom prst="rect">
+            <a:avLst/>
+          </a:prstGeom>
+          <a:noFill/>
+        </p:spPr>
+        <p:txBody>
+          <a:bodyPr wrap="square" rtlCol="0">
+            <a:spAutoFit/>
+          </a:bodyPr>
+          <a:lstStyle/>
+          <a:p>
+            <a:r>
+              <a:rPr lang="en-US" sz="800" dirty="0">
+                <a:solidFill>
+                  <a:srgbClr val="467886"/>
+                </a:solidFill>
+                <a:hlinkClick r:id="rId2">
+                  <a:extLst>
+                    <a:ext uri="{A12FA001-AC4F-418D-AE19-62706E023703}">
+                      <ahyp:hlinkClr xmlns:ahyp="http://schemas.microsoft.com/office/drawing/2018/hyperlinkcolor" val="tx"/>
+                    </a:ext>
+                  </a:extLst>
+                </a:hlinkClick>
+              </a:rPr>
+              <a:t>Source:</a:t>
+            </a:r>
+          </a:p>
+          <a:p>
+            <a:r>
+              <a:rPr lang="en-US" sz="800" u="sng" dirty="0">
+                <a:hlinkClick r:id="rId2">
+                  <a:extLst>
+                    <a:ext uri="{A12FA001-AC4F-418D-AE19-62706E023703}">
+                      <ahyp:hlinkClr xmlns:ahyp="http://schemas.microsoft.com/office/drawing/2018/hyperlinkcolor" val="tx"/>
+                    </a:ext>
+                  </a:extLst>
+                </a:hlinkClick>
+              </a:rPr>
+              <a:t>https://www.straitstimes.com/business/budget-2024-s-pore-businesses-workers-and-families-want-help-to-defray-costs-stay-productive</a:t>
+            </a:r>
+            <a:endParaRPr lang="en-US" sz="800" u="sng" dirty="0"/>
+          </a:p>
+          <a:p>
+            <a:r>
+              <a:rPr lang="en-US" sz="800" u="sng" dirty="0">
+                <a:hlinkClick r:id="rId3">
+                  <a:extLst>
+                    <a:ext uri="{A12FA001-AC4F-418D-AE19-62706E023703}">
+                      <ahyp:hlinkClr xmlns:ahyp="http://schemas.microsoft.com/office/drawing/2018/hyperlinkcolor" val="tx"/>
+                    </a:ext>
+                  </a:extLst>
+                </a:hlinkClick>
+              </a:rPr>
+              <a:t>https://www.singstat.gov.sg/-/media/files/publications/industry/ssn222-pg9-12.ashx#:~:text=In%202020%2C%20there%20were%20211%2C400,in%20value%2Dadded%20in%202020</a:t>
+            </a:r>
+            <a:r>
+              <a:rPr lang="en-US" sz="800" u="sng" dirty="0"/>
+              <a:t>.</a:t>
+            </a:r>
+          </a:p>
+          <a:p>
+            <a:r>
+              <a:rPr lang="en-US" sz="800" u="sng" dirty="0"/>
+              <a:t>https://</a:t>
+            </a:r>
+            <a:r>
+              <a:rPr lang="en-US" sz="800" u="sng" dirty="0" err="1"/>
+              <a:t>www.straitstimes.com</a:t>
+            </a:r>
+            <a:r>
+              <a:rPr lang="en-US" sz="800" u="sng" dirty="0"/>
+              <a:t>/</a:t>
+            </a:r>
+            <a:r>
+              <a:rPr lang="en-US" sz="800" u="sng" dirty="0" err="1"/>
+              <a:t>singapore</a:t>
+            </a:r>
+            <a:r>
+              <a:rPr lang="en-US" sz="800" u="sng" dirty="0"/>
+              <a:t>/some-micro-</a:t>
+            </a:r>
+            <a:r>
+              <a:rPr lang="en-US" sz="800" u="sng" dirty="0" err="1"/>
+              <a:t>smes</a:t>
+            </a:r>
+            <a:r>
+              <a:rPr lang="en-US" sz="800" u="sng" dirty="0"/>
+              <a:t>-gradually-restructuring#:~:text=Spring%20estimates%20that%20about%2070,parts%20of%20their%20business%20processes.</a:t>
+            </a:r>
+          </a:p>
+        </p:txBody>
+      </p:sp>
+      <p:sp>
+        <p:nvSpPr>
+          <p:cNvPr id="9" name="Content Placeholder 5">
+            <a:extLst>
+              <a:ext uri="{FF2B5EF4-FFF2-40B4-BE49-F238E27FC236}">
+                <a16:creationId xmlns:a16="http://schemas.microsoft.com/office/drawing/2014/main" id="{DA52BF58-D52D-7974-77F6-E776359F407B}"/>
+              </a:ext>
+            </a:extLst>
+          </p:cNvPr>
+          <p:cNvSpPr txBox="1">
+            <a:spLocks/>
+          </p:cNvSpPr>
+          <p:nvPr/>
+        </p:nvSpPr>
+        <p:spPr>
+          <a:xfrm>
+            <a:off x="4337223" y="1825625"/>
+            <a:ext cx="7016577" cy="4011514"/>
+          </a:xfrm>
+          <a:prstGeom prst="rect">
+            <a:avLst/>
+          </a:prstGeom>
+        </p:spPr>
+        <p:txBody>
+          <a:bodyPr/>
+          <a:lstStyle>
+            <a:lvl1pPr marL="228600" indent="-228600" algn="l" defTabSz="914400" rtl="0" eaLnBrk="1" latinLnBrk="0" hangingPunct="1">
+              <a:lnSpc>
+                <a:spcPct val="90000"/>
+              </a:lnSpc>
+              <a:spcBef>
+                <a:spcPts val="1000"/>
+              </a:spcBef>
+              <a:buFont typeface="Arial" panose="020B0604020202020204" pitchFamily="34" charset="0"/>
+              <a:buChar char="•"/>
+              <a:defRPr sz="2800" kern="1200">
+                <a:solidFill>
+                  <a:schemeClr val="tx1"/>
+                </a:solidFill>
+                <a:latin typeface="+mn-lt"/>
+                <a:ea typeface="+mn-ea"/>
+                <a:cs typeface="+mn-cs"/>
+              </a:defRPr>
+            </a:lvl1pPr>
+            <a:lvl2pPr marL="685800" indent="-228600" algn="l" defTabSz="914400" rtl="0" eaLnBrk="1" latinLnBrk="0" hangingPunct="1">
+              <a:lnSpc>
+                <a:spcPct val="90000"/>
+              </a:lnSpc>
+              <a:spcBef>
+                <a:spcPts val="500"/>
+              </a:spcBef>
+              <a:buFont typeface="Arial" panose="020B0604020202020204" pitchFamily="34" charset="0"/>
+              <a:buChar char="•"/>
+              <a:defRPr sz="2400" kern="1200">
+                <a:solidFill>
+                  <a:schemeClr val="tx1"/>
+                </a:solidFill>
+                <a:latin typeface="+mn-lt"/>
+                <a:ea typeface="+mn-ea"/>
+                <a:cs typeface="+mn-cs"/>
+              </a:defRPr>
+            </a:lvl2pPr>
+            <a:lvl3pPr marL="1143000" indent="-228600" algn="l" defTabSz="914400" rtl="0" eaLnBrk="1" latinLnBrk="0" hangingPunct="1">
+              <a:lnSpc>
+                <a:spcPct val="90000"/>
+              </a:lnSpc>
+              <a:spcBef>
+                <a:spcPts val="500"/>
+              </a:spcBef>
+              <a:buFont typeface="Arial" panose="020B0604020202020204" pitchFamily="34" charset="0"/>
+              <a:buChar char="•"/>
+              <a:defRPr sz="2000" kern="1200">
+                <a:solidFill>
+                  <a:schemeClr val="tx1"/>
+                </a:solidFill>
+                <a:latin typeface="+mn-lt"/>
+                <a:ea typeface="+mn-ea"/>
+                <a:cs typeface="+mn-cs"/>
+              </a:defRPr>
+            </a:lvl3pPr>
+            <a:lvl4pPr marL="1600200" indent="-228600" algn="l" defTabSz="914400" rtl="0" eaLnBrk="1" latinLnBrk="0" hangingPunct="1">
+              <a:lnSpc>
+                <a:spcPct val="90000"/>
+              </a:lnSpc>
+              <a:spcBef>
+                <a:spcPts val="500"/>
+              </a:spcBef>
+              <a:buFont typeface="Arial" panose="020B0604020202020204" pitchFamily="34" charset="0"/>
+              <a:buChar char="•"/>
+              <a:defRPr sz="1800" kern="1200">
+                <a:solidFill>
+                  <a:schemeClr val="tx1"/>
+                </a:solidFill>
+                <a:latin typeface="+mn-lt"/>
+                <a:ea typeface="+mn-ea"/>
+                <a:cs typeface="+mn-cs"/>
+              </a:defRPr>
+            </a:lvl4pPr>
+            <a:lvl5pPr marL="2057400" indent="-228600" algn="l" defTabSz="914400" rtl="0" eaLnBrk="1" latinLnBrk="0" hangingPunct="1">
+              <a:lnSpc>
+                <a:spcPct val="90000"/>
+              </a:lnSpc>
+              <a:spcBef>
+                <a:spcPts val="500"/>
+              </a:spcBef>
+              <a:buFont typeface="Arial" panose="020B0604020202020204" pitchFamily="34" charset="0"/>
+              <a:buChar char="•"/>
+              <a:defRPr sz="1800" kern="1200">
+                <a:solidFill>
+                  <a:schemeClr val="tx1"/>
+                </a:solidFill>
+                <a:latin typeface="+mn-lt"/>
+                <a:ea typeface="+mn-ea"/>
+                <a:cs typeface="+mn-cs"/>
+              </a:defRPr>
+            </a:lvl5pPr>
+            <a:lvl6pPr marL="2514600" indent="-228600" algn="l" defTabSz="914400" rtl="0" eaLnBrk="1" latinLnBrk="0" hangingPunct="1">
+              <a:lnSpc>
+                <a:spcPct val="90000"/>
+              </a:lnSpc>
+              <a:spcBef>
+                <a:spcPts val="500"/>
+              </a:spcBef>
+              <a:buFont typeface="Arial" panose="020B0604020202020204" pitchFamily="34" charset="0"/>
+              <a:buChar char="•"/>
+              <a:defRPr sz="1800" kern="1200">
+                <a:solidFill>
+                  <a:schemeClr val="tx1"/>
+                </a:solidFill>
+                <a:latin typeface="+mn-lt"/>
+                <a:ea typeface="+mn-ea"/>
+                <a:cs typeface="+mn-cs"/>
+              </a:defRPr>
+            </a:lvl6pPr>
+            <a:lvl7pPr marL="2971800" indent="-228600" algn="l" defTabSz="914400" rtl="0" eaLnBrk="1" latinLnBrk="0" hangingPunct="1">
+              <a:lnSpc>
+                <a:spcPct val="90000"/>
+              </a:lnSpc>
+              <a:spcBef>
+                <a:spcPts val="500"/>
+              </a:spcBef>
+              <a:buFont typeface="Arial" panose="020B0604020202020204" pitchFamily="34" charset="0"/>
+              <a:buChar char="•"/>
+              <a:defRPr sz="1800" kern="1200">
+                <a:solidFill>
+                  <a:schemeClr val="tx1"/>
+                </a:solidFill>
+                <a:latin typeface="+mn-lt"/>
+                <a:ea typeface="+mn-ea"/>
+                <a:cs typeface="+mn-cs"/>
+              </a:defRPr>
+            </a:lvl7pPr>
+            <a:lvl8pPr marL="3429000" indent="-228600" algn="l" defTabSz="914400" rtl="0" eaLnBrk="1" latinLnBrk="0" hangingPunct="1">
+              <a:lnSpc>
+                <a:spcPct val="90000"/>
+              </a:lnSpc>
+              <a:spcBef>
+                <a:spcPts val="500"/>
+              </a:spcBef>
+              <a:buFont typeface="Arial" panose="020B0604020202020204" pitchFamily="34" charset="0"/>
+              <a:buChar char="•"/>
+              <a:defRPr sz="1800" kern="1200">
+                <a:solidFill>
+                  <a:schemeClr val="tx1"/>
+                </a:solidFill>
+                <a:latin typeface="+mn-lt"/>
+                <a:ea typeface="+mn-ea"/>
+                <a:cs typeface="+mn-cs"/>
+              </a:defRPr>
+            </a:lvl8pPr>
+            <a:lvl9pPr marL="3886200" indent="-228600" algn="l" defTabSz="914400" rtl="0" eaLnBrk="1" latinLnBrk="0" hangingPunct="1">
+              <a:lnSpc>
+                <a:spcPct val="90000"/>
+              </a:lnSpc>
+              <a:spcBef>
+                <a:spcPts val="500"/>
+              </a:spcBef>
+              <a:buFont typeface="Arial" panose="020B0604020202020204" pitchFamily="34" charset="0"/>
+              <a:buChar char="•"/>
+              <a:defRPr sz="1800" kern="1200">
+                <a:solidFill>
+                  <a:schemeClr val="tx1"/>
+                </a:solidFill>
+                <a:latin typeface="+mn-lt"/>
+                <a:ea typeface="+mn-ea"/>
+                <a:cs typeface="+mn-cs"/>
+              </a:defRPr>
+            </a:lvl9pPr>
+          </a:lstStyle>
+          <a:p>
+            <a:pPr marL="0" indent="0">
+              <a:buFont typeface="Arial" panose="020B0604020202020204" pitchFamily="34" charset="0"/>
+              <a:buNone/>
+            </a:pPr>
+            <a:r>
+              <a:rPr lang="en-US" dirty="0"/>
+              <a:t>Early Adopter </a:t>
+            </a:r>
+            <a:r>
+              <a:rPr lang="en-US" sz="1400" dirty="0"/>
+              <a:t>[Business with Established Data Teams and Infrastructure]</a:t>
+            </a:r>
+          </a:p>
+          <a:p>
+            <a:r>
+              <a:rPr lang="en-US" sz="1400" dirty="0"/>
+              <a:t>Supplementary tool for Non-technical Personal to query data on the fly for insights. </a:t>
+            </a:r>
+          </a:p>
+          <a:p>
+            <a:pPr marL="0" indent="0">
+              <a:buNone/>
+            </a:pPr>
+            <a:r>
+              <a:rPr lang="en-US" dirty="0"/>
+              <a:t>Majority </a:t>
+            </a:r>
+            <a:r>
+              <a:rPr lang="en-US" sz="1400" dirty="0"/>
+              <a:t>[Business on the data journey]</a:t>
+            </a:r>
+          </a:p>
+          <a:p>
+            <a:r>
+              <a:rPr lang="en-US" sz="1400" dirty="0"/>
+              <a:t>Exploratory tool for businesses to engage their data</a:t>
+            </a:r>
+          </a:p>
+          <a:p>
+            <a:r>
+              <a:rPr lang="en-US" sz="1400" dirty="0"/>
+              <a:t>Supplementary tool for Non-technical Personal to query data on the fly for insights.</a:t>
+            </a:r>
+          </a:p>
+          <a:p>
+            <a:pPr marL="0" indent="0">
+              <a:buNone/>
+            </a:pPr>
+            <a:r>
+              <a:rPr lang="en-US" sz="1400" dirty="0"/>
+              <a:t> </a:t>
+            </a:r>
+            <a:r>
+              <a:rPr lang="en-US" dirty="0"/>
+              <a:t>Laggers </a:t>
+            </a:r>
+            <a:r>
+              <a:rPr lang="en-US" sz="1400" dirty="0"/>
+              <a:t>[Business with no data emphasis]</a:t>
+            </a:r>
+          </a:p>
+          <a:p>
+            <a:r>
+              <a:rPr lang="en-US" sz="1400" dirty="0"/>
+              <a:t>Future Targets – to collaborate with data training organizations to educate and inform on data opportunity</a:t>
+            </a:r>
+          </a:p>
+          <a:p>
+            <a:pPr marL="0" indent="0">
+              <a:buNone/>
+            </a:pPr>
+            <a:endParaRPr lang="en-US" sz="1400" dirty="0"/>
+          </a:p>
+          <a:p>
+            <a:endParaRPr lang="en-US" sz="1400" dirty="0"/>
+          </a:p>
+        </p:txBody>
+      </p:sp>
+      <p:grpSp>
+        <p:nvGrpSpPr>
+          <p:cNvPr id="36" name="Group 35">
+            <a:extLst>
+              <a:ext uri="{FF2B5EF4-FFF2-40B4-BE49-F238E27FC236}">
+                <a16:creationId xmlns:a16="http://schemas.microsoft.com/office/drawing/2014/main" id="{5BCCD6C9-6E41-17DA-1D7A-37E368970818}"/>
+              </a:ext>
+            </a:extLst>
+          </p:cNvPr>
+          <p:cNvGrpSpPr/>
+          <p:nvPr/>
+        </p:nvGrpSpPr>
+        <p:grpSpPr>
+          <a:xfrm>
+            <a:off x="357485" y="88698"/>
+            <a:ext cx="6024248" cy="6066974"/>
+            <a:chOff x="357485" y="356326"/>
+            <a:chExt cx="6024248" cy="6066974"/>
+          </a:xfrm>
+        </p:grpSpPr>
+        <p:cxnSp>
+          <p:nvCxnSpPr>
+            <p:cNvPr id="6" name="Straight Arrow Connector 5">
+              <a:extLst>
+                <a:ext uri="{FF2B5EF4-FFF2-40B4-BE49-F238E27FC236}">
+                  <a16:creationId xmlns:a16="http://schemas.microsoft.com/office/drawing/2014/main" id="{8721469F-C798-69C1-5B56-2736E6659CB5}"/>
+                </a:ext>
+              </a:extLst>
+            </p:cNvPr>
+            <p:cNvCxnSpPr/>
+            <p:nvPr/>
+          </p:nvCxnSpPr>
+          <p:spPr>
+            <a:xfrm flipV="1">
+              <a:off x="819150" y="2076450"/>
+              <a:ext cx="0" cy="3362325"/>
+            </a:xfrm>
+            <a:prstGeom prst="straightConnector1">
+              <a:avLst/>
+            </a:prstGeom>
+            <a:ln>
+              <a:tailEnd type="triangle"/>
+            </a:ln>
+          </p:spPr>
+          <p:style>
+            <a:lnRef idx="2">
+              <a:schemeClr val="accent1"/>
+            </a:lnRef>
+            <a:fillRef idx="0">
+              <a:schemeClr val="accent1"/>
+            </a:fillRef>
+            <a:effectRef idx="1">
+              <a:schemeClr val="accent1"/>
+            </a:effectRef>
+            <a:fontRef idx="minor">
+              <a:schemeClr val="tx1"/>
+            </a:fontRef>
+          </p:style>
+        </p:cxnSp>
+        <p:cxnSp>
+          <p:nvCxnSpPr>
+            <p:cNvPr id="8" name="Straight Arrow Connector 7">
+              <a:extLst>
+                <a:ext uri="{FF2B5EF4-FFF2-40B4-BE49-F238E27FC236}">
+                  <a16:creationId xmlns:a16="http://schemas.microsoft.com/office/drawing/2014/main" id="{3DC1D0A7-3ECB-42CC-61AA-DA650DA09168}"/>
+                </a:ext>
+              </a:extLst>
+            </p:cNvPr>
+            <p:cNvCxnSpPr>
+              <a:cxnSpLocks/>
+            </p:cNvCxnSpPr>
+            <p:nvPr/>
+          </p:nvCxnSpPr>
+          <p:spPr>
+            <a:xfrm>
+              <a:off x="819150" y="5438775"/>
+              <a:ext cx="3352800" cy="0"/>
+            </a:xfrm>
+            <a:prstGeom prst="straightConnector1">
+              <a:avLst/>
+            </a:prstGeom>
+            <a:ln>
+              <a:tailEnd type="triangle"/>
+            </a:ln>
+          </p:spPr>
+          <p:style>
+            <a:lnRef idx="2">
+              <a:schemeClr val="accent1"/>
+            </a:lnRef>
+            <a:fillRef idx="0">
+              <a:schemeClr val="accent1"/>
+            </a:fillRef>
+            <a:effectRef idx="1">
+              <a:schemeClr val="accent1"/>
+            </a:effectRef>
+            <a:fontRef idx="minor">
+              <a:schemeClr val="tx1"/>
+            </a:fontRef>
+          </p:style>
+        </p:cxnSp>
+        <p:sp>
+          <p:nvSpPr>
+            <p:cNvPr id="15" name="Arc 14">
+              <a:extLst>
+                <a:ext uri="{FF2B5EF4-FFF2-40B4-BE49-F238E27FC236}">
+                  <a16:creationId xmlns:a16="http://schemas.microsoft.com/office/drawing/2014/main" id="{90A4FA5F-3FB9-768B-8248-49C88C2EB0C0}"/>
+                </a:ext>
+              </a:extLst>
+            </p:cNvPr>
+            <p:cNvSpPr/>
+            <p:nvPr/>
+          </p:nvSpPr>
+          <p:spPr>
+            <a:xfrm flipH="1" flipV="1">
+              <a:off x="990600" y="356326"/>
+              <a:ext cx="5391133" cy="4879848"/>
+            </a:xfrm>
+            <a:prstGeom prst="arc">
+              <a:avLst/>
+            </a:prstGeom>
+          </p:spPr>
+          <p:style>
+            <a:lnRef idx="2">
+              <a:schemeClr val="accent1"/>
+            </a:lnRef>
+            <a:fillRef idx="0">
+              <a:schemeClr val="accent1"/>
+            </a:fillRef>
+            <a:effectRef idx="1">
+              <a:schemeClr val="accent1"/>
+            </a:effectRef>
+            <a:fontRef idx="minor">
+              <a:schemeClr val="tx1"/>
+            </a:fontRef>
+          </p:style>
+          <p:txBody>
+            <a:bodyPr rtlCol="0" anchor="ctr"/>
+            <a:lstStyle/>
+            <a:p>
+              <a:pPr algn="ctr"/>
+              <a:endParaRPr lang="en-US" dirty="0"/>
+            </a:p>
+          </p:txBody>
+        </p:sp>
+        <p:sp>
+          <p:nvSpPr>
+            <p:cNvPr id="16" name="TextBox 15">
+              <a:extLst>
+                <a:ext uri="{FF2B5EF4-FFF2-40B4-BE49-F238E27FC236}">
+                  <a16:creationId xmlns:a16="http://schemas.microsoft.com/office/drawing/2014/main" id="{4CCE1ACA-B653-5662-6096-547ADF2E086F}"/>
+                </a:ext>
+              </a:extLst>
+            </p:cNvPr>
+            <p:cNvSpPr txBox="1"/>
+            <p:nvPr/>
+          </p:nvSpPr>
+          <p:spPr>
+            <a:xfrm>
+              <a:off x="932614" y="5869302"/>
+              <a:ext cx="2955874" cy="553998"/>
+            </a:xfrm>
+            <a:prstGeom prst="rect">
+              <a:avLst/>
+            </a:prstGeom>
+            <a:noFill/>
+          </p:spPr>
+          <p:txBody>
+            <a:bodyPr wrap="none" rtlCol="0">
+              <a:spAutoFit/>
+            </a:bodyPr>
+            <a:lstStyle/>
+            <a:p>
+              <a:pPr algn="ctr"/>
+              <a:r>
+                <a:rPr lang="en-US" dirty="0"/>
+                <a:t># of Businesses</a:t>
+              </a:r>
+            </a:p>
+            <a:p>
+              <a:pPr algn="ctr"/>
+              <a:r>
+                <a:rPr lang="en-US" sz="1200" dirty="0"/>
+                <a:t>Approximately 300,000 SMEs in Singapore</a:t>
+              </a:r>
+            </a:p>
+          </p:txBody>
+        </p:sp>
+        <p:sp>
+          <p:nvSpPr>
+            <p:cNvPr id="17" name="TextBox 16">
+              <a:extLst>
+                <a:ext uri="{FF2B5EF4-FFF2-40B4-BE49-F238E27FC236}">
+                  <a16:creationId xmlns:a16="http://schemas.microsoft.com/office/drawing/2014/main" id="{780037A6-AF42-3C4C-16AC-83D77C5D6FF1}"/>
+                </a:ext>
+              </a:extLst>
+            </p:cNvPr>
+            <p:cNvSpPr txBox="1"/>
+            <p:nvPr/>
+          </p:nvSpPr>
+          <p:spPr>
+            <a:xfrm>
+              <a:off x="357485" y="3055914"/>
+              <a:ext cx="461665" cy="1522212"/>
+            </a:xfrm>
+            <a:prstGeom prst="rect">
+              <a:avLst/>
+            </a:prstGeom>
+            <a:noFill/>
+          </p:spPr>
+          <p:txBody>
+            <a:bodyPr vert="vert270" wrap="none" rtlCol="0">
+              <a:spAutoFit/>
+            </a:bodyPr>
+            <a:lstStyle/>
+            <a:p>
+              <a:r>
+                <a:rPr lang="en-US" dirty="0"/>
+                <a:t>Data Adoption</a:t>
+              </a:r>
+            </a:p>
+          </p:txBody>
+        </p:sp>
+        <p:sp>
+          <p:nvSpPr>
+            <p:cNvPr id="47" name="Rounded Rectangle 46">
+              <a:extLst>
+                <a:ext uri="{FF2B5EF4-FFF2-40B4-BE49-F238E27FC236}">
+                  <a16:creationId xmlns:a16="http://schemas.microsoft.com/office/drawing/2014/main" id="{88A7E11E-D2FC-1A51-1BFE-9CAC2DFD7BE2}"/>
+                </a:ext>
+              </a:extLst>
+            </p:cNvPr>
+            <p:cNvSpPr/>
+            <p:nvPr/>
+          </p:nvSpPr>
+          <p:spPr>
+            <a:xfrm>
+              <a:off x="1073773" y="4199601"/>
+              <a:ext cx="123825" cy="123825"/>
+            </a:xfrm>
+            <a:prstGeom prst="roundRect">
+              <a:avLst/>
+            </a:prstGeom>
+          </p:spPr>
+          <p:style>
+            <a:lnRef idx="2">
+              <a:schemeClr val="accent1">
+                <a:shade val="15000"/>
+              </a:schemeClr>
+            </a:lnRef>
+            <a:fillRef idx="1">
+              <a:schemeClr val="accent1"/>
+            </a:fillRef>
+            <a:effectRef idx="0">
+              <a:schemeClr val="accent1"/>
+            </a:effectRef>
+            <a:fontRef idx="minor">
+              <a:schemeClr val="lt1"/>
+            </a:fontRef>
+          </p:style>
+          <p:txBody>
+            <a:bodyPr rtlCol="0" anchor="ctr"/>
+            <a:lstStyle/>
+            <a:p>
+              <a:pPr algn="ctr"/>
+              <a:endParaRPr lang="en-US"/>
+            </a:p>
+          </p:txBody>
+        </p:sp>
+        <p:sp>
+          <p:nvSpPr>
+            <p:cNvPr id="12" name="Oval 11">
+              <a:extLst>
+                <a:ext uri="{FF2B5EF4-FFF2-40B4-BE49-F238E27FC236}">
+                  <a16:creationId xmlns:a16="http://schemas.microsoft.com/office/drawing/2014/main" id="{5CB3CA8C-35C3-CBE1-2184-02BBA93C096D}"/>
+                </a:ext>
+              </a:extLst>
+            </p:cNvPr>
+            <p:cNvSpPr/>
+            <p:nvPr/>
+          </p:nvSpPr>
+          <p:spPr>
+            <a:xfrm>
+              <a:off x="1493781" y="4735835"/>
+              <a:ext cx="126864" cy="126864"/>
+            </a:xfrm>
+            <a:prstGeom prst="ellipse">
+              <a:avLst/>
+            </a:prstGeom>
+          </p:spPr>
+          <p:style>
+            <a:lnRef idx="2">
+              <a:schemeClr val="accent1">
+                <a:shade val="15000"/>
+              </a:schemeClr>
+            </a:lnRef>
+            <a:fillRef idx="1">
+              <a:schemeClr val="accent1"/>
+            </a:fillRef>
+            <a:effectRef idx="0">
+              <a:schemeClr val="accent1"/>
+            </a:effectRef>
+            <a:fontRef idx="minor">
+              <a:schemeClr val="lt1"/>
+            </a:fontRef>
+          </p:style>
+          <p:txBody>
+            <a:bodyPr rtlCol="0" anchor="ctr"/>
+            <a:lstStyle/>
+            <a:p>
+              <a:pPr algn="ctr"/>
+              <a:endParaRPr lang="en-US"/>
+            </a:p>
+          </p:txBody>
+        </p:sp>
+        <p:sp>
+          <p:nvSpPr>
+            <p:cNvPr id="18" name="Teardrop 17">
+              <a:extLst>
+                <a:ext uri="{FF2B5EF4-FFF2-40B4-BE49-F238E27FC236}">
+                  <a16:creationId xmlns:a16="http://schemas.microsoft.com/office/drawing/2014/main" id="{D6633357-F88D-712E-663B-D6800E0490CA}"/>
+                </a:ext>
+              </a:extLst>
+            </p:cNvPr>
+            <p:cNvSpPr/>
+            <p:nvPr/>
+          </p:nvSpPr>
+          <p:spPr>
+            <a:xfrm rot="18900000">
+              <a:off x="2245872" y="5002506"/>
+              <a:ext cx="129004" cy="129004"/>
+            </a:xfrm>
+            <a:prstGeom prst="teardrop">
+              <a:avLst/>
+            </a:prstGeom>
+          </p:spPr>
+          <p:style>
+            <a:lnRef idx="2">
+              <a:schemeClr val="accent1">
+                <a:shade val="15000"/>
+              </a:schemeClr>
+            </a:lnRef>
+            <a:fillRef idx="1">
+              <a:schemeClr val="accent1"/>
+            </a:fillRef>
+            <a:effectRef idx="0">
+              <a:schemeClr val="accent1"/>
+            </a:effectRef>
+            <a:fontRef idx="minor">
+              <a:schemeClr val="lt1"/>
+            </a:fontRef>
+          </p:style>
+          <p:txBody>
+            <a:bodyPr rtlCol="0" anchor="ctr"/>
+            <a:lstStyle/>
+            <a:p>
+              <a:pPr algn="ctr"/>
+              <a:endParaRPr lang="en-US"/>
+            </a:p>
+          </p:txBody>
+        </p:sp>
+        <p:grpSp>
+          <p:nvGrpSpPr>
+            <p:cNvPr id="26" name="Group 25">
+              <a:extLst>
+                <a:ext uri="{FF2B5EF4-FFF2-40B4-BE49-F238E27FC236}">
+                  <a16:creationId xmlns:a16="http://schemas.microsoft.com/office/drawing/2014/main" id="{D9BADEA5-9AB0-7BF3-2955-D92AC04ED0CC}"/>
+                </a:ext>
+              </a:extLst>
+            </p:cNvPr>
+            <p:cNvGrpSpPr/>
+            <p:nvPr/>
+          </p:nvGrpSpPr>
+          <p:grpSpPr>
+            <a:xfrm>
+              <a:off x="2701827" y="2312491"/>
+              <a:ext cx="1159671" cy="824500"/>
+              <a:chOff x="1397136" y="2568968"/>
+              <a:chExt cx="1159671" cy="824500"/>
+            </a:xfrm>
+          </p:grpSpPr>
+          <p:sp>
+            <p:nvSpPr>
+              <p:cNvPr id="48" name="Rounded Rectangle 47">
+                <a:extLst>
+                  <a:ext uri="{FF2B5EF4-FFF2-40B4-BE49-F238E27FC236}">
+                    <a16:creationId xmlns:a16="http://schemas.microsoft.com/office/drawing/2014/main" id="{4F1EF113-0F34-2B3F-A1C7-A3F9E9AE143C}"/>
+                  </a:ext>
+                </a:extLst>
+              </p:cNvPr>
+              <p:cNvSpPr/>
+              <p:nvPr/>
+            </p:nvSpPr>
+            <p:spPr>
+              <a:xfrm>
+                <a:off x="1400175" y="2619375"/>
+                <a:ext cx="123825" cy="123825"/>
+              </a:xfrm>
+              <a:prstGeom prst="roundRect">
+                <a:avLst/>
+              </a:prstGeom>
+            </p:spPr>
+            <p:style>
+              <a:lnRef idx="2">
+                <a:schemeClr val="accent1">
+                  <a:shade val="15000"/>
+                </a:schemeClr>
+              </a:lnRef>
+              <a:fillRef idx="1">
+                <a:schemeClr val="accent1"/>
+              </a:fillRef>
+              <a:effectRef idx="0">
+                <a:schemeClr val="accent1"/>
+              </a:effectRef>
+              <a:fontRef idx="minor">
+                <a:schemeClr val="lt1"/>
+              </a:fontRef>
+            </p:style>
+            <p:txBody>
+              <a:bodyPr rtlCol="0" anchor="ctr"/>
+              <a:lstStyle/>
+              <a:p>
+                <a:pPr algn="ctr"/>
+                <a:endParaRPr lang="en-US"/>
+              </a:p>
+            </p:txBody>
+          </p:sp>
+          <p:sp>
+            <p:nvSpPr>
+              <p:cNvPr id="49" name="TextBox 48">
+                <a:extLst>
+                  <a:ext uri="{FF2B5EF4-FFF2-40B4-BE49-F238E27FC236}">
+                    <a16:creationId xmlns:a16="http://schemas.microsoft.com/office/drawing/2014/main" id="{D82A11E4-365E-1B40-D9B5-65DD121C7843}"/>
+                  </a:ext>
+                </a:extLst>
+              </p:cNvPr>
+              <p:cNvSpPr txBox="1"/>
+              <p:nvPr/>
+            </p:nvSpPr>
+            <p:spPr>
+              <a:xfrm>
+                <a:off x="1524001" y="2568968"/>
+                <a:ext cx="1032806" cy="246221"/>
+              </a:xfrm>
+              <a:prstGeom prst="rect">
+                <a:avLst/>
+              </a:prstGeom>
+              <a:noFill/>
+            </p:spPr>
+            <p:txBody>
+              <a:bodyPr wrap="square" rtlCol="0">
+                <a:spAutoFit/>
+              </a:bodyPr>
+              <a:lstStyle/>
+              <a:p>
+                <a:r>
+                  <a:rPr lang="en-US" sz="1000" dirty="0"/>
+                  <a:t>Early Adopter</a:t>
+                </a:r>
+              </a:p>
+            </p:txBody>
+          </p:sp>
+          <p:sp>
+            <p:nvSpPr>
+              <p:cNvPr id="10" name="Oval 9">
+                <a:extLst>
+                  <a:ext uri="{FF2B5EF4-FFF2-40B4-BE49-F238E27FC236}">
+                    <a16:creationId xmlns:a16="http://schemas.microsoft.com/office/drawing/2014/main" id="{EEAD5226-7230-7327-D896-C05A3700A614}"/>
+                  </a:ext>
+                </a:extLst>
+              </p:cNvPr>
+              <p:cNvSpPr/>
+              <p:nvPr/>
+            </p:nvSpPr>
+            <p:spPr>
+              <a:xfrm>
+                <a:off x="1397136" y="2921901"/>
+                <a:ext cx="126864" cy="126864"/>
+              </a:xfrm>
+              <a:prstGeom prst="ellipse">
+                <a:avLst/>
+              </a:prstGeom>
+            </p:spPr>
+            <p:style>
+              <a:lnRef idx="2">
+                <a:schemeClr val="accent1">
+                  <a:shade val="15000"/>
+                </a:schemeClr>
+              </a:lnRef>
+              <a:fillRef idx="1">
+                <a:schemeClr val="accent1"/>
+              </a:fillRef>
+              <a:effectRef idx="0">
+                <a:schemeClr val="accent1"/>
+              </a:effectRef>
+              <a:fontRef idx="minor">
+                <a:schemeClr val="lt1"/>
+              </a:fontRef>
+            </p:style>
+            <p:txBody>
+              <a:bodyPr rtlCol="0" anchor="ctr"/>
+              <a:lstStyle/>
+              <a:p>
+                <a:pPr algn="ctr"/>
+                <a:endParaRPr lang="en-US"/>
+              </a:p>
+            </p:txBody>
+          </p:sp>
+          <p:sp>
+            <p:nvSpPr>
+              <p:cNvPr id="11" name="TextBox 10">
+                <a:extLst>
+                  <a:ext uri="{FF2B5EF4-FFF2-40B4-BE49-F238E27FC236}">
+                    <a16:creationId xmlns:a16="http://schemas.microsoft.com/office/drawing/2014/main" id="{59E6D15C-7D16-E0F7-2061-5C07E3C31539}"/>
+                  </a:ext>
+                </a:extLst>
+              </p:cNvPr>
+              <p:cNvSpPr txBox="1"/>
+              <p:nvPr/>
+            </p:nvSpPr>
+            <p:spPr>
+              <a:xfrm>
+                <a:off x="1524001" y="2865596"/>
+                <a:ext cx="1032806" cy="246221"/>
+              </a:xfrm>
+              <a:prstGeom prst="rect">
+                <a:avLst/>
+              </a:prstGeom>
+              <a:noFill/>
+            </p:spPr>
+            <p:txBody>
+              <a:bodyPr wrap="square" rtlCol="0">
+                <a:spAutoFit/>
+              </a:bodyPr>
+              <a:lstStyle/>
+              <a:p>
+                <a:r>
+                  <a:rPr lang="en-US" sz="1000" dirty="0"/>
+                  <a:t>Majority</a:t>
+                </a:r>
+              </a:p>
+            </p:txBody>
+          </p:sp>
+          <p:sp>
+            <p:nvSpPr>
+              <p:cNvPr id="14" name="Teardrop 13">
+                <a:extLst>
+                  <a:ext uri="{FF2B5EF4-FFF2-40B4-BE49-F238E27FC236}">
+                    <a16:creationId xmlns:a16="http://schemas.microsoft.com/office/drawing/2014/main" id="{63B281FE-FF53-BE0E-E91D-5882E8409793}"/>
+                  </a:ext>
+                </a:extLst>
+              </p:cNvPr>
+              <p:cNvSpPr/>
+              <p:nvPr/>
+            </p:nvSpPr>
+            <p:spPr>
+              <a:xfrm rot="18900000">
+                <a:off x="1402101" y="3222028"/>
+                <a:ext cx="129004" cy="129004"/>
+              </a:xfrm>
+              <a:prstGeom prst="teardrop">
+                <a:avLst/>
+              </a:prstGeom>
+            </p:spPr>
+            <p:style>
+              <a:lnRef idx="2">
+                <a:schemeClr val="accent1">
+                  <a:shade val="15000"/>
+                </a:schemeClr>
+              </a:lnRef>
+              <a:fillRef idx="1">
+                <a:schemeClr val="accent1"/>
+              </a:fillRef>
+              <a:effectRef idx="0">
+                <a:schemeClr val="accent1"/>
+              </a:effectRef>
+              <a:fontRef idx="minor">
+                <a:schemeClr val="lt1"/>
+              </a:fontRef>
+            </p:style>
+            <p:txBody>
+              <a:bodyPr rtlCol="0" anchor="ctr"/>
+              <a:lstStyle/>
+              <a:p>
+                <a:pPr algn="ctr"/>
+                <a:endParaRPr lang="en-US"/>
+              </a:p>
+            </p:txBody>
+          </p:sp>
+          <p:sp>
+            <p:nvSpPr>
+              <p:cNvPr id="19" name="TextBox 18">
+                <a:extLst>
+                  <a:ext uri="{FF2B5EF4-FFF2-40B4-BE49-F238E27FC236}">
+                    <a16:creationId xmlns:a16="http://schemas.microsoft.com/office/drawing/2014/main" id="{56806287-3A5D-8CCA-72EB-C53C382A5BD4}"/>
+                  </a:ext>
+                </a:extLst>
+              </p:cNvPr>
+              <p:cNvSpPr txBox="1"/>
+              <p:nvPr/>
+            </p:nvSpPr>
+            <p:spPr>
+              <a:xfrm>
+                <a:off x="1523999" y="3147247"/>
+                <a:ext cx="1032806" cy="246221"/>
+              </a:xfrm>
+              <a:prstGeom prst="rect">
+                <a:avLst/>
+              </a:prstGeom>
+              <a:noFill/>
+            </p:spPr>
+            <p:txBody>
+              <a:bodyPr wrap="square" rtlCol="0">
+                <a:spAutoFit/>
+              </a:bodyPr>
+              <a:lstStyle/>
+              <a:p>
+                <a:r>
+                  <a:rPr lang="en-US" sz="1000" dirty="0"/>
+                  <a:t>Laggers</a:t>
+                </a:r>
+              </a:p>
+            </p:txBody>
+          </p:sp>
+        </p:grpSp>
+        <p:cxnSp>
+          <p:nvCxnSpPr>
+            <p:cNvPr id="22" name="Straight Connector 21">
+              <a:extLst>
+                <a:ext uri="{FF2B5EF4-FFF2-40B4-BE49-F238E27FC236}">
+                  <a16:creationId xmlns:a16="http://schemas.microsoft.com/office/drawing/2014/main" id="{7E24870A-473B-6ECC-5064-4FEE40F578F1}"/>
+                </a:ext>
+              </a:extLst>
+            </p:cNvPr>
+            <p:cNvCxnSpPr>
+              <a:cxnSpLocks/>
+            </p:cNvCxnSpPr>
+            <p:nvPr/>
+          </p:nvCxnSpPr>
+          <p:spPr>
+            <a:xfrm>
+              <a:off x="1073773" y="3572845"/>
+              <a:ext cx="0" cy="2310509"/>
+            </a:xfrm>
+            <a:prstGeom prst="line">
+              <a:avLst/>
+            </a:prstGeom>
+            <a:ln w="19050" cap="flat" cmpd="sng" algn="ctr">
+              <a:solidFill>
+                <a:schemeClr val="dk1"/>
+              </a:solidFill>
+              <a:prstDash val="dash"/>
+              <a:round/>
+              <a:headEnd type="none" w="med" len="med"/>
+              <a:tailEnd type="none" w="med" len="med"/>
+            </a:ln>
+          </p:spPr>
+          <p:style>
+            <a:lnRef idx="0">
+              <a:scrgbClr r="0" g="0" b="0"/>
+            </a:lnRef>
+            <a:fillRef idx="0">
+              <a:scrgbClr r="0" g="0" b="0"/>
+            </a:fillRef>
+            <a:effectRef idx="0">
+              <a:scrgbClr r="0" g="0" b="0"/>
+            </a:effectRef>
+            <a:fontRef idx="minor">
+              <a:schemeClr val="tx1"/>
+            </a:fontRef>
+          </p:style>
+        </p:cxnSp>
+        <p:cxnSp>
+          <p:nvCxnSpPr>
+            <p:cNvPr id="24" name="Straight Connector 23">
+              <a:extLst>
+                <a:ext uri="{FF2B5EF4-FFF2-40B4-BE49-F238E27FC236}">
+                  <a16:creationId xmlns:a16="http://schemas.microsoft.com/office/drawing/2014/main" id="{023DB407-05F8-3FF4-DA13-AC96D3284405}"/>
+                </a:ext>
+              </a:extLst>
+            </p:cNvPr>
+            <p:cNvCxnSpPr>
+              <a:cxnSpLocks/>
+            </p:cNvCxnSpPr>
+            <p:nvPr/>
+          </p:nvCxnSpPr>
+          <p:spPr>
+            <a:xfrm>
+              <a:off x="1516083" y="4346310"/>
+              <a:ext cx="0" cy="1537044"/>
+            </a:xfrm>
+            <a:prstGeom prst="line">
+              <a:avLst/>
+            </a:prstGeom>
+            <a:ln w="19050" cap="flat" cmpd="sng" algn="ctr">
+              <a:solidFill>
+                <a:schemeClr val="dk1"/>
+              </a:solidFill>
+              <a:prstDash val="dash"/>
+              <a:round/>
+              <a:headEnd type="none" w="med" len="med"/>
+              <a:tailEnd type="none" w="med" len="med"/>
+            </a:ln>
+          </p:spPr>
+          <p:style>
+            <a:lnRef idx="0">
+              <a:scrgbClr r="0" g="0" b="0"/>
+            </a:lnRef>
+            <a:fillRef idx="0">
+              <a:scrgbClr r="0" g="0" b="0"/>
+            </a:fillRef>
+            <a:effectRef idx="0">
+              <a:scrgbClr r="0" g="0" b="0"/>
+            </a:effectRef>
+            <a:fontRef idx="minor">
+              <a:schemeClr val="tx1"/>
+            </a:fontRef>
+          </p:style>
+        </p:cxnSp>
+        <p:sp>
+          <p:nvSpPr>
+            <p:cNvPr id="32" name="TextBox 31">
+              <a:extLst>
+                <a:ext uri="{FF2B5EF4-FFF2-40B4-BE49-F238E27FC236}">
+                  <a16:creationId xmlns:a16="http://schemas.microsoft.com/office/drawing/2014/main" id="{3B9BF58F-8642-3010-1A7E-967F1CBCA247}"/>
+                </a:ext>
+              </a:extLst>
+            </p:cNvPr>
+            <p:cNvSpPr txBox="1"/>
+            <p:nvPr/>
+          </p:nvSpPr>
+          <p:spPr>
+            <a:xfrm>
+              <a:off x="1864103" y="5481782"/>
+              <a:ext cx="992579" cy="215444"/>
+            </a:xfrm>
+            <a:prstGeom prst="rect">
+              <a:avLst/>
+            </a:prstGeom>
+            <a:noFill/>
+          </p:spPr>
+          <p:txBody>
+            <a:bodyPr wrap="none" rtlCol="0">
+              <a:spAutoFit/>
+            </a:bodyPr>
+            <a:lstStyle/>
+            <a:p>
+              <a:r>
+                <a:rPr lang="en-US" sz="800" dirty="0"/>
+                <a:t>Micro-SMEs (70%)</a:t>
+              </a:r>
+            </a:p>
+          </p:txBody>
+        </p:sp>
+        <p:sp>
+          <p:nvSpPr>
+            <p:cNvPr id="33" name="TextBox 32">
+              <a:extLst>
+                <a:ext uri="{FF2B5EF4-FFF2-40B4-BE49-F238E27FC236}">
+                  <a16:creationId xmlns:a16="http://schemas.microsoft.com/office/drawing/2014/main" id="{3D89454E-67BA-AE29-FFA0-1BF8093837BC}"/>
+                </a:ext>
+              </a:extLst>
+            </p:cNvPr>
+            <p:cNvSpPr txBox="1"/>
+            <p:nvPr/>
+          </p:nvSpPr>
+          <p:spPr>
+            <a:xfrm>
+              <a:off x="1079930" y="5421689"/>
+              <a:ext cx="460382" cy="461665"/>
+            </a:xfrm>
+            <a:prstGeom prst="rect">
+              <a:avLst/>
+            </a:prstGeom>
+            <a:noFill/>
+          </p:spPr>
+          <p:txBody>
+            <a:bodyPr wrap="none" rtlCol="0">
+              <a:spAutoFit/>
+            </a:bodyPr>
+            <a:lstStyle/>
+            <a:p>
+              <a:r>
+                <a:rPr lang="en-US" sz="800" dirty="0"/>
+                <a:t>Small</a:t>
+              </a:r>
+            </a:p>
+            <a:p>
+              <a:r>
+                <a:rPr lang="en-US" sz="800" dirty="0"/>
+                <a:t>SMEs</a:t>
+              </a:r>
+            </a:p>
+            <a:p>
+              <a:r>
+                <a:rPr lang="en-US" sz="800" dirty="0"/>
+                <a:t> (26%)</a:t>
+              </a:r>
+            </a:p>
+          </p:txBody>
+        </p:sp>
+      </p:grpSp>
+    </p:spTree>
+    <p:extLst>
+      <p:ext uri="{BB962C8B-B14F-4D97-AF65-F5344CB8AC3E}">
+        <p14:creationId xmlns:p14="http://schemas.microsoft.com/office/powerpoint/2010/main" val="3296131588"/>
       </p:ext>
     </p:extLst>
   </p:cSld>
